--- a/1-tf.pptx
+++ b/1-tf.pptx
@@ -5,15 +5,25 @@
     <p:sldMasterId id="2147483648" r:id="rId1"/>
   </p:sldMasterIdLst>
   <p:notesMasterIdLst>
-    <p:notesMasterId r:id="rId5"/>
+    <p:notesMasterId r:id="rId15"/>
   </p:notesMasterIdLst>
   <p:handoutMasterIdLst>
-    <p:handoutMasterId r:id="rId6"/>
+    <p:handoutMasterId r:id="rId16"/>
   </p:handoutMasterIdLst>
   <p:sldIdLst>
     <p:sldId id="2305" r:id="rId2"/>
     <p:sldId id="2308" r:id="rId3"/>
-    <p:sldId id="2309" r:id="rId4"/>
+    <p:sldId id="2311" r:id="rId4"/>
+    <p:sldId id="2310" r:id="rId5"/>
+    <p:sldId id="2313" r:id="rId6"/>
+    <p:sldId id="2312" r:id="rId7"/>
+    <p:sldId id="2314" r:id="rId8"/>
+    <p:sldId id="2317" r:id="rId9"/>
+    <p:sldId id="2321" r:id="rId10"/>
+    <p:sldId id="2319" r:id="rId11"/>
+    <p:sldId id="2320" r:id="rId12"/>
+    <p:sldId id="2316" r:id="rId13"/>
+    <p:sldId id="2318" r:id="rId14"/>
   </p:sldIdLst>
   <p:sldSz cx="9144000" cy="6858000" type="screen4x3"/>
   <p:notesSz cx="6858000" cy="9144000"/>
@@ -227,7 +237,7 @@
           <a:p>
             <a:fld id="{B1730E14-8C26-4ED5-B7B4-B3979F4F78AA}" type="datetimeFigureOut">
               <a:rPr lang="cs-CZ" smtClean="0"/>
-              <a:t>10.11.2024</a:t>
+              <a:t>20.11.2024</a:t>
             </a:fld>
             <a:endParaRPr lang="cs-CZ"/>
           </a:p>
@@ -392,7 +402,7 @@
           <a:p>
             <a:fld id="{C85954D0-5250-4AAF-8AF5-6CCD0BDB627C}" type="datetimeFigureOut">
               <a:rPr lang="cs-CZ" smtClean="0"/>
-              <a:t>10.11.2024</a:t>
+              <a:t>20.11.2024</a:t>
             </a:fld>
             <a:endParaRPr lang="cs-CZ"/>
           </a:p>
@@ -946,7 +956,7 @@
           <a:p>
             <a:fld id="{95EC1D4A-A796-47C3-A63E-CE236FB377E2}" type="datetimeFigureOut">
               <a:rPr lang="cs-CZ" smtClean="0"/>
-              <a:t>10.11.2024</a:t>
+              <a:t>20.11.2024</a:t>
             </a:fld>
             <a:endParaRPr lang="cs-CZ"/>
           </a:p>
@@ -1109,7 +1119,7 @@
           <a:p>
             <a:fld id="{95EC1D4A-A796-47C3-A63E-CE236FB377E2}" type="datetimeFigureOut">
               <a:rPr lang="cs-CZ" smtClean="0"/>
-              <a:t>10.11.2024</a:t>
+              <a:t>20.11.2024</a:t>
             </a:fld>
             <a:endParaRPr lang="cs-CZ"/>
           </a:p>
@@ -1282,7 +1292,7 @@
           <a:p>
             <a:fld id="{95EC1D4A-A796-47C3-A63E-CE236FB377E2}" type="datetimeFigureOut">
               <a:rPr lang="cs-CZ" smtClean="0"/>
-              <a:t>10.11.2024</a:t>
+              <a:t>20.11.2024</a:t>
             </a:fld>
             <a:endParaRPr lang="cs-CZ"/>
           </a:p>
@@ -1445,7 +1455,7 @@
           <a:p>
             <a:fld id="{95EC1D4A-A796-47C3-A63E-CE236FB377E2}" type="datetimeFigureOut">
               <a:rPr lang="cs-CZ" smtClean="0"/>
-              <a:t>10.11.2024</a:t>
+              <a:t>20.11.2024</a:t>
             </a:fld>
             <a:endParaRPr lang="cs-CZ"/>
           </a:p>
@@ -1608,7 +1618,7 @@
           <a:p>
             <a:fld id="{95EC1D4A-A796-47C3-A63E-CE236FB377E2}" type="datetimeFigureOut">
               <a:rPr lang="cs-CZ" smtClean="0"/>
-              <a:t>10.11.2024</a:t>
+              <a:t>20.11.2024</a:t>
             </a:fld>
             <a:endParaRPr lang="cs-CZ"/>
           </a:p>
@@ -1888,7 +1898,7 @@
           <a:p>
             <a:fld id="{95EC1D4A-A796-47C3-A63E-CE236FB377E2}" type="datetimeFigureOut">
               <a:rPr lang="cs-CZ" smtClean="0"/>
-              <a:t>10.11.2024</a:t>
+              <a:t>20.11.2024</a:t>
             </a:fld>
             <a:endParaRPr lang="cs-CZ"/>
           </a:p>
@@ -2051,7 +2061,7 @@
           <a:p>
             <a:fld id="{95EC1D4A-A796-47C3-A63E-CE236FB377E2}" type="datetimeFigureOut">
               <a:rPr lang="cs-CZ" smtClean="0"/>
-              <a:t>10.11.2024</a:t>
+              <a:t>20.11.2024</a:t>
             </a:fld>
             <a:endParaRPr lang="cs-CZ"/>
           </a:p>
@@ -2214,7 +2224,7 @@
           <a:p>
             <a:fld id="{95EC1D4A-A796-47C3-A63E-CE236FB377E2}" type="datetimeFigureOut">
               <a:rPr lang="cs-CZ" smtClean="0"/>
-              <a:t>10.11.2024</a:t>
+              <a:t>20.11.2024</a:t>
             </a:fld>
             <a:endParaRPr lang="cs-CZ"/>
           </a:p>
@@ -2304,7 +2314,7 @@
           <a:p>
             <a:fld id="{95EC1D4A-A796-47C3-A63E-CE236FB377E2}" type="datetimeFigureOut">
               <a:rPr lang="cs-CZ" smtClean="0"/>
-              <a:t>10.11.2024</a:t>
+              <a:t>20.11.2024</a:t>
             </a:fld>
             <a:endParaRPr lang="cs-CZ"/>
           </a:p>
@@ -2574,7 +2584,7 @@
           <a:p>
             <a:fld id="{95EC1D4A-A796-47C3-A63E-CE236FB377E2}" type="datetimeFigureOut">
               <a:rPr lang="cs-CZ" smtClean="0"/>
-              <a:t>10.11.2024</a:t>
+              <a:t>20.11.2024</a:t>
             </a:fld>
             <a:endParaRPr lang="cs-CZ"/>
           </a:p>
@@ -2821,7 +2831,7 @@
           <a:p>
             <a:fld id="{95EC1D4A-A796-47C3-A63E-CE236FB377E2}" type="datetimeFigureOut">
               <a:rPr lang="cs-CZ" smtClean="0"/>
-              <a:t>10.11.2024</a:t>
+              <a:t>20.11.2024</a:t>
             </a:fld>
             <a:endParaRPr lang="cs-CZ"/>
           </a:p>
@@ -3027,7 +3037,7 @@
           <a:p>
             <a:fld id="{95EC1D4A-A796-47C3-A63E-CE236FB377E2}" type="datetimeFigureOut">
               <a:rPr lang="cs-CZ" smtClean="0"/>
-              <a:t>10.11.2024</a:t>
+              <a:t>20.11.2024</a:t>
             </a:fld>
             <a:endParaRPr lang="cs-CZ"/>
           </a:p>
@@ -3596,6 +3606,1680 @@
 </p:sld>
 </file>
 
+<file path=ppt/slides/slide10.xml><?xml version="1.0" encoding="utf-8"?>
+<p:sld xmlns:a="http://schemas.openxmlformats.org/drawingml/2006/main" xmlns:r="http://schemas.openxmlformats.org/officeDocument/2006/relationships" xmlns:p="http://schemas.openxmlformats.org/presentationml/2006/main">
+  <p:cSld>
+    <p:spTree>
+      <p:nvGrpSpPr>
+        <p:cNvPr id="1" name=""/>
+        <p:cNvGrpSpPr/>
+        <p:nvPr/>
+      </p:nvGrpSpPr>
+      <p:grpSpPr>
+        <a:xfrm>
+          <a:off x="0" y="0"/>
+          <a:ext cx="0" cy="0"/>
+          <a:chOff x="0" y="0"/>
+          <a:chExt cx="0" cy="0"/>
+        </a:xfrm>
+      </p:grpSpPr>
+      <p:pic>
+        <p:nvPicPr>
+          <p:cNvPr id="11" name="Obrázek 10">
+            <a:extLst>
+              <a:ext uri="{FF2B5EF4-FFF2-40B4-BE49-F238E27FC236}">
+                <a16:creationId xmlns:a16="http://schemas.microsoft.com/office/drawing/2014/main" id="{4FF4A0B8-B6D8-13AE-15A1-4B15C9EB02F7}"/>
+              </a:ext>
+            </a:extLst>
+          </p:cNvPr>
+          <p:cNvPicPr>
+            <a:picLocks noChangeAspect="1"/>
+          </p:cNvPicPr>
+          <p:nvPr/>
+        </p:nvPicPr>
+        <p:blipFill>
+          <a:blip r:embed="rId2" cstate="print">
+            <a:extLst>
+              <a:ext uri="{28A0092B-C50C-407E-A947-70E740481C1C}">
+                <a14:useLocalDpi xmlns:a14="http://schemas.microsoft.com/office/drawing/2010/main" val="0"/>
+              </a:ext>
+            </a:extLst>
+          </a:blip>
+          <a:stretch>
+            <a:fillRect/>
+          </a:stretch>
+        </p:blipFill>
+        <p:spPr>
+          <a:xfrm>
+            <a:off x="456285" y="166136"/>
+            <a:ext cx="2315515" cy="434160"/>
+          </a:xfrm>
+          <a:prstGeom prst="rect">
+            <a:avLst/>
+          </a:prstGeom>
+        </p:spPr>
+      </p:pic>
+      <p:sp>
+        <p:nvSpPr>
+          <p:cNvPr id="3" name="Zástupný symbol pro text 8"/>
+          <p:cNvSpPr>
+            <a:spLocks noGrp="1"/>
+          </p:cNvSpPr>
+          <p:nvPr>
+            <p:ph type="body" idx="1"/>
+          </p:nvPr>
+        </p:nvSpPr>
+        <p:spPr>
+          <a:xfrm>
+            <a:off x="457200" y="600296"/>
+            <a:ext cx="8229600" cy="5853040"/>
+          </a:xfrm>
+        </p:spPr>
+        <p:txBody>
+          <a:bodyPr/>
+          <a:lstStyle/>
+          <a:p>
+            <a:r>
+              <a:rPr lang="cs-CZ" dirty="0" smtClean="0"/>
+              <a:t>CLI </a:t>
+            </a:r>
+            <a:r>
+              <a:rPr lang="cs-CZ" dirty="0" err="1" smtClean="0"/>
+              <a:t>config</a:t>
+            </a:r>
+            <a:r>
+              <a:rPr lang="cs-CZ" dirty="0" smtClean="0"/>
+              <a:t> </a:t>
+            </a:r>
+            <a:r>
+              <a:rPr lang="cs-CZ" dirty="0" err="1" smtClean="0"/>
+              <a:t>file</a:t>
+            </a:r>
+            <a:endParaRPr lang="cs-CZ" dirty="0" smtClean="0"/>
+          </a:p>
+          <a:p>
+            <a:pPr lvl="1"/>
+            <a:r>
+              <a:rPr lang="cs-CZ" sz="1800" dirty="0" smtClean="0"/>
+              <a:t>Umístění:</a:t>
+            </a:r>
+          </a:p>
+          <a:p>
+            <a:pPr lvl="2"/>
+            <a:r>
+              <a:rPr lang="cs-CZ" sz="1400" dirty="0" smtClean="0"/>
+              <a:t>Lze ovlivnit </a:t>
+            </a:r>
+            <a:r>
+              <a:rPr lang="cs-CZ" sz="1400" dirty="0" err="1" smtClean="0"/>
+              <a:t>environment</a:t>
+            </a:r>
+            <a:r>
+              <a:rPr lang="cs-CZ" sz="1400" dirty="0" smtClean="0"/>
+              <a:t> </a:t>
+            </a:r>
+            <a:r>
+              <a:rPr lang="cs-CZ" sz="1400" dirty="0" err="1" smtClean="0"/>
+              <a:t>variable</a:t>
+            </a:r>
+            <a:r>
+              <a:rPr lang="cs-CZ" sz="1400" dirty="0" smtClean="0"/>
+              <a:t> </a:t>
+            </a:r>
+            <a:r>
+              <a:rPr lang="cs-CZ" sz="1400" dirty="0">
+                <a:solidFill>
+                  <a:schemeClr val="accent6">
+                    <a:lumMod val="75000"/>
+                  </a:schemeClr>
+                </a:solidFill>
+                <a:latin typeface="Consolas" panose="020B0609020204030204" pitchFamily="49" charset="0"/>
+              </a:rPr>
+              <a:t>TF_CLI_CONFIG_FILE</a:t>
+            </a:r>
+            <a:r>
+              <a:rPr lang="cs-CZ" sz="1400" dirty="0" smtClean="0"/>
+              <a:t>, standardně</a:t>
+            </a:r>
+          </a:p>
+          <a:p>
+            <a:pPr lvl="2"/>
+            <a:r>
+              <a:rPr lang="cs-CZ" sz="1400" dirty="0" smtClean="0"/>
+              <a:t>Windows: </a:t>
+            </a:r>
+            <a:r>
+              <a:rPr lang="cs-CZ" sz="1400" dirty="0" smtClean="0">
+                <a:solidFill>
+                  <a:schemeClr val="accent6">
+                    <a:lumMod val="75000"/>
+                  </a:schemeClr>
+                </a:solidFill>
+                <a:latin typeface="Consolas" panose="020B0609020204030204" pitchFamily="49" charset="0"/>
+              </a:rPr>
+              <a:t>%APPDATA%\</a:t>
+            </a:r>
+            <a:r>
+              <a:rPr lang="cs-CZ" sz="1400" dirty="0" err="1" smtClean="0">
+                <a:solidFill>
+                  <a:schemeClr val="accent6">
+                    <a:lumMod val="75000"/>
+                  </a:schemeClr>
+                </a:solidFill>
+                <a:latin typeface="Consolas" panose="020B0609020204030204" pitchFamily="49" charset="0"/>
+              </a:rPr>
+              <a:t>terraform.rc</a:t>
+            </a:r>
+            <a:endParaRPr lang="cs-CZ" sz="1400" dirty="0" smtClean="0">
+              <a:solidFill>
+                <a:schemeClr val="accent6">
+                  <a:lumMod val="75000"/>
+                </a:schemeClr>
+              </a:solidFill>
+              <a:latin typeface="Consolas" panose="020B0609020204030204" pitchFamily="49" charset="0"/>
+            </a:endParaRPr>
+          </a:p>
+          <a:p>
+            <a:pPr lvl="2"/>
+            <a:r>
+              <a:rPr lang="cs-CZ" sz="1400" dirty="0" err="1" smtClean="0"/>
+              <a:t>Other</a:t>
+            </a:r>
+            <a:r>
+              <a:rPr lang="cs-CZ" sz="1400" dirty="0" smtClean="0"/>
+              <a:t> </a:t>
+            </a:r>
+            <a:r>
+              <a:rPr lang="cs-CZ" sz="1400" dirty="0" err="1" smtClean="0"/>
+              <a:t>systems</a:t>
+            </a:r>
+            <a:r>
+              <a:rPr lang="cs-CZ" sz="1400" dirty="0" smtClean="0"/>
+              <a:t>: </a:t>
+            </a:r>
+            <a:r>
+              <a:rPr lang="cs-CZ" sz="1400" dirty="0">
+                <a:solidFill>
+                  <a:schemeClr val="accent6">
+                    <a:lumMod val="75000"/>
+                  </a:schemeClr>
+                </a:solidFill>
+                <a:latin typeface="Consolas" panose="020B0609020204030204" pitchFamily="49" charset="0"/>
+              </a:rPr>
+              <a:t>~/.</a:t>
+            </a:r>
+            <a:r>
+              <a:rPr lang="cs-CZ" sz="1400" dirty="0" err="1" smtClean="0">
+                <a:solidFill>
+                  <a:schemeClr val="accent6">
+                    <a:lumMod val="75000"/>
+                  </a:schemeClr>
+                </a:solidFill>
+                <a:latin typeface="Consolas" panose="020B0609020204030204" pitchFamily="49" charset="0"/>
+              </a:rPr>
+              <a:t>terraformrc</a:t>
+            </a:r>
+            <a:endParaRPr lang="cs-CZ" sz="1800" dirty="0">
+              <a:solidFill>
+                <a:schemeClr val="accent6">
+                  <a:lumMod val="75000"/>
+                </a:schemeClr>
+              </a:solidFill>
+              <a:latin typeface="Consolas" panose="020B0609020204030204" pitchFamily="49" charset="0"/>
+            </a:endParaRPr>
+          </a:p>
+          <a:p>
+            <a:pPr lvl="1"/>
+            <a:r>
+              <a:rPr lang="cs-CZ" sz="1800" dirty="0" smtClean="0"/>
+              <a:t>HCL </a:t>
+            </a:r>
+            <a:r>
+              <a:rPr lang="cs-CZ" sz="1800" dirty="0" smtClean="0"/>
+              <a:t>syntaxe</a:t>
+            </a:r>
+            <a:endParaRPr lang="cs-CZ" sz="1800" dirty="0" smtClean="0"/>
+          </a:p>
+          <a:p>
+            <a:pPr lvl="1"/>
+            <a:r>
+              <a:rPr lang="cs-CZ" sz="1800" dirty="0" err="1" smtClean="0"/>
+              <a:t>Documentation</a:t>
+            </a:r>
+            <a:r>
+              <a:rPr lang="cs-CZ" sz="1800" dirty="0"/>
+              <a:t>: </a:t>
+            </a:r>
+            <a:r>
+              <a:rPr lang="cs-CZ" sz="1800" dirty="0">
+                <a:hlinkClick r:id="rId3"/>
+              </a:rPr>
+              <a:t>https://</a:t>
+            </a:r>
+            <a:r>
+              <a:rPr lang="cs-CZ" sz="1800" dirty="0" smtClean="0">
+                <a:hlinkClick r:id="rId3"/>
+              </a:rPr>
+              <a:t>developer.hashicorp.com/terraform/cli/config/config-file</a:t>
+            </a:r>
+            <a:endParaRPr lang="cs-CZ" sz="1800" dirty="0" smtClean="0"/>
+          </a:p>
+          <a:p>
+            <a:pPr lvl="1"/>
+            <a:r>
+              <a:rPr lang="cs-CZ" sz="1800" dirty="0" smtClean="0"/>
+              <a:t>Nastavení:</a:t>
+            </a:r>
+          </a:p>
+          <a:p>
+            <a:pPr lvl="2"/>
+            <a:r>
+              <a:rPr lang="cs-CZ" sz="1400" dirty="0" err="1" smtClean="0"/>
+              <a:t>credentials</a:t>
+            </a:r>
+            <a:r>
+              <a:rPr lang="cs-CZ" sz="1400" dirty="0" smtClean="0"/>
+              <a:t> (například pro ověření do </a:t>
+            </a:r>
+            <a:r>
+              <a:rPr lang="cs-CZ" sz="1400" dirty="0" err="1" smtClean="0"/>
+              <a:t>private</a:t>
+            </a:r>
+            <a:r>
+              <a:rPr lang="cs-CZ" sz="1400" dirty="0" smtClean="0"/>
+              <a:t> module registry)</a:t>
+            </a:r>
+          </a:p>
+          <a:p>
+            <a:pPr lvl="2"/>
+            <a:r>
+              <a:rPr lang="cs-CZ" sz="1400" dirty="0" err="1"/>
+              <a:t>c</a:t>
+            </a:r>
+            <a:r>
+              <a:rPr lang="cs-CZ" sz="1400" dirty="0" err="1" smtClean="0"/>
+              <a:t>redentials_helper</a:t>
+            </a:r>
+            <a:endParaRPr lang="cs-CZ" sz="1400" dirty="0" smtClean="0"/>
+          </a:p>
+          <a:p>
+            <a:pPr lvl="2"/>
+            <a:r>
+              <a:rPr lang="cs-CZ" sz="1400" dirty="0" err="1"/>
+              <a:t>d</a:t>
+            </a:r>
+            <a:r>
+              <a:rPr lang="cs-CZ" sz="1400" dirty="0" err="1" smtClean="0"/>
+              <a:t>isable_checkpoint</a:t>
+            </a:r>
+            <a:endParaRPr lang="cs-CZ" sz="1400" dirty="0" smtClean="0"/>
+          </a:p>
+          <a:p>
+            <a:pPr lvl="2"/>
+            <a:r>
+              <a:rPr lang="cs-CZ" sz="1400" dirty="0" err="1" smtClean="0"/>
+              <a:t>disable_checkpoint_signature</a:t>
+            </a:r>
+            <a:endParaRPr lang="cs-CZ" sz="1400" dirty="0" smtClean="0"/>
+          </a:p>
+          <a:p>
+            <a:pPr lvl="2"/>
+            <a:r>
+              <a:rPr lang="cs-CZ" sz="1400" dirty="0" err="1"/>
+              <a:t>p</a:t>
+            </a:r>
+            <a:r>
+              <a:rPr lang="cs-CZ" sz="1400" dirty="0" err="1" smtClean="0"/>
+              <a:t>lugin_cache_dir</a:t>
+            </a:r>
+            <a:endParaRPr lang="cs-CZ" sz="1400" dirty="0" smtClean="0"/>
+          </a:p>
+          <a:p>
+            <a:pPr lvl="2"/>
+            <a:r>
+              <a:rPr lang="cs-CZ" sz="1400" dirty="0" err="1" smtClean="0"/>
+              <a:t>provider_installation</a:t>
+            </a:r>
+            <a:r>
+              <a:rPr lang="cs-CZ" sz="1400" dirty="0" smtClean="0"/>
+              <a:t> (například použití lokálního zrcadla pro instalaci)</a:t>
+            </a:r>
+            <a:endParaRPr lang="cs-CZ" sz="1400" dirty="0"/>
+          </a:p>
+          <a:p>
+            <a:pPr marL="457200" lvl="1" indent="0">
+              <a:buNone/>
+            </a:pPr>
+            <a:endParaRPr lang="cs-CZ" sz="1800" dirty="0" smtClean="0"/>
+          </a:p>
+        </p:txBody>
+      </p:sp>
+      <p:sp>
+        <p:nvSpPr>
+          <p:cNvPr id="2" name="Rectangle 1"/>
+          <p:cNvSpPr>
+            <a:spLocks noChangeArrowheads="1"/>
+          </p:cNvSpPr>
+          <p:nvPr/>
+        </p:nvSpPr>
+        <p:spPr bwMode="auto">
+          <a:xfrm>
+            <a:off x="0" y="-138499"/>
+            <a:ext cx="9144000" cy="276999"/>
+          </a:xfrm>
+          <a:prstGeom prst="rect">
+            <a:avLst/>
+          </a:prstGeom>
+          <a:solidFill>
+            <a:srgbClr val="FFFFFF"/>
+          </a:solidFill>
+          <a:ln>
+            <a:noFill/>
+          </a:ln>
+          <a:effectLst/>
+          <a:extLst>
+            <a:ext uri="{91240B29-F687-4F45-9708-019B960494DF}">
+              <a14:hiddenLine xmlns:a14="http://schemas.microsoft.com/office/drawing/2010/main" w="9525">
+                <a:solidFill>
+                  <a:schemeClr val="tx1"/>
+                </a:solidFill>
+                <a:miter lim="800000"/>
+                <a:headEnd/>
+                <a:tailEnd/>
+              </a14:hiddenLine>
+            </a:ext>
+            <a:ext uri="{AF507438-7753-43E0-B8FC-AC1667EBCBE1}">
+              <a14:hiddenEffects xmlns:a14="http://schemas.microsoft.com/office/drawing/2010/main">
+                <a:effectLst>
+                  <a:outerShdw dist="35921" dir="2700000" algn="ctr" rotWithShape="0">
+                    <a:schemeClr val="bg2"/>
+                  </a:outerShdw>
+                </a:effectLst>
+              </a14:hiddenEffects>
+            </a:ext>
+          </a:extLst>
+        </p:spPr>
+        <p:txBody>
+          <a:bodyPr vert="horz" wrap="square" lIns="0" tIns="0" rIns="0" bIns="0" numCol="1" anchor="ctr" anchorCtr="0" compatLnSpc="1">
+            <a:prstTxWarp prst="textNoShape">
+              <a:avLst/>
+            </a:prstTxWarp>
+            <a:spAutoFit/>
+          </a:bodyPr>
+          <a:lstStyle/>
+          <a:p>
+            <a:pPr marL="0" marR="0" lvl="0" indent="0" algn="l" defTabSz="914400" rtl="0" eaLnBrk="0" fontAlgn="base" latinLnBrk="0" hangingPunct="0">
+              <a:lnSpc>
+                <a:spcPct val="100000"/>
+              </a:lnSpc>
+              <a:spcBef>
+                <a:spcPct val="0"/>
+              </a:spcBef>
+              <a:spcAft>
+                <a:spcPct val="0"/>
+              </a:spcAft>
+              <a:buClrTx/>
+              <a:buSzTx/>
+              <a:buFontTx/>
+              <a:buNone/>
+              <a:tabLst/>
+            </a:pPr>
+            <a:endParaRPr kumimoji="0" lang="cs-CZ" altLang="cs-CZ" sz="1800" b="0" i="0" u="none" strike="noStrike" cap="none" normalizeH="0" baseline="0" dirty="0" smtClean="0">
+              <a:ln>
+                <a:noFill/>
+              </a:ln>
+              <a:solidFill>
+                <a:schemeClr val="tx1"/>
+              </a:solidFill>
+              <a:effectLst/>
+              <a:latin typeface="Arial" panose="020B0604020202020204" pitchFamily="34" charset="0"/>
+            </a:endParaRPr>
+          </a:p>
+        </p:txBody>
+      </p:sp>
+    </p:spTree>
+    <p:extLst>
+      <p:ext uri="{BB962C8B-B14F-4D97-AF65-F5344CB8AC3E}">
+        <p14:creationId xmlns:p14="http://schemas.microsoft.com/office/powerpoint/2010/main" val="3229752980"/>
+      </p:ext>
+    </p:extLst>
+  </p:cSld>
+  <p:clrMapOvr>
+    <a:masterClrMapping/>
+  </p:clrMapOvr>
+  <p:timing>
+    <p:tnLst>
+      <p:par>
+        <p:cTn id="1" dur="indefinite" restart="never" nodeType="tmRoot"/>
+      </p:par>
+    </p:tnLst>
+  </p:timing>
+</p:sld>
+</file>
+
+<file path=ppt/slides/slide11.xml><?xml version="1.0" encoding="utf-8"?>
+<p:sld xmlns:a="http://schemas.openxmlformats.org/drawingml/2006/main" xmlns:r="http://schemas.openxmlformats.org/officeDocument/2006/relationships" xmlns:p="http://schemas.openxmlformats.org/presentationml/2006/main">
+  <p:cSld>
+    <p:spTree>
+      <p:nvGrpSpPr>
+        <p:cNvPr id="1" name=""/>
+        <p:cNvGrpSpPr/>
+        <p:nvPr/>
+      </p:nvGrpSpPr>
+      <p:grpSpPr>
+        <a:xfrm>
+          <a:off x="0" y="0"/>
+          <a:ext cx="0" cy="0"/>
+          <a:chOff x="0" y="0"/>
+          <a:chExt cx="0" cy="0"/>
+        </a:xfrm>
+      </p:grpSpPr>
+      <p:pic>
+        <p:nvPicPr>
+          <p:cNvPr id="11" name="Obrázek 10">
+            <a:extLst>
+              <a:ext uri="{FF2B5EF4-FFF2-40B4-BE49-F238E27FC236}">
+                <a16:creationId xmlns:a16="http://schemas.microsoft.com/office/drawing/2014/main" id="{4FF4A0B8-B6D8-13AE-15A1-4B15C9EB02F7}"/>
+              </a:ext>
+            </a:extLst>
+          </p:cNvPr>
+          <p:cNvPicPr>
+            <a:picLocks noChangeAspect="1"/>
+          </p:cNvPicPr>
+          <p:nvPr/>
+        </p:nvPicPr>
+        <p:blipFill>
+          <a:blip r:embed="rId2" cstate="print">
+            <a:extLst>
+              <a:ext uri="{28A0092B-C50C-407E-A947-70E740481C1C}">
+                <a14:useLocalDpi xmlns:a14="http://schemas.microsoft.com/office/drawing/2010/main" val="0"/>
+              </a:ext>
+            </a:extLst>
+          </a:blip>
+          <a:stretch>
+            <a:fillRect/>
+          </a:stretch>
+        </p:blipFill>
+        <p:spPr>
+          <a:xfrm>
+            <a:off x="456285" y="166136"/>
+            <a:ext cx="2315515" cy="434160"/>
+          </a:xfrm>
+          <a:prstGeom prst="rect">
+            <a:avLst/>
+          </a:prstGeom>
+        </p:spPr>
+      </p:pic>
+      <p:sp>
+        <p:nvSpPr>
+          <p:cNvPr id="3" name="Zástupný symbol pro text 8"/>
+          <p:cNvSpPr>
+            <a:spLocks noGrp="1"/>
+          </p:cNvSpPr>
+          <p:nvPr>
+            <p:ph type="body" idx="1"/>
+          </p:nvPr>
+        </p:nvSpPr>
+        <p:spPr>
+          <a:xfrm>
+            <a:off x="457200" y="600296"/>
+            <a:ext cx="8229600" cy="5853040"/>
+          </a:xfrm>
+        </p:spPr>
+        <p:txBody>
+          <a:bodyPr>
+            <a:normAutofit/>
+          </a:bodyPr>
+          <a:lstStyle/>
+          <a:p>
+            <a:r>
+              <a:rPr lang="cs-CZ" dirty="0" smtClean="0"/>
+              <a:t>CLI </a:t>
+            </a:r>
+            <a:r>
+              <a:rPr lang="cs-CZ" dirty="0" err="1" smtClean="0"/>
+              <a:t>environment</a:t>
+            </a:r>
+            <a:r>
+              <a:rPr lang="cs-CZ" dirty="0" smtClean="0"/>
+              <a:t> </a:t>
+            </a:r>
+            <a:r>
+              <a:rPr lang="cs-CZ" dirty="0" err="1" smtClean="0"/>
+              <a:t>variables</a:t>
+            </a:r>
+            <a:endParaRPr lang="cs-CZ" dirty="0" smtClean="0"/>
+          </a:p>
+          <a:p>
+            <a:pPr lvl="1"/>
+            <a:r>
+              <a:rPr lang="cs-CZ" sz="1600" dirty="0">
+                <a:hlinkClick r:id="rId3"/>
+              </a:rPr>
+              <a:t>https://</a:t>
+            </a:r>
+            <a:r>
+              <a:rPr lang="cs-CZ" sz="1600" dirty="0" smtClean="0">
+                <a:hlinkClick r:id="rId3"/>
+              </a:rPr>
+              <a:t>developer.hashicorp.com/terraform/cli/config/environment-variables</a:t>
+            </a:r>
+            <a:endParaRPr lang="cs-CZ" dirty="0" smtClean="0"/>
+          </a:p>
+          <a:p>
+            <a:pPr lvl="1"/>
+            <a:r>
+              <a:rPr lang="cs-CZ" sz="1600" dirty="0" smtClean="0"/>
+              <a:t>TF_LOG (TF_LOG_CORE, TF_LOG_PROVIDER): výstup na </a:t>
+            </a:r>
+            <a:r>
+              <a:rPr lang="cs-CZ" sz="1600" dirty="0" err="1" smtClean="0">
+                <a:solidFill>
+                  <a:schemeClr val="accent6">
+                    <a:lumMod val="75000"/>
+                  </a:schemeClr>
+                </a:solidFill>
+                <a:latin typeface="Consolas" panose="020B0609020204030204" pitchFamily="49" charset="0"/>
+              </a:rPr>
+              <a:t>stderr</a:t>
+            </a:r>
+            <a:r>
+              <a:rPr lang="cs-CZ" sz="1600" dirty="0" smtClean="0"/>
+              <a:t>, </a:t>
+            </a:r>
+            <a:r>
+              <a:rPr lang="cs-CZ" sz="1600" dirty="0" err="1" smtClean="0"/>
+              <a:t>levels</a:t>
+            </a:r>
+            <a:r>
+              <a:rPr lang="cs-CZ" sz="1600" dirty="0" smtClean="0"/>
+              <a:t> </a:t>
+            </a:r>
+            <a:r>
+              <a:rPr lang="cs-CZ" sz="1600" dirty="0" smtClean="0">
+                <a:solidFill>
+                  <a:schemeClr val="accent6">
+                    <a:lumMod val="75000"/>
+                  </a:schemeClr>
+                </a:solidFill>
+                <a:latin typeface="Consolas" panose="020B0609020204030204" pitchFamily="49" charset="0"/>
+              </a:rPr>
+              <a:t>TRACE, DEBUG, INFO, WARN, ERROR, </a:t>
+            </a:r>
+            <a:r>
+              <a:rPr lang="cs-CZ" sz="1600" dirty="0" err="1" smtClean="0">
+                <a:solidFill>
+                  <a:schemeClr val="accent6">
+                    <a:lumMod val="75000"/>
+                  </a:schemeClr>
+                </a:solidFill>
+                <a:latin typeface="Consolas" panose="020B0609020204030204" pitchFamily="49" charset="0"/>
+              </a:rPr>
+              <a:t>off</a:t>
+            </a:r>
+            <a:endParaRPr lang="cs-CZ" sz="1600" dirty="0" smtClean="0">
+              <a:solidFill>
+                <a:schemeClr val="accent6">
+                  <a:lumMod val="75000"/>
+                </a:schemeClr>
+              </a:solidFill>
+              <a:latin typeface="Consolas" panose="020B0609020204030204" pitchFamily="49" charset="0"/>
+            </a:endParaRPr>
+          </a:p>
+          <a:p>
+            <a:pPr lvl="1"/>
+            <a:r>
+              <a:rPr lang="cs-CZ" sz="1600" dirty="0" smtClean="0"/>
+              <a:t>TF_LOG_PATH: cesta k souboru s logy, výstup bude na </a:t>
+            </a:r>
+            <a:r>
+              <a:rPr lang="cs-CZ" sz="1600" dirty="0" err="1">
+                <a:solidFill>
+                  <a:schemeClr val="accent6">
+                    <a:lumMod val="75000"/>
+                  </a:schemeClr>
+                </a:solidFill>
+                <a:latin typeface="Consolas" panose="020B0609020204030204" pitchFamily="49" charset="0"/>
+              </a:rPr>
+              <a:t>stderr</a:t>
+            </a:r>
+            <a:r>
+              <a:rPr lang="cs-CZ" sz="1600" dirty="0" smtClean="0"/>
+              <a:t> i do souboru</a:t>
+            </a:r>
+          </a:p>
+          <a:p>
+            <a:pPr lvl="1"/>
+            <a:r>
+              <a:rPr lang="cs-CZ" sz="1600" dirty="0" smtClean="0"/>
+              <a:t>TF_INPUT</a:t>
+            </a:r>
+          </a:p>
+          <a:p>
+            <a:pPr lvl="1"/>
+            <a:r>
+              <a:rPr lang="cs-CZ" sz="1600" dirty="0" err="1" smtClean="0"/>
+              <a:t>TF_VAR_name</a:t>
+            </a:r>
+            <a:r>
+              <a:rPr lang="cs-CZ" sz="1600" dirty="0" smtClean="0"/>
+              <a:t>: nastavení jakéhokoliv </a:t>
+            </a:r>
+            <a:r>
+              <a:rPr lang="cs-CZ" sz="1600" dirty="0" err="1" smtClean="0"/>
+              <a:t>variablu</a:t>
+            </a:r>
+            <a:r>
+              <a:rPr lang="cs-CZ" sz="1600" dirty="0" smtClean="0"/>
+              <a:t> jako vstupu</a:t>
+            </a:r>
+          </a:p>
+          <a:p>
+            <a:pPr lvl="1"/>
+            <a:r>
+              <a:rPr lang="cs-CZ" sz="1600" dirty="0" smtClean="0"/>
+              <a:t>TF_CLI_ARGS and </a:t>
+            </a:r>
+            <a:r>
+              <a:rPr lang="cs-CZ" sz="1600" dirty="0" err="1" smtClean="0"/>
+              <a:t>TF_CLI_ARGS_name</a:t>
+            </a:r>
+            <a:endParaRPr lang="cs-CZ" sz="1600" dirty="0" smtClean="0"/>
+          </a:p>
+          <a:p>
+            <a:pPr lvl="1"/>
+            <a:r>
+              <a:rPr lang="cs-CZ" sz="1600" dirty="0" smtClean="0"/>
+              <a:t>TF_DATA_DIR</a:t>
+            </a:r>
+          </a:p>
+          <a:p>
+            <a:pPr lvl="1"/>
+            <a:r>
+              <a:rPr lang="cs-CZ" sz="1600" dirty="0" smtClean="0"/>
+              <a:t>TF_WORKSPACE</a:t>
+            </a:r>
+          </a:p>
+          <a:p>
+            <a:pPr lvl="1"/>
+            <a:r>
+              <a:rPr lang="cs-CZ" sz="1600" dirty="0" smtClean="0"/>
+              <a:t>TF_IN_AUTOMATION</a:t>
+            </a:r>
+          </a:p>
+          <a:p>
+            <a:pPr lvl="1"/>
+            <a:r>
+              <a:rPr lang="cs-CZ" sz="1600" dirty="0" smtClean="0"/>
+              <a:t>TF_REGISTRY_DISCOVERY_RETRY</a:t>
+            </a:r>
+          </a:p>
+          <a:p>
+            <a:pPr lvl="1"/>
+            <a:r>
+              <a:rPr lang="cs-CZ" sz="1600" dirty="0" smtClean="0"/>
+              <a:t>TF_REGISTRY_CLIENT_TIMEOUT</a:t>
+            </a:r>
+          </a:p>
+          <a:p>
+            <a:pPr lvl="1"/>
+            <a:r>
+              <a:rPr lang="cs-CZ" sz="1600" dirty="0" smtClean="0"/>
+              <a:t>TF_STATE_PERSIST_INTERVAL</a:t>
+            </a:r>
+          </a:p>
+          <a:p>
+            <a:pPr lvl="1"/>
+            <a:r>
+              <a:rPr lang="cs-CZ" sz="1600" dirty="0" smtClean="0"/>
+              <a:t>TF_CLI_CONFIG_FILE</a:t>
+            </a:r>
+          </a:p>
+          <a:p>
+            <a:pPr lvl="1"/>
+            <a:r>
+              <a:rPr lang="cs-CZ" sz="1600" dirty="0" smtClean="0"/>
+              <a:t>TF_PLUGIN_CACHE_DIR</a:t>
+            </a:r>
+          </a:p>
+          <a:p>
+            <a:pPr marL="457200" lvl="1" indent="0">
+              <a:buNone/>
+            </a:pPr>
+            <a:endParaRPr lang="cs-CZ" sz="1800" dirty="0" smtClean="0"/>
+          </a:p>
+        </p:txBody>
+      </p:sp>
+      <p:sp>
+        <p:nvSpPr>
+          <p:cNvPr id="2" name="Rectangle 1"/>
+          <p:cNvSpPr>
+            <a:spLocks noChangeArrowheads="1"/>
+          </p:cNvSpPr>
+          <p:nvPr/>
+        </p:nvSpPr>
+        <p:spPr bwMode="auto">
+          <a:xfrm>
+            <a:off x="0" y="-138499"/>
+            <a:ext cx="9144000" cy="276999"/>
+          </a:xfrm>
+          <a:prstGeom prst="rect">
+            <a:avLst/>
+          </a:prstGeom>
+          <a:solidFill>
+            <a:srgbClr val="FFFFFF"/>
+          </a:solidFill>
+          <a:ln>
+            <a:noFill/>
+          </a:ln>
+          <a:effectLst/>
+          <a:extLst>
+            <a:ext uri="{91240B29-F687-4F45-9708-019B960494DF}">
+              <a14:hiddenLine xmlns:a14="http://schemas.microsoft.com/office/drawing/2010/main" w="9525">
+                <a:solidFill>
+                  <a:schemeClr val="tx1"/>
+                </a:solidFill>
+                <a:miter lim="800000"/>
+                <a:headEnd/>
+                <a:tailEnd/>
+              </a14:hiddenLine>
+            </a:ext>
+            <a:ext uri="{AF507438-7753-43E0-B8FC-AC1667EBCBE1}">
+              <a14:hiddenEffects xmlns:a14="http://schemas.microsoft.com/office/drawing/2010/main">
+                <a:effectLst>
+                  <a:outerShdw dist="35921" dir="2700000" algn="ctr" rotWithShape="0">
+                    <a:schemeClr val="bg2"/>
+                  </a:outerShdw>
+                </a:effectLst>
+              </a14:hiddenEffects>
+            </a:ext>
+          </a:extLst>
+        </p:spPr>
+        <p:txBody>
+          <a:bodyPr vert="horz" wrap="square" lIns="0" tIns="0" rIns="0" bIns="0" numCol="1" anchor="ctr" anchorCtr="0" compatLnSpc="1">
+            <a:prstTxWarp prst="textNoShape">
+              <a:avLst/>
+            </a:prstTxWarp>
+            <a:spAutoFit/>
+          </a:bodyPr>
+          <a:lstStyle/>
+          <a:p>
+            <a:pPr marL="0" marR="0" lvl="0" indent="0" algn="l" defTabSz="914400" rtl="0" eaLnBrk="0" fontAlgn="base" latinLnBrk="0" hangingPunct="0">
+              <a:lnSpc>
+                <a:spcPct val="100000"/>
+              </a:lnSpc>
+              <a:spcBef>
+                <a:spcPct val="0"/>
+              </a:spcBef>
+              <a:spcAft>
+                <a:spcPct val="0"/>
+              </a:spcAft>
+              <a:buClrTx/>
+              <a:buSzTx/>
+              <a:buFontTx/>
+              <a:buNone/>
+              <a:tabLst/>
+            </a:pPr>
+            <a:endParaRPr kumimoji="0" lang="cs-CZ" altLang="cs-CZ" sz="1800" b="0" i="0" u="none" strike="noStrike" cap="none" normalizeH="0" baseline="0" dirty="0" smtClean="0">
+              <a:ln>
+                <a:noFill/>
+              </a:ln>
+              <a:solidFill>
+                <a:schemeClr val="tx1"/>
+              </a:solidFill>
+              <a:effectLst/>
+              <a:latin typeface="Arial" panose="020B0604020202020204" pitchFamily="34" charset="0"/>
+            </a:endParaRPr>
+          </a:p>
+        </p:txBody>
+      </p:sp>
+    </p:spTree>
+    <p:extLst>
+      <p:ext uri="{BB962C8B-B14F-4D97-AF65-F5344CB8AC3E}">
+        <p14:creationId xmlns:p14="http://schemas.microsoft.com/office/powerpoint/2010/main" val="924444661"/>
+      </p:ext>
+    </p:extLst>
+  </p:cSld>
+  <p:clrMapOvr>
+    <a:masterClrMapping/>
+  </p:clrMapOvr>
+  <p:timing>
+    <p:tnLst>
+      <p:par>
+        <p:cTn id="1" dur="indefinite" restart="never" nodeType="tmRoot"/>
+      </p:par>
+    </p:tnLst>
+  </p:timing>
+</p:sld>
+</file>
+
+<file path=ppt/slides/slide12.xml><?xml version="1.0" encoding="utf-8"?>
+<p:sld xmlns:a="http://schemas.openxmlformats.org/drawingml/2006/main" xmlns:r="http://schemas.openxmlformats.org/officeDocument/2006/relationships" xmlns:p="http://schemas.openxmlformats.org/presentationml/2006/main">
+  <p:cSld>
+    <p:spTree>
+      <p:nvGrpSpPr>
+        <p:cNvPr id="1" name=""/>
+        <p:cNvGrpSpPr/>
+        <p:nvPr/>
+      </p:nvGrpSpPr>
+      <p:grpSpPr>
+        <a:xfrm>
+          <a:off x="0" y="0"/>
+          <a:ext cx="0" cy="0"/>
+          <a:chOff x="0" y="0"/>
+          <a:chExt cx="0" cy="0"/>
+        </a:xfrm>
+      </p:grpSpPr>
+      <p:pic>
+        <p:nvPicPr>
+          <p:cNvPr id="11" name="Obrázek 10">
+            <a:extLst>
+              <a:ext uri="{FF2B5EF4-FFF2-40B4-BE49-F238E27FC236}">
+                <a16:creationId xmlns:a16="http://schemas.microsoft.com/office/drawing/2014/main" id="{4FF4A0B8-B6D8-13AE-15A1-4B15C9EB02F7}"/>
+              </a:ext>
+            </a:extLst>
+          </p:cNvPr>
+          <p:cNvPicPr>
+            <a:picLocks noChangeAspect="1"/>
+          </p:cNvPicPr>
+          <p:nvPr/>
+        </p:nvPicPr>
+        <p:blipFill>
+          <a:blip r:embed="rId2" cstate="print">
+            <a:extLst>
+              <a:ext uri="{28A0092B-C50C-407E-A947-70E740481C1C}">
+                <a14:useLocalDpi xmlns:a14="http://schemas.microsoft.com/office/drawing/2010/main" val="0"/>
+              </a:ext>
+            </a:extLst>
+          </a:blip>
+          <a:stretch>
+            <a:fillRect/>
+          </a:stretch>
+        </p:blipFill>
+        <p:spPr>
+          <a:xfrm>
+            <a:off x="456285" y="166136"/>
+            <a:ext cx="2315515" cy="434160"/>
+          </a:xfrm>
+          <a:prstGeom prst="rect">
+            <a:avLst/>
+          </a:prstGeom>
+        </p:spPr>
+      </p:pic>
+      <p:sp>
+        <p:nvSpPr>
+          <p:cNvPr id="3" name="Zástupný symbol pro text 8"/>
+          <p:cNvSpPr>
+            <a:spLocks noGrp="1"/>
+          </p:cNvSpPr>
+          <p:nvPr>
+            <p:ph type="body" idx="1"/>
+          </p:nvPr>
+        </p:nvSpPr>
+        <p:spPr>
+          <a:xfrm>
+            <a:off x="457200" y="600296"/>
+            <a:ext cx="8229600" cy="5853040"/>
+          </a:xfrm>
+        </p:spPr>
+        <p:txBody>
+          <a:bodyPr/>
+          <a:lstStyle/>
+          <a:p>
+            <a:r>
+              <a:rPr lang="cs-CZ" dirty="0" smtClean="0"/>
+              <a:t>Best </a:t>
+            </a:r>
+            <a:r>
+              <a:rPr lang="cs-CZ" dirty="0" err="1" smtClean="0"/>
+              <a:t>practices</a:t>
+            </a:r>
+            <a:r>
+              <a:rPr lang="cs-CZ" dirty="0" smtClean="0"/>
+              <a:t> I</a:t>
+            </a:r>
+          </a:p>
+          <a:p>
+            <a:pPr lvl="1"/>
+            <a:r>
+              <a:rPr lang="cs-CZ" sz="1800" dirty="0" err="1" smtClean="0"/>
+              <a:t>Remote</a:t>
+            </a:r>
+            <a:r>
+              <a:rPr lang="cs-CZ" sz="1800" dirty="0" smtClean="0"/>
+              <a:t> </a:t>
+            </a:r>
+            <a:r>
+              <a:rPr lang="cs-CZ" sz="1800" dirty="0" err="1" smtClean="0"/>
+              <a:t>backend</a:t>
+            </a:r>
+            <a:r>
+              <a:rPr lang="cs-CZ" sz="1800" dirty="0" smtClean="0"/>
+              <a:t> + </a:t>
+            </a:r>
+            <a:r>
+              <a:rPr lang="cs-CZ" sz="1800" dirty="0" err="1" smtClean="0"/>
+              <a:t>state</a:t>
+            </a:r>
+            <a:r>
+              <a:rPr lang="cs-CZ" sz="1800" dirty="0" smtClean="0"/>
+              <a:t> </a:t>
+            </a:r>
+            <a:r>
+              <a:rPr lang="cs-CZ" sz="1800" dirty="0" err="1" smtClean="0"/>
+              <a:t>locking</a:t>
+            </a:r>
+            <a:endParaRPr lang="cs-CZ" sz="1800" dirty="0" smtClean="0"/>
+          </a:p>
+          <a:p>
+            <a:pPr lvl="1"/>
+            <a:r>
+              <a:rPr lang="cs-CZ" sz="1800" dirty="0" smtClean="0"/>
+              <a:t>Používání </a:t>
+            </a:r>
+            <a:r>
+              <a:rPr lang="cs-CZ" sz="1800" dirty="0" smtClean="0"/>
+              <a:t>modulů + jejich </a:t>
+            </a:r>
+            <a:r>
+              <a:rPr lang="cs-CZ" sz="1800" dirty="0" err="1" smtClean="0"/>
+              <a:t>verzování</a:t>
+            </a:r>
+            <a:endParaRPr lang="cs-CZ" sz="1800" dirty="0" smtClean="0"/>
+          </a:p>
+          <a:p>
+            <a:pPr lvl="1"/>
+            <a:r>
+              <a:rPr lang="cs-CZ" sz="1800" dirty="0" smtClean="0"/>
+              <a:t>Používání VCS (Git), jasné </a:t>
+            </a:r>
+            <a:r>
+              <a:rPr lang="cs-CZ" sz="1800" dirty="0" err="1" smtClean="0"/>
+              <a:t>commit</a:t>
+            </a:r>
+            <a:r>
+              <a:rPr lang="cs-CZ" sz="1800" dirty="0" smtClean="0"/>
+              <a:t> </a:t>
+            </a:r>
+            <a:r>
+              <a:rPr lang="cs-CZ" sz="1800" dirty="0" smtClean="0"/>
+              <a:t>zprávy, </a:t>
+            </a:r>
+            <a:r>
+              <a:rPr lang="cs-CZ" sz="1800" dirty="0" err="1" smtClean="0"/>
+              <a:t>pre-commit</a:t>
+            </a:r>
+            <a:r>
+              <a:rPr lang="cs-CZ" sz="1800" dirty="0" smtClean="0"/>
+              <a:t> </a:t>
+            </a:r>
+            <a:r>
+              <a:rPr lang="cs-CZ" sz="1800" dirty="0" err="1" smtClean="0"/>
+              <a:t>hooks</a:t>
+            </a:r>
+            <a:r>
+              <a:rPr lang="cs-CZ" sz="1800" dirty="0" smtClean="0"/>
+              <a:t> (viz testování a validace dále)</a:t>
+            </a:r>
+            <a:endParaRPr lang="cs-CZ" sz="1800" dirty="0" smtClean="0"/>
+          </a:p>
+          <a:p>
+            <a:pPr lvl="1"/>
+            <a:r>
+              <a:rPr lang="cs-CZ" sz="1800" dirty="0" smtClean="0"/>
+              <a:t>Izolace prostředí (oddělená konfigurace nebo </a:t>
+            </a:r>
+            <a:r>
+              <a:rPr lang="cs-CZ" sz="1800" dirty="0" err="1" smtClean="0"/>
+              <a:t>workspaces</a:t>
+            </a:r>
+            <a:r>
+              <a:rPr lang="cs-CZ" sz="1800" dirty="0" smtClean="0"/>
+              <a:t>)</a:t>
+            </a:r>
+          </a:p>
+          <a:p>
+            <a:pPr lvl="1"/>
+            <a:r>
+              <a:rPr lang="cs-CZ" sz="1800" dirty="0" smtClean="0"/>
+              <a:t>Jasné pojmenování</a:t>
+            </a:r>
+          </a:p>
+          <a:p>
+            <a:pPr lvl="2"/>
+            <a:r>
+              <a:rPr lang="cs-CZ" sz="1400" dirty="0" err="1" smtClean="0"/>
+              <a:t>snake_case</a:t>
+            </a:r>
+            <a:endParaRPr lang="cs-CZ" sz="1400" dirty="0" smtClean="0"/>
+          </a:p>
+          <a:p>
+            <a:pPr lvl="2"/>
+            <a:r>
+              <a:rPr lang="cs-CZ" sz="1400" dirty="0" smtClean="0"/>
+              <a:t>Neopakujte v názvu </a:t>
+            </a:r>
+            <a:r>
+              <a:rPr lang="cs-CZ" sz="1400" dirty="0" err="1" smtClean="0"/>
+              <a:t>resource</a:t>
+            </a:r>
+            <a:r>
+              <a:rPr lang="cs-CZ" sz="1400" dirty="0" smtClean="0"/>
+              <a:t> jeho typ</a:t>
+            </a:r>
+          </a:p>
+          <a:p>
+            <a:pPr lvl="2"/>
+            <a:r>
+              <a:rPr lang="cs-CZ" sz="1400" dirty="0" smtClean="0"/>
+              <a:t>V modulech a dynamických zdrojích jméno </a:t>
+            </a:r>
+            <a:r>
+              <a:rPr lang="cs-CZ" sz="1400" dirty="0" err="1" smtClean="0"/>
+              <a:t>resource</a:t>
+            </a:r>
+            <a:r>
+              <a:rPr lang="cs-CZ" sz="1400" dirty="0" smtClean="0"/>
+              <a:t> „</a:t>
+            </a:r>
+            <a:r>
+              <a:rPr lang="cs-CZ" sz="1400" dirty="0" err="1">
+                <a:solidFill>
+                  <a:schemeClr val="accent6">
+                    <a:lumMod val="75000"/>
+                  </a:schemeClr>
+                </a:solidFill>
+                <a:latin typeface="Consolas" panose="020B0609020204030204" pitchFamily="49" charset="0"/>
+              </a:rPr>
+              <a:t>this</a:t>
+            </a:r>
+            <a:r>
+              <a:rPr lang="cs-CZ" sz="1400" dirty="0" smtClean="0"/>
+              <a:t>“</a:t>
+            </a:r>
+          </a:p>
+          <a:p>
+            <a:pPr lvl="2"/>
+            <a:r>
+              <a:rPr lang="cs-CZ" sz="1400" dirty="0" smtClean="0"/>
+              <a:t>V outputech neopakovat jméno </a:t>
+            </a:r>
+            <a:r>
+              <a:rPr lang="cs-CZ" sz="1400" dirty="0" err="1" smtClean="0"/>
+              <a:t>resource</a:t>
+            </a:r>
+            <a:endParaRPr lang="cs-CZ" sz="1400" dirty="0" smtClean="0"/>
+          </a:p>
+          <a:p>
+            <a:pPr lvl="1"/>
+            <a:r>
+              <a:rPr lang="cs-CZ" sz="1800" dirty="0" smtClean="0"/>
+              <a:t>Vyhnutí se </a:t>
+            </a:r>
+            <a:r>
+              <a:rPr lang="cs-CZ" sz="1800" dirty="0" err="1" smtClean="0"/>
+              <a:t>hardcodingu</a:t>
+            </a:r>
+            <a:r>
+              <a:rPr lang="cs-CZ" sz="1800" dirty="0" smtClean="0"/>
+              <a:t> hodnot, použití </a:t>
+            </a:r>
+            <a:r>
+              <a:rPr lang="cs-CZ" sz="1800" dirty="0" err="1" smtClean="0"/>
+              <a:t>variables</a:t>
+            </a:r>
+            <a:endParaRPr lang="cs-CZ" sz="1800" dirty="0" smtClean="0"/>
+          </a:p>
+          <a:p>
+            <a:pPr lvl="1"/>
+            <a:r>
+              <a:rPr lang="cs-CZ" sz="1800" dirty="0" smtClean="0"/>
+              <a:t>Ochrana citlivých dat</a:t>
+            </a:r>
+          </a:p>
+          <a:p>
+            <a:pPr lvl="2"/>
+            <a:r>
+              <a:rPr lang="cs-CZ" sz="1400" dirty="0" smtClean="0"/>
+              <a:t>Citlivá data by neměla být v </a:t>
+            </a:r>
+            <a:r>
+              <a:rPr lang="cs-CZ" sz="1400" dirty="0" err="1" smtClean="0"/>
+              <a:t>Terraform</a:t>
+            </a:r>
+            <a:r>
+              <a:rPr lang="cs-CZ" sz="1400" dirty="0" smtClean="0"/>
+              <a:t> konfiguraci</a:t>
+            </a:r>
+          </a:p>
+          <a:p>
+            <a:pPr lvl="2"/>
+            <a:r>
+              <a:rPr lang="cs-CZ" sz="1400" dirty="0" smtClean="0"/>
+              <a:t>Použití AWS </a:t>
+            </a:r>
+            <a:r>
+              <a:rPr lang="cs-CZ" sz="1400" dirty="0" err="1" smtClean="0"/>
+              <a:t>Secret</a:t>
+            </a:r>
+            <a:r>
+              <a:rPr lang="cs-CZ" sz="1400" dirty="0" smtClean="0"/>
+              <a:t> </a:t>
+            </a:r>
+            <a:r>
+              <a:rPr lang="cs-CZ" sz="1400" dirty="0" err="1" smtClean="0"/>
+              <a:t>Manager</a:t>
+            </a:r>
+            <a:r>
+              <a:rPr lang="cs-CZ" sz="1400" dirty="0" smtClean="0"/>
+              <a:t>, Azure </a:t>
+            </a:r>
+            <a:r>
+              <a:rPr lang="cs-CZ" sz="1400" dirty="0" err="1" smtClean="0"/>
+              <a:t>Key</a:t>
+            </a:r>
+            <a:r>
+              <a:rPr lang="cs-CZ" sz="1400" dirty="0" smtClean="0"/>
+              <a:t> </a:t>
+            </a:r>
+            <a:r>
+              <a:rPr lang="cs-CZ" sz="1400" dirty="0" err="1" smtClean="0"/>
+              <a:t>Vault</a:t>
+            </a:r>
+            <a:r>
+              <a:rPr lang="cs-CZ" sz="1400" dirty="0" smtClean="0"/>
+              <a:t>, </a:t>
+            </a:r>
+            <a:r>
+              <a:rPr lang="cs-CZ" sz="1400" dirty="0" err="1" smtClean="0"/>
+              <a:t>HashiCorp</a:t>
+            </a:r>
+            <a:r>
+              <a:rPr lang="cs-CZ" sz="1400" dirty="0" smtClean="0"/>
+              <a:t> </a:t>
+            </a:r>
+            <a:r>
+              <a:rPr lang="cs-CZ" sz="1400" dirty="0" err="1" smtClean="0"/>
+              <a:t>Vault</a:t>
+            </a:r>
+            <a:r>
+              <a:rPr lang="cs-CZ" sz="1400" dirty="0" smtClean="0"/>
+              <a:t>,…</a:t>
+            </a:r>
+          </a:p>
+          <a:p>
+            <a:pPr lvl="2"/>
+            <a:endParaRPr lang="cs-CZ" sz="1600" dirty="0" smtClean="0"/>
+          </a:p>
+          <a:p>
+            <a:pPr lvl="1"/>
+            <a:endParaRPr lang="cs-CZ" sz="2000" dirty="0" smtClean="0"/>
+          </a:p>
+          <a:p>
+            <a:pPr lvl="1"/>
+            <a:endParaRPr lang="cs-CZ" sz="2000" dirty="0" smtClean="0"/>
+          </a:p>
+        </p:txBody>
+      </p:sp>
+      <p:pic>
+        <p:nvPicPr>
+          <p:cNvPr id="2" name="Obrázek 1"/>
+          <p:cNvPicPr>
+            <a:picLocks noChangeAspect="1"/>
+          </p:cNvPicPr>
+          <p:nvPr/>
+        </p:nvPicPr>
+        <p:blipFill>
+          <a:blip r:embed="rId3"/>
+          <a:stretch>
+            <a:fillRect/>
+          </a:stretch>
+        </p:blipFill>
+        <p:spPr>
+          <a:xfrm>
+            <a:off x="1614042" y="5373216"/>
+            <a:ext cx="6010275" cy="962025"/>
+          </a:xfrm>
+          <a:prstGeom prst="rect">
+            <a:avLst/>
+          </a:prstGeom>
+        </p:spPr>
+      </p:pic>
+    </p:spTree>
+    <p:extLst>
+      <p:ext uri="{BB962C8B-B14F-4D97-AF65-F5344CB8AC3E}">
+        <p14:creationId xmlns:p14="http://schemas.microsoft.com/office/powerpoint/2010/main" val="2783836424"/>
+      </p:ext>
+    </p:extLst>
+  </p:cSld>
+  <p:clrMapOvr>
+    <a:masterClrMapping/>
+  </p:clrMapOvr>
+  <p:timing>
+    <p:tnLst>
+      <p:par>
+        <p:cTn id="1" dur="indefinite" restart="never" nodeType="tmRoot"/>
+      </p:par>
+    </p:tnLst>
+  </p:timing>
+</p:sld>
+</file>
+
+<file path=ppt/slides/slide13.xml><?xml version="1.0" encoding="utf-8"?>
+<p:sld xmlns:a="http://schemas.openxmlformats.org/drawingml/2006/main" xmlns:r="http://schemas.openxmlformats.org/officeDocument/2006/relationships" xmlns:p="http://schemas.openxmlformats.org/presentationml/2006/main">
+  <p:cSld>
+    <p:spTree>
+      <p:nvGrpSpPr>
+        <p:cNvPr id="1" name=""/>
+        <p:cNvGrpSpPr/>
+        <p:nvPr/>
+      </p:nvGrpSpPr>
+      <p:grpSpPr>
+        <a:xfrm>
+          <a:off x="0" y="0"/>
+          <a:ext cx="0" cy="0"/>
+          <a:chOff x="0" y="0"/>
+          <a:chExt cx="0" cy="0"/>
+        </a:xfrm>
+      </p:grpSpPr>
+      <p:pic>
+        <p:nvPicPr>
+          <p:cNvPr id="11" name="Obrázek 10">
+            <a:extLst>
+              <a:ext uri="{FF2B5EF4-FFF2-40B4-BE49-F238E27FC236}">
+                <a16:creationId xmlns:a16="http://schemas.microsoft.com/office/drawing/2014/main" id="{4FF4A0B8-B6D8-13AE-15A1-4B15C9EB02F7}"/>
+              </a:ext>
+            </a:extLst>
+          </p:cNvPr>
+          <p:cNvPicPr>
+            <a:picLocks noChangeAspect="1"/>
+          </p:cNvPicPr>
+          <p:nvPr/>
+        </p:nvPicPr>
+        <p:blipFill>
+          <a:blip r:embed="rId2" cstate="print">
+            <a:extLst>
+              <a:ext uri="{28A0092B-C50C-407E-A947-70E740481C1C}">
+                <a14:useLocalDpi xmlns:a14="http://schemas.microsoft.com/office/drawing/2010/main" val="0"/>
+              </a:ext>
+            </a:extLst>
+          </a:blip>
+          <a:stretch>
+            <a:fillRect/>
+          </a:stretch>
+        </p:blipFill>
+        <p:spPr>
+          <a:xfrm>
+            <a:off x="456285" y="166136"/>
+            <a:ext cx="2315515" cy="434160"/>
+          </a:xfrm>
+          <a:prstGeom prst="rect">
+            <a:avLst/>
+          </a:prstGeom>
+        </p:spPr>
+      </p:pic>
+      <p:sp>
+        <p:nvSpPr>
+          <p:cNvPr id="3" name="Zástupný symbol pro text 8"/>
+          <p:cNvSpPr>
+            <a:spLocks noGrp="1"/>
+          </p:cNvSpPr>
+          <p:nvPr>
+            <p:ph type="body" idx="1"/>
+          </p:nvPr>
+        </p:nvSpPr>
+        <p:spPr>
+          <a:xfrm>
+            <a:off x="457200" y="600296"/>
+            <a:ext cx="8229600" cy="5853040"/>
+          </a:xfrm>
+        </p:spPr>
+        <p:txBody>
+          <a:bodyPr/>
+          <a:lstStyle/>
+          <a:p>
+            <a:r>
+              <a:rPr lang="cs-CZ" dirty="0" smtClean="0"/>
+              <a:t>Best </a:t>
+            </a:r>
+            <a:r>
+              <a:rPr lang="cs-CZ" dirty="0" err="1" smtClean="0"/>
+              <a:t>practices</a:t>
+            </a:r>
+            <a:r>
+              <a:rPr lang="cs-CZ" dirty="0" smtClean="0"/>
+              <a:t> II</a:t>
+            </a:r>
+            <a:endParaRPr lang="cs-CZ" dirty="0"/>
+          </a:p>
+          <a:p>
+            <a:endParaRPr lang="cs-CZ" sz="800" dirty="0" smtClean="0"/>
+          </a:p>
+          <a:p>
+            <a:pPr lvl="1"/>
+            <a:r>
+              <a:rPr lang="cs-CZ" sz="1800" dirty="0" err="1" smtClean="0"/>
+              <a:t>Variables</a:t>
+            </a:r>
+            <a:r>
+              <a:rPr lang="cs-CZ" sz="1800" dirty="0" smtClean="0"/>
+              <a:t> a </a:t>
+            </a:r>
+            <a:r>
+              <a:rPr lang="cs-CZ" sz="1800" dirty="0" err="1" smtClean="0"/>
+              <a:t>Outputs</a:t>
+            </a:r>
+            <a:r>
+              <a:rPr lang="cs-CZ" sz="1800" dirty="0" smtClean="0"/>
+              <a:t> – všude </a:t>
+            </a:r>
+            <a:r>
+              <a:rPr lang="cs-CZ" sz="1800" dirty="0" err="1" smtClean="0"/>
+              <a:t>description</a:t>
+            </a:r>
+            <a:endParaRPr lang="cs-CZ" sz="1800" dirty="0" smtClean="0"/>
+          </a:p>
+          <a:p>
+            <a:pPr lvl="1"/>
+            <a:r>
+              <a:rPr lang="cs-CZ" sz="1800" dirty="0" smtClean="0"/>
+              <a:t>Testování a validace kódu – </a:t>
+            </a:r>
+            <a:r>
+              <a:rPr lang="cs-CZ" sz="1800" dirty="0" err="1" smtClean="0"/>
+              <a:t>terraform</a:t>
+            </a:r>
+            <a:r>
+              <a:rPr lang="cs-CZ" sz="1800" dirty="0" smtClean="0"/>
+              <a:t> </a:t>
+            </a:r>
+            <a:r>
+              <a:rPr lang="cs-CZ" sz="1800" dirty="0" err="1" smtClean="0"/>
+              <a:t>validate</a:t>
+            </a:r>
+            <a:r>
+              <a:rPr lang="cs-CZ" sz="1800" dirty="0" smtClean="0"/>
+              <a:t>, </a:t>
+            </a:r>
+            <a:r>
+              <a:rPr lang="cs-CZ" sz="1800" dirty="0" err="1" smtClean="0"/>
+              <a:t>terraform</a:t>
+            </a:r>
+            <a:r>
+              <a:rPr lang="cs-CZ" sz="1800" dirty="0" smtClean="0"/>
+              <a:t> </a:t>
+            </a:r>
+            <a:r>
+              <a:rPr lang="cs-CZ" sz="1800" dirty="0" err="1" smtClean="0"/>
+              <a:t>fmt</a:t>
+            </a:r>
+            <a:r>
+              <a:rPr lang="cs-CZ" sz="1800" dirty="0" smtClean="0"/>
+              <a:t>, </a:t>
+            </a:r>
+            <a:r>
+              <a:rPr lang="cs-CZ" sz="1800" dirty="0" err="1" smtClean="0"/>
+              <a:t>terraform</a:t>
+            </a:r>
+            <a:r>
+              <a:rPr lang="cs-CZ" sz="1800" dirty="0" smtClean="0"/>
+              <a:t> test, </a:t>
+            </a:r>
+            <a:r>
+              <a:rPr lang="cs-CZ" sz="1800" dirty="0" err="1" smtClean="0"/>
+              <a:t>tflint</a:t>
+            </a:r>
+            <a:r>
+              <a:rPr lang="cs-CZ" sz="1800" dirty="0" smtClean="0"/>
+              <a:t>, </a:t>
+            </a:r>
+            <a:r>
+              <a:rPr lang="cs-CZ" sz="1800" dirty="0" err="1" smtClean="0"/>
+              <a:t>terraform-docs</a:t>
+            </a:r>
+            <a:r>
+              <a:rPr lang="cs-CZ" sz="1800" dirty="0" smtClean="0"/>
+              <a:t>, </a:t>
+            </a:r>
+            <a:r>
+              <a:rPr lang="cs-CZ" sz="1800" dirty="0" err="1" smtClean="0"/>
+              <a:t>Checkov</a:t>
+            </a:r>
+            <a:r>
+              <a:rPr lang="cs-CZ" sz="1800" dirty="0" smtClean="0"/>
+              <a:t> apod., viz </a:t>
+            </a:r>
+            <a:r>
+              <a:rPr lang="cs-CZ" sz="1800" dirty="0" smtClean="0"/>
+              <a:t>dále ve školení</a:t>
+            </a:r>
+            <a:endParaRPr lang="cs-CZ" sz="1800" dirty="0" smtClean="0"/>
+          </a:p>
+          <a:p>
+            <a:pPr lvl="1"/>
+            <a:r>
+              <a:rPr lang="cs-CZ" sz="1800" dirty="0" smtClean="0"/>
+              <a:t>Použití „</a:t>
+            </a:r>
+            <a:r>
+              <a:rPr lang="cs-CZ" sz="1800" dirty="0" err="1">
+                <a:solidFill>
+                  <a:schemeClr val="accent6">
+                    <a:lumMod val="75000"/>
+                  </a:schemeClr>
+                </a:solidFill>
+                <a:latin typeface="Consolas" panose="020B0609020204030204" pitchFamily="49" charset="0"/>
+              </a:rPr>
+              <a:t>tags</a:t>
+            </a:r>
+            <a:r>
+              <a:rPr lang="cs-CZ" sz="1800" dirty="0" smtClean="0"/>
+              <a:t>“ jako poslední argument, následovaný „</a:t>
+            </a:r>
+            <a:r>
+              <a:rPr lang="cs-CZ" sz="1800" dirty="0" err="1">
+                <a:solidFill>
+                  <a:schemeClr val="accent6">
+                    <a:lumMod val="75000"/>
+                  </a:schemeClr>
+                </a:solidFill>
+                <a:latin typeface="Consolas" panose="020B0609020204030204" pitchFamily="49" charset="0"/>
+              </a:rPr>
+              <a:t>depends_on</a:t>
+            </a:r>
+            <a:r>
+              <a:rPr lang="cs-CZ" sz="1800" dirty="0" smtClean="0"/>
+              <a:t>“ a „</a:t>
+            </a:r>
+            <a:r>
+              <a:rPr lang="cs-CZ" sz="1800" dirty="0" err="1">
+                <a:solidFill>
+                  <a:schemeClr val="accent6">
+                    <a:lumMod val="75000"/>
+                  </a:schemeClr>
+                </a:solidFill>
+                <a:latin typeface="Consolas" panose="020B0609020204030204" pitchFamily="49" charset="0"/>
+              </a:rPr>
+              <a:t>lifecycle</a:t>
+            </a:r>
+            <a:r>
+              <a:rPr lang="cs-CZ" sz="1800" dirty="0" smtClean="0"/>
+              <a:t>“</a:t>
+            </a:r>
+          </a:p>
+          <a:p>
+            <a:pPr lvl="1"/>
+            <a:r>
+              <a:rPr lang="cs-CZ" sz="1800" dirty="0" err="1" smtClean="0"/>
+              <a:t>Depends_on</a:t>
+            </a:r>
+            <a:r>
+              <a:rPr lang="cs-CZ" sz="1800" dirty="0"/>
+              <a:t> </a:t>
+            </a:r>
+            <a:r>
+              <a:rPr lang="cs-CZ" sz="1800" dirty="0" smtClean="0"/>
+              <a:t>používat jen, pokud je to nutné</a:t>
+            </a:r>
+          </a:p>
+          <a:p>
+            <a:pPr lvl="1"/>
+            <a:r>
+              <a:rPr lang="cs-CZ" sz="1800" dirty="0" smtClean="0"/>
+              <a:t>Zamykání verze </a:t>
+            </a:r>
+            <a:r>
+              <a:rPr lang="cs-CZ" sz="1800" dirty="0"/>
+              <a:t>providerů (</a:t>
+            </a:r>
+            <a:r>
+              <a:rPr lang="cs-CZ" sz="1800" dirty="0" err="1">
+                <a:solidFill>
+                  <a:schemeClr val="accent6">
+                    <a:lumMod val="75000"/>
+                  </a:schemeClr>
+                </a:solidFill>
+                <a:latin typeface="Consolas" panose="020B0609020204030204" pitchFamily="49" charset="0"/>
+              </a:rPr>
+              <a:t>version</a:t>
+            </a:r>
+            <a:r>
+              <a:rPr lang="cs-CZ" sz="1800" dirty="0">
+                <a:solidFill>
+                  <a:schemeClr val="accent6">
+                    <a:lumMod val="75000"/>
+                  </a:schemeClr>
+                </a:solidFill>
+                <a:latin typeface="Consolas" panose="020B0609020204030204" pitchFamily="49" charset="0"/>
+              </a:rPr>
+              <a:t> = "~&gt; </a:t>
+            </a:r>
+            <a:r>
+              <a:rPr lang="cs-CZ" sz="1800" dirty="0" smtClean="0">
+                <a:solidFill>
+                  <a:schemeClr val="accent6">
+                    <a:lumMod val="75000"/>
+                  </a:schemeClr>
+                </a:solidFill>
+                <a:latin typeface="Consolas" panose="020B0609020204030204" pitchFamily="49" charset="0"/>
+              </a:rPr>
+              <a:t>4.0</a:t>
+            </a:r>
+            <a:r>
+              <a:rPr lang="cs-CZ" sz="1800" dirty="0">
+                <a:solidFill>
+                  <a:schemeClr val="accent6">
+                    <a:lumMod val="75000"/>
+                  </a:schemeClr>
+                </a:solidFill>
+                <a:latin typeface="Consolas" panose="020B0609020204030204" pitchFamily="49" charset="0"/>
+              </a:rPr>
+              <a:t>"</a:t>
+            </a:r>
+            <a:r>
+              <a:rPr lang="cs-CZ" sz="1800" dirty="0" smtClean="0">
+                <a:solidFill>
+                  <a:schemeClr val="accent6">
+                    <a:lumMod val="75000"/>
+                  </a:schemeClr>
+                </a:solidFill>
+                <a:latin typeface="Consolas" panose="020B0609020204030204" pitchFamily="49" charset="0"/>
+              </a:rPr>
+              <a:t>)</a:t>
+            </a:r>
+          </a:p>
+          <a:p>
+            <a:pPr lvl="1"/>
+            <a:r>
+              <a:rPr lang="cs-CZ" sz="1800" dirty="0" smtClean="0"/>
+              <a:t>Paralelizace operací: -</a:t>
+            </a:r>
+            <a:r>
+              <a:rPr lang="cs-CZ" sz="1800" dirty="0" err="1" smtClean="0"/>
+              <a:t>parallelism</a:t>
+            </a:r>
+            <a:r>
+              <a:rPr lang="cs-CZ" sz="1800" dirty="0"/>
+              <a:t> (výchozí hodnota je 10</a:t>
+            </a:r>
+            <a:r>
+              <a:rPr lang="cs-CZ" sz="1800" dirty="0" smtClean="0"/>
+              <a:t>)</a:t>
+            </a:r>
+          </a:p>
+          <a:p>
+            <a:pPr lvl="1"/>
+            <a:r>
+              <a:rPr lang="cs-CZ" sz="1800" dirty="0" smtClean="0"/>
+              <a:t>Zálohování </a:t>
+            </a:r>
+            <a:r>
+              <a:rPr lang="cs-CZ" sz="1800" dirty="0" err="1" smtClean="0"/>
+              <a:t>state</a:t>
+            </a:r>
+            <a:r>
+              <a:rPr lang="cs-CZ" sz="1800" dirty="0" smtClean="0"/>
+              <a:t> </a:t>
+            </a:r>
+            <a:r>
+              <a:rPr lang="cs-CZ" sz="1800" dirty="0" err="1" smtClean="0"/>
+              <a:t>file</a:t>
+            </a:r>
+            <a:endParaRPr lang="cs-CZ" sz="1800" dirty="0" smtClean="0"/>
+          </a:p>
+          <a:p>
+            <a:pPr lvl="1"/>
+            <a:r>
+              <a:rPr lang="cs-CZ" sz="1800" dirty="0" smtClean="0"/>
+              <a:t>Používání </a:t>
+            </a:r>
+            <a:r>
+              <a:rPr lang="cs-CZ" sz="1800" dirty="0" err="1" smtClean="0"/>
+              <a:t>provisionerů</a:t>
+            </a:r>
+            <a:r>
+              <a:rPr lang="cs-CZ" sz="1800" dirty="0" smtClean="0"/>
+              <a:t> až jako poslední možnost (</a:t>
+            </a:r>
+            <a:r>
+              <a:rPr lang="cs-CZ" sz="1800" dirty="0" err="1" smtClean="0"/>
+              <a:t>Terraform</a:t>
+            </a:r>
+            <a:r>
+              <a:rPr lang="cs-CZ" sz="1800" dirty="0" smtClean="0"/>
+              <a:t> není konfigurační nástroj)</a:t>
+            </a:r>
+          </a:p>
+          <a:p>
+            <a:pPr lvl="1"/>
+            <a:endParaRPr lang="cs-CZ" sz="1600" dirty="0" smtClean="0"/>
+          </a:p>
+          <a:p>
+            <a:pPr lvl="1"/>
+            <a:endParaRPr lang="cs-CZ" sz="2000" dirty="0" smtClean="0"/>
+          </a:p>
+        </p:txBody>
+      </p:sp>
+    </p:spTree>
+    <p:extLst>
+      <p:ext uri="{BB962C8B-B14F-4D97-AF65-F5344CB8AC3E}">
+        <p14:creationId xmlns:p14="http://schemas.microsoft.com/office/powerpoint/2010/main" val="1743690160"/>
+      </p:ext>
+    </p:extLst>
+  </p:cSld>
+  <p:clrMapOvr>
+    <a:masterClrMapping/>
+  </p:clrMapOvr>
+  <p:timing>
+    <p:tnLst>
+      <p:par>
+        <p:cTn id="1" dur="indefinite" restart="never" nodeType="tmRoot"/>
+      </p:par>
+    </p:tnLst>
+  </p:timing>
+</p:sld>
+</file>
+
 <file path=ppt/slides/slide2.xml><?xml version="1.0" encoding="utf-8"?>
 <p:sld xmlns:a="http://schemas.openxmlformats.org/drawingml/2006/main" xmlns:r="http://schemas.openxmlformats.org/officeDocument/2006/relationships" xmlns:p="http://schemas.openxmlformats.org/presentationml/2006/main">
   <p:cSld>
@@ -3669,7 +5353,73 @@
           <a:bodyPr/>
           <a:lstStyle/>
           <a:p>
-            <a:endParaRPr lang="cs-CZ" dirty="0" smtClean="0"/>
+            <a:r>
+              <a:rPr lang="cs-CZ" dirty="0" smtClean="0"/>
+              <a:t>Zopakování základů</a:t>
+            </a:r>
+            <a:endParaRPr lang="cs-CZ" dirty="0"/>
+          </a:p>
+          <a:p>
+            <a:pPr lvl="1"/>
+            <a:r>
+              <a:rPr lang="cs-CZ" sz="2000" dirty="0" err="1" smtClean="0"/>
+              <a:t>Providers</a:t>
+            </a:r>
+            <a:r>
+              <a:rPr lang="cs-CZ" sz="2000" dirty="0" smtClean="0"/>
+              <a:t> </a:t>
+            </a:r>
+          </a:p>
+          <a:p>
+            <a:pPr lvl="1"/>
+            <a:r>
+              <a:rPr lang="cs-CZ" sz="2000" dirty="0" err="1" smtClean="0"/>
+              <a:t>Resources</a:t>
+            </a:r>
+            <a:endParaRPr lang="cs-CZ" sz="2000" dirty="0" smtClean="0"/>
+          </a:p>
+          <a:p>
+            <a:pPr lvl="1"/>
+            <a:r>
+              <a:rPr lang="cs-CZ" sz="2000" dirty="0" err="1" smtClean="0"/>
+              <a:t>Provisioners</a:t>
+            </a:r>
+            <a:endParaRPr lang="cs-CZ" sz="2000" dirty="0" smtClean="0"/>
+          </a:p>
+          <a:p>
+            <a:pPr lvl="1"/>
+            <a:r>
+              <a:rPr lang="cs-CZ" sz="2000" dirty="0" err="1" smtClean="0"/>
+              <a:t>State</a:t>
+            </a:r>
+            <a:endParaRPr lang="cs-CZ" sz="2000" dirty="0" smtClean="0"/>
+          </a:p>
+          <a:p>
+            <a:pPr lvl="1"/>
+            <a:r>
+              <a:rPr lang="cs-CZ" sz="2000" dirty="0" err="1" smtClean="0"/>
+              <a:t>Modules</a:t>
+            </a:r>
+            <a:endParaRPr lang="cs-CZ" sz="2000" dirty="0" smtClean="0"/>
+          </a:p>
+          <a:p>
+            <a:pPr lvl="1"/>
+            <a:r>
+              <a:rPr lang="cs-CZ" sz="2000" dirty="0" smtClean="0"/>
+              <a:t>CLI</a:t>
+            </a:r>
+          </a:p>
+          <a:p>
+            <a:pPr lvl="1"/>
+            <a:r>
+              <a:rPr lang="cs-CZ" sz="2000" dirty="0" smtClean="0"/>
+              <a:t>Best </a:t>
+            </a:r>
+            <a:r>
+              <a:rPr lang="cs-CZ" sz="2000" dirty="0" err="1" smtClean="0"/>
+              <a:t>practices</a:t>
+            </a:r>
+            <a:endParaRPr lang="cs-CZ" sz="2000" dirty="0" smtClean="0"/>
           </a:p>
         </p:txBody>
       </p:sp>
@@ -3763,9 +5513,7 @@
           </a:xfrm>
         </p:spPr>
         <p:txBody>
-          <a:bodyPr>
-            <a:normAutofit fontScale="70000" lnSpcReduction="20000"/>
-          </a:bodyPr>
+          <a:bodyPr/>
           <a:lstStyle/>
           <a:p>
             <a:r>
@@ -3775,161 +5523,1619 @@
             <a:endParaRPr lang="cs-CZ" dirty="0" smtClean="0"/>
           </a:p>
           <a:p>
-            <a:r>
-              <a:rPr lang="cs-CZ" dirty="0" err="1" smtClean="0"/>
-              <a:t>Resource</a:t>
-            </a:r>
-            <a:endParaRPr lang="cs-CZ" dirty="0" smtClean="0"/>
-          </a:p>
-          <a:p>
-            <a:r>
-              <a:rPr lang="cs-CZ" dirty="0" smtClean="0"/>
-              <a:t>Module</a:t>
-            </a:r>
-          </a:p>
-          <a:p>
-            <a:r>
-              <a:rPr lang="cs-CZ" dirty="0" err="1" smtClean="0"/>
-              <a:t>Remote</a:t>
-            </a:r>
-            <a:r>
-              <a:rPr lang="cs-CZ" dirty="0" smtClean="0"/>
-              <a:t> </a:t>
-            </a:r>
-            <a:r>
-              <a:rPr lang="cs-CZ" dirty="0" err="1" smtClean="0"/>
-              <a:t>state</a:t>
-            </a:r>
-            <a:endParaRPr lang="cs-CZ" dirty="0" smtClean="0"/>
-          </a:p>
-          <a:p>
-            <a:r>
-              <a:rPr lang="cs-CZ" dirty="0" err="1" smtClean="0"/>
-              <a:t>Provisioners</a:t>
-            </a:r>
-            <a:endParaRPr lang="cs-CZ" dirty="0" smtClean="0"/>
-          </a:p>
-          <a:p>
-            <a:r>
-              <a:rPr lang="cs-CZ" dirty="0" smtClean="0"/>
-              <a:t>Data Access</a:t>
-            </a:r>
-          </a:p>
-          <a:p>
-            <a:r>
-              <a:rPr lang="cs-CZ" dirty="0" err="1" smtClean="0"/>
-              <a:t>Code</a:t>
-            </a:r>
-            <a:r>
-              <a:rPr lang="cs-CZ" dirty="0" smtClean="0"/>
-              <a:t> </a:t>
-            </a:r>
-            <a:r>
-              <a:rPr lang="cs-CZ" dirty="0" err="1" smtClean="0"/>
-              <a:t>structure</a:t>
-            </a:r>
-            <a:r>
-              <a:rPr lang="cs-CZ" dirty="0" smtClean="0"/>
-              <a:t> – více v CI/CD</a:t>
-            </a:r>
-          </a:p>
-          <a:p>
             <a:pPr lvl="1"/>
             <a:r>
-              <a:rPr lang="cs-CZ" dirty="0" err="1" smtClean="0"/>
-              <a:t>Directories</a:t>
-            </a:r>
-            <a:endParaRPr lang="cs-CZ" dirty="0" smtClean="0"/>
+              <a:rPr lang="cs-CZ" sz="2000" dirty="0" smtClean="0"/>
+              <a:t>Zprostředkovávají komunikaci </a:t>
+            </a:r>
+            <a:r>
+              <a:rPr lang="cs-CZ" sz="2000" dirty="0" err="1" smtClean="0"/>
+              <a:t>Terraformu</a:t>
+            </a:r>
+            <a:r>
+              <a:rPr lang="cs-CZ" sz="2000" dirty="0" smtClean="0"/>
+              <a:t> s API cílových služeb</a:t>
+            </a:r>
           </a:p>
           <a:p>
             <a:pPr lvl="1"/>
             <a:r>
-              <a:rPr lang="cs-CZ" dirty="0" err="1" smtClean="0"/>
-              <a:t>Environments</a:t>
-            </a:r>
-            <a:endParaRPr lang="cs-CZ" dirty="0" smtClean="0"/>
+              <a:rPr lang="cs-CZ" sz="2000" dirty="0" smtClean="0"/>
+              <a:t>Zdroj</a:t>
+            </a:r>
+          </a:p>
+          <a:p>
+            <a:pPr lvl="2"/>
+            <a:r>
+              <a:rPr lang="cs-CZ" sz="1800" dirty="0" err="1" smtClean="0"/>
+              <a:t>Official</a:t>
+            </a:r>
+            <a:endParaRPr lang="cs-CZ" sz="1800" dirty="0" smtClean="0"/>
+          </a:p>
+          <a:p>
+            <a:pPr lvl="2"/>
+            <a:r>
+              <a:rPr lang="cs-CZ" sz="1800" dirty="0" smtClean="0"/>
+              <a:t>Partner</a:t>
+            </a:r>
+          </a:p>
+          <a:p>
+            <a:pPr lvl="2"/>
+            <a:r>
+              <a:rPr lang="cs-CZ" sz="1800" dirty="0" err="1" smtClean="0"/>
+              <a:t>Community</a:t>
+            </a:r>
+            <a:endParaRPr lang="cs-CZ" sz="1800" dirty="0" smtClean="0"/>
           </a:p>
           <a:p>
             <a:pPr lvl="1"/>
             <a:r>
-              <a:rPr lang="cs-CZ" dirty="0" smtClean="0"/>
-              <a:t>.</a:t>
-            </a:r>
-            <a:r>
-              <a:rPr lang="cs-CZ" dirty="0" err="1" smtClean="0"/>
-              <a:t>gitignore</a:t>
-            </a:r>
-            <a:endParaRPr lang="cs-CZ" dirty="0" smtClean="0"/>
+              <a:rPr lang="cs-CZ" sz="2000" dirty="0" smtClean="0">
+                <a:hlinkClick r:id="rId3"/>
+              </a:rPr>
+              <a:t>https</a:t>
+            </a:r>
+            <a:r>
+              <a:rPr lang="cs-CZ" sz="2000" dirty="0">
+                <a:hlinkClick r:id="rId3"/>
+              </a:rPr>
+              <a:t>://registry.terraform.io</a:t>
+            </a:r>
+            <a:r>
+              <a:rPr lang="cs-CZ" sz="2000" dirty="0" smtClean="0">
+                <a:hlinkClick r:id="rId3"/>
+              </a:rPr>
+              <a:t>/</a:t>
+            </a:r>
+            <a:endParaRPr lang="cs-CZ" sz="2000" dirty="0" smtClean="0"/>
           </a:p>
           <a:p>
             <a:pPr lvl="1"/>
             <a:r>
-              <a:rPr lang="cs-CZ" dirty="0" err="1" smtClean="0"/>
-              <a:t>Pre-commit</a:t>
-            </a:r>
-            <a:r>
-              <a:rPr lang="cs-CZ" dirty="0" smtClean="0"/>
-              <a:t> </a:t>
-            </a:r>
-            <a:r>
-              <a:rPr lang="cs-CZ" dirty="0" err="1" smtClean="0"/>
-              <a:t>checks</a:t>
-            </a:r>
-            <a:endParaRPr lang="cs-CZ" dirty="0" smtClean="0"/>
-          </a:p>
-          <a:p>
-            <a:r>
-              <a:rPr lang="cs-CZ" dirty="0" err="1" smtClean="0"/>
-              <a:t>Naming</a:t>
-            </a:r>
-            <a:r>
-              <a:rPr lang="cs-CZ" dirty="0" smtClean="0"/>
-              <a:t> </a:t>
-            </a:r>
-            <a:r>
-              <a:rPr lang="cs-CZ" dirty="0" err="1" smtClean="0"/>
-              <a:t>convention</a:t>
-            </a:r>
-            <a:endParaRPr lang="cs-CZ" dirty="0" smtClean="0"/>
-          </a:p>
-          <a:p>
-            <a:r>
-              <a:rPr lang="cs-CZ" dirty="0" err="1" smtClean="0"/>
-              <a:t>Variables</a:t>
-            </a:r>
-            <a:endParaRPr lang="cs-CZ" dirty="0" smtClean="0"/>
-          </a:p>
-          <a:p>
-            <a:r>
-              <a:rPr lang="cs-CZ" dirty="0" err="1" smtClean="0"/>
-              <a:t>Outputs</a:t>
-            </a:r>
-            <a:endParaRPr lang="cs-CZ" dirty="0" smtClean="0"/>
-          </a:p>
-          <a:p>
-            <a:r>
-              <a:rPr lang="cs-CZ" dirty="0" err="1" smtClean="0"/>
-              <a:t>Composition</a:t>
-            </a:r>
-            <a:endParaRPr lang="cs-CZ" dirty="0" smtClean="0"/>
-          </a:p>
-          <a:p>
-            <a:r>
-              <a:rPr lang="cs-CZ" dirty="0" smtClean="0"/>
-              <a:t>Best </a:t>
-            </a:r>
-            <a:r>
-              <a:rPr lang="cs-CZ" dirty="0" err="1" smtClean="0"/>
-              <a:t>practices</a:t>
-            </a:r>
-            <a:endParaRPr lang="cs-CZ" dirty="0" smtClean="0"/>
-          </a:p>
-        </p:txBody>
-      </p:sp>
+              <a:rPr lang="cs-CZ" sz="2000" dirty="0" smtClean="0"/>
+              <a:t>Primární odpovědností providerů je:</a:t>
+            </a:r>
+          </a:p>
+          <a:p>
+            <a:pPr lvl="2"/>
+            <a:r>
+              <a:rPr lang="cs-CZ" sz="1800" dirty="0" smtClean="0"/>
+              <a:t>Inicializace knihoven použitých pro volání API</a:t>
+            </a:r>
+          </a:p>
+          <a:p>
+            <a:pPr lvl="2"/>
+            <a:r>
+              <a:rPr lang="cs-CZ" sz="1800" dirty="0" smtClean="0"/>
+              <a:t>Autentizace u poskytovatele infrastruktury</a:t>
+            </a:r>
+          </a:p>
+          <a:p>
+            <a:pPr lvl="2"/>
+            <a:r>
+              <a:rPr lang="cs-CZ" sz="1800" dirty="0" smtClean="0"/>
+              <a:t>Definice spravovaných zdrojů a mapování na konkrétní služby</a:t>
+            </a:r>
+          </a:p>
+          <a:p>
+            <a:pPr lvl="1"/>
+            <a:endParaRPr lang="cs-CZ" dirty="0"/>
+          </a:p>
+          <a:p>
+            <a:pPr marL="457200" lvl="1" indent="0">
+              <a:buNone/>
+            </a:pPr>
+            <a:endParaRPr lang="cs-CZ" dirty="0"/>
+          </a:p>
+        </p:txBody>
+      </p:sp>
+      <p:pic>
+        <p:nvPicPr>
+          <p:cNvPr id="1026" name="Picture 2" descr="diagram: How Terraform uses plugins"/>
+          <p:cNvPicPr>
+            <a:picLocks noChangeAspect="1" noChangeArrowheads="1"/>
+          </p:cNvPicPr>
+          <p:nvPr/>
+        </p:nvPicPr>
+        <p:blipFill>
+          <a:blip r:embed="rId4" cstate="print">
+            <a:extLst>
+              <a:ext uri="{28A0092B-C50C-407E-A947-70E740481C1C}">
+                <a14:useLocalDpi xmlns:a14="http://schemas.microsoft.com/office/drawing/2010/main" val="0"/>
+              </a:ext>
+            </a:extLst>
+          </a:blip>
+          <a:srcRect/>
+          <a:stretch>
+            <a:fillRect/>
+          </a:stretch>
+        </p:blipFill>
+        <p:spPr bwMode="auto">
+          <a:xfrm>
+            <a:off x="725952" y="4725144"/>
+            <a:ext cx="7692096" cy="1368152"/>
+          </a:xfrm>
+          <a:prstGeom prst="rect">
+            <a:avLst/>
+          </a:prstGeom>
+          <a:noFill/>
+          <a:extLst>
+            <a:ext uri="{909E8E84-426E-40DD-AFC4-6F175D3DCCD1}">
+              <a14:hiddenFill xmlns:a14="http://schemas.microsoft.com/office/drawing/2010/main">
+                <a:solidFill>
+                  <a:srgbClr val="FFFFFF"/>
+                </a:solidFill>
+              </a14:hiddenFill>
+            </a:ext>
+          </a:extLst>
+        </p:spPr>
+      </p:pic>
     </p:spTree>
     <p:extLst>
       <p:ext uri="{BB962C8B-B14F-4D97-AF65-F5344CB8AC3E}">
-        <p14:creationId xmlns:p14="http://schemas.microsoft.com/office/powerpoint/2010/main" val="1684245600"/>
+        <p14:creationId xmlns:p14="http://schemas.microsoft.com/office/powerpoint/2010/main" val="3779756470"/>
+      </p:ext>
+    </p:extLst>
+  </p:cSld>
+  <p:clrMapOvr>
+    <a:masterClrMapping/>
+  </p:clrMapOvr>
+  <p:timing>
+    <p:tnLst>
+      <p:par>
+        <p:cTn id="1" dur="indefinite" restart="never" nodeType="tmRoot"/>
+      </p:par>
+    </p:tnLst>
+  </p:timing>
+</p:sld>
+</file>
+
+<file path=ppt/slides/slide4.xml><?xml version="1.0" encoding="utf-8"?>
+<p:sld xmlns:a="http://schemas.openxmlformats.org/drawingml/2006/main" xmlns:r="http://schemas.openxmlformats.org/officeDocument/2006/relationships" xmlns:p="http://schemas.openxmlformats.org/presentationml/2006/main">
+  <p:cSld>
+    <p:spTree>
+      <p:nvGrpSpPr>
+        <p:cNvPr id="1" name=""/>
+        <p:cNvGrpSpPr/>
+        <p:nvPr/>
+      </p:nvGrpSpPr>
+      <p:grpSpPr>
+        <a:xfrm>
+          <a:off x="0" y="0"/>
+          <a:ext cx="0" cy="0"/>
+          <a:chOff x="0" y="0"/>
+          <a:chExt cx="0" cy="0"/>
+        </a:xfrm>
+      </p:grpSpPr>
+      <p:pic>
+        <p:nvPicPr>
+          <p:cNvPr id="11" name="Obrázek 10">
+            <a:extLst>
+              <a:ext uri="{FF2B5EF4-FFF2-40B4-BE49-F238E27FC236}">
+                <a16:creationId xmlns:a16="http://schemas.microsoft.com/office/drawing/2014/main" id="{4FF4A0B8-B6D8-13AE-15A1-4B15C9EB02F7}"/>
+              </a:ext>
+            </a:extLst>
+          </p:cNvPr>
+          <p:cNvPicPr>
+            <a:picLocks noChangeAspect="1"/>
+          </p:cNvPicPr>
+          <p:nvPr/>
+        </p:nvPicPr>
+        <p:blipFill>
+          <a:blip r:embed="rId2" cstate="print">
+            <a:extLst>
+              <a:ext uri="{28A0092B-C50C-407E-A947-70E740481C1C}">
+                <a14:useLocalDpi xmlns:a14="http://schemas.microsoft.com/office/drawing/2010/main" val="0"/>
+              </a:ext>
+            </a:extLst>
+          </a:blip>
+          <a:stretch>
+            <a:fillRect/>
+          </a:stretch>
+        </p:blipFill>
+        <p:spPr>
+          <a:xfrm>
+            <a:off x="456285" y="166136"/>
+            <a:ext cx="2315515" cy="434160"/>
+          </a:xfrm>
+          <a:prstGeom prst="rect">
+            <a:avLst/>
+          </a:prstGeom>
+        </p:spPr>
+      </p:pic>
+      <p:sp>
+        <p:nvSpPr>
+          <p:cNvPr id="3" name="Zástupný symbol pro text 8"/>
+          <p:cNvSpPr>
+            <a:spLocks noGrp="1"/>
+          </p:cNvSpPr>
+          <p:nvPr>
+            <p:ph type="body" idx="1"/>
+          </p:nvPr>
+        </p:nvSpPr>
+        <p:spPr>
+          <a:xfrm>
+            <a:off x="457200" y="600296"/>
+            <a:ext cx="8229600" cy="5853040"/>
+          </a:xfrm>
+        </p:spPr>
+        <p:txBody>
+          <a:bodyPr/>
+          <a:lstStyle/>
+          <a:p>
+            <a:r>
+              <a:rPr lang="cs-CZ" dirty="0" err="1" smtClean="0"/>
+              <a:t>Resources</a:t>
+            </a:r>
+            <a:endParaRPr lang="cs-CZ" dirty="0" smtClean="0"/>
+          </a:p>
+          <a:p>
+            <a:pPr lvl="1"/>
+            <a:r>
+              <a:rPr lang="cs-CZ" sz="2000" dirty="0" smtClean="0"/>
+              <a:t>Základní stavební blok , který reprezentuje konkrétní </a:t>
+            </a:r>
+            <a:r>
+              <a:rPr lang="cs-CZ" sz="2000" dirty="0" smtClean="0"/>
+              <a:t>komponentu </a:t>
+            </a:r>
+            <a:r>
+              <a:rPr lang="cs-CZ" sz="2000" dirty="0" smtClean="0"/>
+              <a:t>infrastruktury</a:t>
+            </a:r>
+            <a:endParaRPr lang="cs-CZ" sz="2000" dirty="0"/>
+          </a:p>
+          <a:p>
+            <a:pPr lvl="1"/>
+            <a:r>
+              <a:rPr lang="cs-CZ" sz="2000" dirty="0" smtClean="0"/>
+              <a:t>Specifické pro každý provider</a:t>
+            </a:r>
+          </a:p>
+          <a:p>
+            <a:pPr lvl="2"/>
+            <a:r>
+              <a:rPr lang="cs-CZ" sz="1800" dirty="0" err="1" smtClean="0">
+                <a:solidFill>
+                  <a:schemeClr val="accent6">
+                    <a:lumMod val="75000"/>
+                  </a:schemeClr>
+                </a:solidFill>
+              </a:rPr>
+              <a:t>aws_vpc</a:t>
+            </a:r>
+            <a:r>
+              <a:rPr lang="cs-CZ" sz="1800" dirty="0" smtClean="0"/>
+              <a:t>, </a:t>
+            </a:r>
+            <a:r>
+              <a:rPr lang="cs-CZ" sz="1800" dirty="0" smtClean="0">
+                <a:solidFill>
+                  <a:schemeClr val="accent6">
+                    <a:lumMod val="75000"/>
+                  </a:schemeClr>
+                </a:solidFill>
+              </a:rPr>
+              <a:t>aws_s3_bucket</a:t>
+            </a:r>
+          </a:p>
+          <a:p>
+            <a:pPr lvl="2"/>
+            <a:r>
+              <a:rPr lang="cs-CZ" sz="1800" dirty="0" err="1" smtClean="0">
+                <a:solidFill>
+                  <a:schemeClr val="accent6">
+                    <a:lumMod val="75000"/>
+                  </a:schemeClr>
+                </a:solidFill>
+              </a:rPr>
+              <a:t>azurerm_storage_account</a:t>
+            </a:r>
+            <a:r>
+              <a:rPr lang="cs-CZ" sz="1800" dirty="0" smtClean="0"/>
+              <a:t>, </a:t>
+            </a:r>
+            <a:r>
+              <a:rPr lang="cs-CZ" sz="1800" dirty="0" err="1" smtClean="0">
+                <a:solidFill>
+                  <a:schemeClr val="accent6">
+                    <a:lumMod val="75000"/>
+                  </a:schemeClr>
+                </a:solidFill>
+              </a:rPr>
+              <a:t>azurerm_virtual_network</a:t>
+            </a:r>
+            <a:endParaRPr lang="cs-CZ" sz="1800" dirty="0" smtClean="0">
+              <a:solidFill>
+                <a:schemeClr val="accent6">
+                  <a:lumMod val="75000"/>
+                </a:schemeClr>
+              </a:solidFill>
+            </a:endParaRPr>
+          </a:p>
+          <a:p>
+            <a:pPr lvl="2"/>
+            <a:r>
+              <a:rPr lang="cs-CZ" sz="1800" dirty="0" err="1" smtClean="0">
+                <a:solidFill>
+                  <a:schemeClr val="accent6">
+                    <a:lumMod val="75000"/>
+                  </a:schemeClr>
+                </a:solidFill>
+              </a:rPr>
+              <a:t>google_compute_instance</a:t>
+            </a:r>
+            <a:r>
+              <a:rPr lang="cs-CZ" sz="1800" dirty="0" smtClean="0"/>
+              <a:t>, </a:t>
+            </a:r>
+            <a:r>
+              <a:rPr lang="cs-CZ" sz="1800" dirty="0" err="1" smtClean="0">
+                <a:solidFill>
+                  <a:schemeClr val="accent6">
+                    <a:lumMod val="75000"/>
+                  </a:schemeClr>
+                </a:solidFill>
+              </a:rPr>
+              <a:t>google_storage_bucket</a:t>
+            </a:r>
+            <a:endParaRPr lang="cs-CZ" sz="1800" dirty="0" smtClean="0">
+              <a:solidFill>
+                <a:schemeClr val="accent6">
+                  <a:lumMod val="75000"/>
+                </a:schemeClr>
+              </a:solidFill>
+            </a:endParaRPr>
+          </a:p>
+        </p:txBody>
+      </p:sp>
+    </p:spTree>
+    <p:extLst>
+      <p:ext uri="{BB962C8B-B14F-4D97-AF65-F5344CB8AC3E}">
+        <p14:creationId xmlns:p14="http://schemas.microsoft.com/office/powerpoint/2010/main" val="2875226499"/>
+      </p:ext>
+    </p:extLst>
+  </p:cSld>
+  <p:clrMapOvr>
+    <a:masterClrMapping/>
+  </p:clrMapOvr>
+  <p:timing>
+    <p:tnLst>
+      <p:par>
+        <p:cTn id="1" dur="indefinite" restart="never" nodeType="tmRoot"/>
+      </p:par>
+    </p:tnLst>
+  </p:timing>
+</p:sld>
+</file>
+
+<file path=ppt/slides/slide5.xml><?xml version="1.0" encoding="utf-8"?>
+<p:sld xmlns:a="http://schemas.openxmlformats.org/drawingml/2006/main" xmlns:r="http://schemas.openxmlformats.org/officeDocument/2006/relationships" xmlns:p="http://schemas.openxmlformats.org/presentationml/2006/main">
+  <p:cSld>
+    <p:spTree>
+      <p:nvGrpSpPr>
+        <p:cNvPr id="1" name=""/>
+        <p:cNvGrpSpPr/>
+        <p:nvPr/>
+      </p:nvGrpSpPr>
+      <p:grpSpPr>
+        <a:xfrm>
+          <a:off x="0" y="0"/>
+          <a:ext cx="0" cy="0"/>
+          <a:chOff x="0" y="0"/>
+          <a:chExt cx="0" cy="0"/>
+        </a:xfrm>
+      </p:grpSpPr>
+      <p:pic>
+        <p:nvPicPr>
+          <p:cNvPr id="11" name="Obrázek 10">
+            <a:extLst>
+              <a:ext uri="{FF2B5EF4-FFF2-40B4-BE49-F238E27FC236}">
+                <a16:creationId xmlns:a16="http://schemas.microsoft.com/office/drawing/2014/main" id="{4FF4A0B8-B6D8-13AE-15A1-4B15C9EB02F7}"/>
+              </a:ext>
+            </a:extLst>
+          </p:cNvPr>
+          <p:cNvPicPr>
+            <a:picLocks noChangeAspect="1"/>
+          </p:cNvPicPr>
+          <p:nvPr/>
+        </p:nvPicPr>
+        <p:blipFill>
+          <a:blip r:embed="rId2" cstate="print">
+            <a:extLst>
+              <a:ext uri="{28A0092B-C50C-407E-A947-70E740481C1C}">
+                <a14:useLocalDpi xmlns:a14="http://schemas.microsoft.com/office/drawing/2010/main" val="0"/>
+              </a:ext>
+            </a:extLst>
+          </a:blip>
+          <a:stretch>
+            <a:fillRect/>
+          </a:stretch>
+        </p:blipFill>
+        <p:spPr>
+          <a:xfrm>
+            <a:off x="456285" y="166136"/>
+            <a:ext cx="2315515" cy="434160"/>
+          </a:xfrm>
+          <a:prstGeom prst="rect">
+            <a:avLst/>
+          </a:prstGeom>
+        </p:spPr>
+      </p:pic>
+      <p:sp>
+        <p:nvSpPr>
+          <p:cNvPr id="3" name="Zástupný symbol pro text 8"/>
+          <p:cNvSpPr>
+            <a:spLocks noGrp="1"/>
+          </p:cNvSpPr>
+          <p:nvPr>
+            <p:ph type="body" idx="1"/>
+          </p:nvPr>
+        </p:nvSpPr>
+        <p:spPr>
+          <a:xfrm>
+            <a:off x="457200" y="600296"/>
+            <a:ext cx="8229600" cy="5853040"/>
+          </a:xfrm>
+        </p:spPr>
+        <p:txBody>
+          <a:bodyPr/>
+          <a:lstStyle/>
+          <a:p>
+            <a:r>
+              <a:rPr lang="cs-CZ" dirty="0" err="1" smtClean="0"/>
+              <a:t>Provisioners</a:t>
+            </a:r>
+            <a:r>
+              <a:rPr lang="cs-CZ" dirty="0" smtClean="0"/>
+              <a:t> (</a:t>
+            </a:r>
+            <a:r>
+              <a:rPr lang="en-US" dirty="0" smtClean="0"/>
+              <a:t>are </a:t>
+            </a:r>
+            <a:r>
+              <a:rPr lang="en-US" dirty="0"/>
+              <a:t>a Last </a:t>
+            </a:r>
+            <a:r>
+              <a:rPr lang="en-US" dirty="0" smtClean="0"/>
+              <a:t>Resort</a:t>
+            </a:r>
+            <a:r>
+              <a:rPr lang="cs-CZ" dirty="0"/>
+              <a:t>)</a:t>
+            </a:r>
+            <a:endParaRPr lang="cs-CZ" dirty="0" smtClean="0"/>
+          </a:p>
+          <a:p>
+            <a:pPr lvl="1"/>
+            <a:r>
+              <a:rPr lang="cs-CZ" sz="2000" dirty="0" smtClean="0"/>
+              <a:t>Umožňují </a:t>
+            </a:r>
+            <a:r>
+              <a:rPr lang="cs-CZ" sz="2000" dirty="0" smtClean="0"/>
+              <a:t>spouštět </a:t>
+            </a:r>
+            <a:r>
+              <a:rPr lang="cs-CZ" sz="2000" dirty="0" smtClean="0"/>
+              <a:t>akce ke zdroji, který byl právě upraven nebo vytvořen:	</a:t>
+            </a:r>
+          </a:p>
+          <a:p>
+            <a:pPr lvl="2"/>
+            <a:r>
+              <a:rPr lang="cs-CZ" sz="1400" dirty="0" err="1" smtClean="0">
+                <a:solidFill>
+                  <a:schemeClr val="accent6">
+                    <a:lumMod val="75000"/>
+                  </a:schemeClr>
+                </a:solidFill>
+                <a:latin typeface="Consolas" panose="020B0609020204030204" pitchFamily="49" charset="0"/>
+              </a:rPr>
+              <a:t>local-exec</a:t>
+            </a:r>
+            <a:r>
+              <a:rPr lang="cs-CZ" sz="1600" dirty="0" smtClean="0"/>
+              <a:t/>
+            </a:r>
+            <a:br>
+              <a:rPr lang="cs-CZ" sz="1600" dirty="0" smtClean="0"/>
+            </a:br>
+            <a:r>
+              <a:rPr lang="cs-CZ" sz="1600" dirty="0" smtClean="0"/>
+              <a:t/>
+            </a:r>
+            <a:br>
+              <a:rPr lang="cs-CZ" sz="1600" dirty="0" smtClean="0"/>
+            </a:br>
+            <a:r>
+              <a:rPr lang="cs-CZ" sz="1600" dirty="0" smtClean="0"/>
+              <a:t/>
+            </a:r>
+            <a:br>
+              <a:rPr lang="cs-CZ" sz="1600" dirty="0" smtClean="0"/>
+            </a:br>
+            <a:r>
+              <a:rPr lang="cs-CZ" sz="1600" dirty="0" smtClean="0"/>
+              <a:t/>
+            </a:r>
+            <a:br>
+              <a:rPr lang="cs-CZ" sz="1600" dirty="0" smtClean="0"/>
+            </a:br>
+            <a:endParaRPr lang="cs-CZ" sz="1600" dirty="0" smtClean="0"/>
+          </a:p>
+          <a:p>
+            <a:pPr lvl="2"/>
+            <a:r>
+              <a:rPr lang="cs-CZ" sz="1400" dirty="0" err="1">
+                <a:solidFill>
+                  <a:schemeClr val="accent6">
+                    <a:lumMod val="75000"/>
+                  </a:schemeClr>
+                </a:solidFill>
+                <a:latin typeface="Consolas" panose="020B0609020204030204" pitchFamily="49" charset="0"/>
+              </a:rPr>
+              <a:t>remote-exec</a:t>
+            </a:r>
+            <a:r>
+              <a:rPr lang="cs-CZ" sz="1600" dirty="0" smtClean="0"/>
+              <a:t> (podporuje </a:t>
+            </a:r>
+            <a:r>
+              <a:rPr lang="cs-CZ" sz="1600" dirty="0" err="1" smtClean="0"/>
+              <a:t>ssh</a:t>
+            </a:r>
+            <a:r>
+              <a:rPr lang="cs-CZ" sz="1600" dirty="0" smtClean="0"/>
+              <a:t> a </a:t>
+            </a:r>
+            <a:r>
+              <a:rPr lang="cs-CZ" sz="1600" dirty="0" err="1" smtClean="0"/>
+              <a:t>winrm</a:t>
+            </a:r>
+            <a:r>
+              <a:rPr lang="cs-CZ" sz="1600" dirty="0" smtClean="0"/>
+              <a:t>)</a:t>
+            </a:r>
+            <a:br>
+              <a:rPr lang="cs-CZ" sz="1600" dirty="0" smtClean="0"/>
+            </a:br>
+            <a:r>
+              <a:rPr lang="cs-CZ" sz="1600" dirty="0" smtClean="0"/>
+              <a:t/>
+            </a:r>
+            <a:br>
+              <a:rPr lang="cs-CZ" sz="1600" dirty="0" smtClean="0"/>
+            </a:br>
+            <a:r>
+              <a:rPr lang="cs-CZ" sz="1600" dirty="0" smtClean="0"/>
+              <a:t/>
+            </a:r>
+            <a:br>
+              <a:rPr lang="cs-CZ" sz="1600" dirty="0" smtClean="0"/>
+            </a:br>
+            <a:r>
+              <a:rPr lang="cs-CZ" sz="1600" dirty="0" smtClean="0"/>
+              <a:t/>
+            </a:r>
+            <a:br>
+              <a:rPr lang="cs-CZ" sz="1600" dirty="0" smtClean="0"/>
+            </a:br>
+            <a:r>
+              <a:rPr lang="cs-CZ" sz="1600" dirty="0" smtClean="0"/>
+              <a:t/>
+            </a:r>
+            <a:br>
+              <a:rPr lang="cs-CZ" sz="1600" dirty="0" smtClean="0"/>
+            </a:br>
+            <a:r>
+              <a:rPr lang="cs-CZ" sz="1600" dirty="0" smtClean="0"/>
+              <a:t/>
+            </a:r>
+            <a:br>
+              <a:rPr lang="cs-CZ" sz="1600" dirty="0" smtClean="0"/>
+            </a:br>
+            <a:r>
+              <a:rPr lang="cs-CZ" sz="1600" dirty="0" smtClean="0"/>
+              <a:t/>
+            </a:r>
+            <a:br>
+              <a:rPr lang="cs-CZ" sz="1600" dirty="0" smtClean="0"/>
+            </a:br>
+            <a:endParaRPr lang="cs-CZ" sz="1600" dirty="0" smtClean="0"/>
+          </a:p>
+          <a:p>
+            <a:pPr lvl="2"/>
+            <a:r>
+              <a:rPr lang="cs-CZ" sz="1400" dirty="0" err="1">
+                <a:solidFill>
+                  <a:schemeClr val="accent6">
+                    <a:lumMod val="75000"/>
+                  </a:schemeClr>
+                </a:solidFill>
+                <a:latin typeface="Consolas" panose="020B0609020204030204" pitchFamily="49" charset="0"/>
+              </a:rPr>
+              <a:t>file</a:t>
+            </a:r>
+            <a:r>
+              <a:rPr lang="cs-CZ" sz="1600" dirty="0" smtClean="0"/>
+              <a:t> </a:t>
+            </a:r>
+            <a:r>
+              <a:rPr lang="cs-CZ" sz="1600" dirty="0"/>
+              <a:t>(podporuje </a:t>
+            </a:r>
+            <a:r>
+              <a:rPr lang="cs-CZ" sz="1600" dirty="0" err="1"/>
+              <a:t>ssh</a:t>
+            </a:r>
+            <a:r>
+              <a:rPr lang="cs-CZ" sz="1600" dirty="0"/>
+              <a:t> a </a:t>
+            </a:r>
+            <a:r>
+              <a:rPr lang="cs-CZ" sz="1600" dirty="0" err="1"/>
+              <a:t>winrm</a:t>
+            </a:r>
+            <a:r>
+              <a:rPr lang="cs-CZ" sz="1600" dirty="0"/>
+              <a:t>)</a:t>
+            </a:r>
+            <a:endParaRPr lang="cs-CZ" sz="1600" dirty="0" smtClean="0"/>
+          </a:p>
+          <a:p>
+            <a:pPr lvl="1"/>
+            <a:endParaRPr lang="cs-CZ" dirty="0"/>
+          </a:p>
+          <a:p>
+            <a:pPr marL="457200" lvl="1" indent="0">
+              <a:buNone/>
+            </a:pPr>
+            <a:endParaRPr lang="cs-CZ" dirty="0"/>
+          </a:p>
+        </p:txBody>
+      </p:sp>
+      <p:pic>
+        <p:nvPicPr>
+          <p:cNvPr id="4" name="Obrázek 3"/>
+          <p:cNvPicPr>
+            <a:picLocks noChangeAspect="1"/>
+          </p:cNvPicPr>
+          <p:nvPr/>
+        </p:nvPicPr>
+        <p:blipFill>
+          <a:blip r:embed="rId3"/>
+          <a:stretch>
+            <a:fillRect/>
+          </a:stretch>
+        </p:blipFill>
+        <p:spPr>
+          <a:xfrm>
+            <a:off x="2614612" y="3526816"/>
+            <a:ext cx="6038850" cy="1390650"/>
+          </a:xfrm>
+          <a:prstGeom prst="rect">
+            <a:avLst/>
+          </a:prstGeom>
+        </p:spPr>
+      </p:pic>
+      <p:pic>
+        <p:nvPicPr>
+          <p:cNvPr id="5" name="Obrázek 4"/>
+          <p:cNvPicPr>
+            <a:picLocks noChangeAspect="1"/>
+          </p:cNvPicPr>
+          <p:nvPr/>
+        </p:nvPicPr>
+        <p:blipFill>
+          <a:blip r:embed="rId4"/>
+          <a:stretch>
+            <a:fillRect/>
+          </a:stretch>
+        </p:blipFill>
+        <p:spPr>
+          <a:xfrm>
+            <a:off x="2614612" y="2128128"/>
+            <a:ext cx="6105525" cy="733425"/>
+          </a:xfrm>
+          <a:prstGeom prst="rect">
+            <a:avLst/>
+          </a:prstGeom>
+        </p:spPr>
+      </p:pic>
+      <p:pic>
+        <p:nvPicPr>
+          <p:cNvPr id="6" name="Obrázek 5"/>
+          <p:cNvPicPr>
+            <a:picLocks noChangeAspect="1"/>
+          </p:cNvPicPr>
+          <p:nvPr/>
+        </p:nvPicPr>
+        <p:blipFill>
+          <a:blip r:embed="rId5"/>
+          <a:stretch>
+            <a:fillRect/>
+          </a:stretch>
+        </p:blipFill>
+        <p:spPr>
+          <a:xfrm>
+            <a:off x="2614612" y="5301208"/>
+            <a:ext cx="6057900" cy="1066800"/>
+          </a:xfrm>
+          <a:prstGeom prst="rect">
+            <a:avLst/>
+          </a:prstGeom>
+        </p:spPr>
+      </p:pic>
+    </p:spTree>
+    <p:extLst>
+      <p:ext uri="{BB962C8B-B14F-4D97-AF65-F5344CB8AC3E}">
+        <p14:creationId xmlns:p14="http://schemas.microsoft.com/office/powerpoint/2010/main" val="725202449"/>
+      </p:ext>
+    </p:extLst>
+  </p:cSld>
+  <p:clrMapOvr>
+    <a:masterClrMapping/>
+  </p:clrMapOvr>
+  <p:timing>
+    <p:tnLst>
+      <p:par>
+        <p:cTn id="1" dur="indefinite" restart="never" nodeType="tmRoot"/>
+      </p:par>
+    </p:tnLst>
+  </p:timing>
+</p:sld>
+</file>
+
+<file path=ppt/slides/slide6.xml><?xml version="1.0" encoding="utf-8"?>
+<p:sld xmlns:a="http://schemas.openxmlformats.org/drawingml/2006/main" xmlns:r="http://schemas.openxmlformats.org/officeDocument/2006/relationships" xmlns:p="http://schemas.openxmlformats.org/presentationml/2006/main">
+  <p:cSld>
+    <p:spTree>
+      <p:nvGrpSpPr>
+        <p:cNvPr id="1" name=""/>
+        <p:cNvGrpSpPr/>
+        <p:nvPr/>
+      </p:nvGrpSpPr>
+      <p:grpSpPr>
+        <a:xfrm>
+          <a:off x="0" y="0"/>
+          <a:ext cx="0" cy="0"/>
+          <a:chOff x="0" y="0"/>
+          <a:chExt cx="0" cy="0"/>
+        </a:xfrm>
+      </p:grpSpPr>
+      <p:pic>
+        <p:nvPicPr>
+          <p:cNvPr id="11" name="Obrázek 10">
+            <a:extLst>
+              <a:ext uri="{FF2B5EF4-FFF2-40B4-BE49-F238E27FC236}">
+                <a16:creationId xmlns:a16="http://schemas.microsoft.com/office/drawing/2014/main" id="{4FF4A0B8-B6D8-13AE-15A1-4B15C9EB02F7}"/>
+              </a:ext>
+            </a:extLst>
+          </p:cNvPr>
+          <p:cNvPicPr>
+            <a:picLocks noChangeAspect="1"/>
+          </p:cNvPicPr>
+          <p:nvPr/>
+        </p:nvPicPr>
+        <p:blipFill>
+          <a:blip r:embed="rId2" cstate="print">
+            <a:extLst>
+              <a:ext uri="{28A0092B-C50C-407E-A947-70E740481C1C}">
+                <a14:useLocalDpi xmlns:a14="http://schemas.microsoft.com/office/drawing/2010/main" val="0"/>
+              </a:ext>
+            </a:extLst>
+          </a:blip>
+          <a:stretch>
+            <a:fillRect/>
+          </a:stretch>
+        </p:blipFill>
+        <p:spPr>
+          <a:xfrm>
+            <a:off x="456285" y="166136"/>
+            <a:ext cx="2315515" cy="434160"/>
+          </a:xfrm>
+          <a:prstGeom prst="rect">
+            <a:avLst/>
+          </a:prstGeom>
+        </p:spPr>
+      </p:pic>
+      <p:sp>
+        <p:nvSpPr>
+          <p:cNvPr id="3" name="Zástupný symbol pro text 8"/>
+          <p:cNvSpPr>
+            <a:spLocks noGrp="1"/>
+          </p:cNvSpPr>
+          <p:nvPr>
+            <p:ph type="body" idx="1"/>
+          </p:nvPr>
+        </p:nvSpPr>
+        <p:spPr>
+          <a:xfrm>
+            <a:off x="457200" y="600296"/>
+            <a:ext cx="8229600" cy="5853040"/>
+          </a:xfrm>
+        </p:spPr>
+        <p:txBody>
+          <a:bodyPr/>
+          <a:lstStyle/>
+          <a:p>
+            <a:r>
+              <a:rPr lang="cs-CZ" dirty="0" err="1" smtClean="0"/>
+              <a:t>State</a:t>
+            </a:r>
+            <a:endParaRPr lang="cs-CZ" dirty="0" smtClean="0"/>
+          </a:p>
+          <a:p>
+            <a:pPr lvl="1"/>
+            <a:r>
+              <a:rPr lang="cs-CZ" sz="2000" dirty="0" err="1" smtClean="0"/>
+              <a:t>Terraform</a:t>
+            </a:r>
+            <a:r>
+              <a:rPr lang="cs-CZ" sz="2000" dirty="0" smtClean="0"/>
+              <a:t> mapuje skutečný svět na vaši konfiguraci</a:t>
+            </a:r>
+          </a:p>
+          <a:p>
+            <a:pPr lvl="1"/>
+            <a:r>
+              <a:rPr lang="cs-CZ" sz="2000" dirty="0" smtClean="0"/>
+              <a:t>Udržuje </a:t>
+            </a:r>
+            <a:r>
+              <a:rPr lang="cs-CZ" sz="2000" dirty="0" err="1" smtClean="0"/>
+              <a:t>metadata</a:t>
+            </a:r>
+            <a:r>
+              <a:rPr lang="cs-CZ" sz="2000" dirty="0" smtClean="0"/>
+              <a:t> (například závislosti)</a:t>
+            </a:r>
+          </a:p>
+          <a:p>
+            <a:pPr lvl="1"/>
+            <a:r>
+              <a:rPr lang="cs-CZ" sz="2000" dirty="0" smtClean="0"/>
+              <a:t>Zlepšuje „performance“ pro velké infrastruktury (</a:t>
+            </a:r>
+            <a:r>
+              <a:rPr lang="cs-CZ" sz="2000" dirty="0" err="1" smtClean="0"/>
+              <a:t>caching</a:t>
+            </a:r>
+            <a:r>
+              <a:rPr lang="cs-CZ" sz="2000" dirty="0" smtClean="0"/>
+              <a:t> atributů)</a:t>
+            </a:r>
+          </a:p>
+          <a:p>
+            <a:pPr lvl="1"/>
+            <a:r>
+              <a:rPr lang="cs-CZ" sz="2000" dirty="0" smtClean="0"/>
+              <a:t>JSON soubor</a:t>
+            </a:r>
+          </a:p>
+          <a:p>
+            <a:pPr lvl="1"/>
+            <a:r>
+              <a:rPr lang="cs-CZ" sz="2000" dirty="0" smtClean="0"/>
+              <a:t>Umístění:</a:t>
+            </a:r>
+          </a:p>
+          <a:p>
+            <a:pPr lvl="2"/>
+            <a:r>
+              <a:rPr lang="cs-CZ" sz="1600" dirty="0" smtClean="0"/>
+              <a:t>Lokální (by default)</a:t>
+            </a:r>
+          </a:p>
+          <a:p>
+            <a:pPr lvl="2"/>
+            <a:r>
+              <a:rPr lang="cs-CZ" sz="1600" dirty="0" smtClean="0"/>
+              <a:t>Vzdálené (</a:t>
+            </a:r>
+            <a:r>
+              <a:rPr lang="cs-CZ" sz="1600" dirty="0" err="1" smtClean="0"/>
+              <a:t>Remote</a:t>
+            </a:r>
+            <a:r>
+              <a:rPr lang="cs-CZ" sz="1600" dirty="0" smtClean="0"/>
+              <a:t> </a:t>
+            </a:r>
+            <a:r>
+              <a:rPr lang="cs-CZ" sz="1600" dirty="0" err="1" smtClean="0"/>
+              <a:t>State</a:t>
+            </a:r>
+            <a:r>
+              <a:rPr lang="cs-CZ" sz="1600" dirty="0" smtClean="0"/>
+              <a:t>) – </a:t>
+            </a:r>
+            <a:r>
+              <a:rPr lang="cs-CZ" sz="1600" dirty="0" err="1" smtClean="0"/>
+              <a:t>Backends</a:t>
+            </a:r>
+            <a:r>
+              <a:rPr lang="cs-CZ" sz="1600" dirty="0" smtClean="0"/>
+              <a:t>: HCP </a:t>
+            </a:r>
+            <a:r>
+              <a:rPr lang="cs-CZ" sz="1600" dirty="0" err="1" smtClean="0"/>
+              <a:t>Terraform</a:t>
+            </a:r>
+            <a:r>
+              <a:rPr lang="cs-CZ" sz="1600" dirty="0" smtClean="0"/>
+              <a:t>, Amazon S3, Azure </a:t>
+            </a:r>
+            <a:r>
+              <a:rPr lang="cs-CZ" sz="1600" dirty="0" err="1" smtClean="0"/>
+              <a:t>Blob</a:t>
+            </a:r>
+            <a:r>
+              <a:rPr lang="cs-CZ" sz="1600" dirty="0" smtClean="0"/>
+              <a:t> </a:t>
+            </a:r>
+            <a:r>
+              <a:rPr lang="cs-CZ" sz="1600" dirty="0" err="1" smtClean="0"/>
+              <a:t>Storage</a:t>
+            </a:r>
+            <a:r>
+              <a:rPr lang="cs-CZ" sz="1600" dirty="0" smtClean="0"/>
+              <a:t>, …</a:t>
+            </a:r>
+            <a:endParaRPr lang="cs-CZ" sz="1600" dirty="0"/>
+          </a:p>
+          <a:p>
+            <a:pPr lvl="1"/>
+            <a:r>
+              <a:rPr lang="cs-CZ" sz="2000" dirty="0" smtClean="0"/>
+              <a:t>Zamykání </a:t>
+            </a:r>
+          </a:p>
+          <a:p>
+            <a:pPr lvl="2"/>
+            <a:r>
+              <a:rPr lang="cs-CZ" sz="1600" dirty="0" smtClean="0"/>
+              <a:t>Pokud je podporováno </a:t>
+            </a:r>
+            <a:r>
+              <a:rPr lang="cs-CZ" sz="1600" dirty="0" err="1" smtClean="0"/>
+              <a:t>backendem</a:t>
+            </a:r>
+            <a:r>
+              <a:rPr lang="cs-CZ" sz="1600" dirty="0" smtClean="0"/>
+              <a:t>, HCP </a:t>
+            </a:r>
+            <a:r>
+              <a:rPr lang="cs-CZ" sz="1600" dirty="0" err="1" smtClean="0"/>
+              <a:t>Terraform</a:t>
+            </a:r>
+            <a:r>
+              <a:rPr lang="cs-CZ" sz="1600" dirty="0" smtClean="0"/>
+              <a:t>, Amazon S3 + </a:t>
+            </a:r>
+            <a:r>
+              <a:rPr lang="cs-CZ" sz="1600" dirty="0" err="1" smtClean="0"/>
+              <a:t>DynamoDB</a:t>
+            </a:r>
+            <a:r>
+              <a:rPr lang="cs-CZ" sz="1600" dirty="0" smtClean="0"/>
+              <a:t>, Azure </a:t>
+            </a:r>
+            <a:r>
+              <a:rPr lang="cs-CZ" sz="1600" dirty="0" err="1" smtClean="0"/>
+              <a:t>Blob</a:t>
+            </a:r>
+            <a:r>
+              <a:rPr lang="cs-CZ" sz="1600" dirty="0" smtClean="0"/>
+              <a:t> </a:t>
+            </a:r>
+            <a:r>
+              <a:rPr lang="cs-CZ" sz="1600" dirty="0" err="1" smtClean="0"/>
+              <a:t>Storage</a:t>
+            </a:r>
+            <a:r>
+              <a:rPr lang="cs-CZ" sz="1600" dirty="0" smtClean="0"/>
+              <a:t>,…</a:t>
+            </a:r>
+          </a:p>
+        </p:txBody>
+      </p:sp>
+      <p:pic>
+        <p:nvPicPr>
+          <p:cNvPr id="4" name="Obrázek 3"/>
+          <p:cNvPicPr>
+            <a:picLocks noChangeAspect="1"/>
+          </p:cNvPicPr>
+          <p:nvPr/>
+        </p:nvPicPr>
+        <p:blipFill>
+          <a:blip r:embed="rId3"/>
+          <a:stretch>
+            <a:fillRect/>
+          </a:stretch>
+        </p:blipFill>
+        <p:spPr>
+          <a:xfrm>
+            <a:off x="1763688" y="4715796"/>
+            <a:ext cx="6509767" cy="2147940"/>
+          </a:xfrm>
+          <a:prstGeom prst="rect">
+            <a:avLst/>
+          </a:prstGeom>
+        </p:spPr>
+      </p:pic>
+    </p:spTree>
+    <p:extLst>
+      <p:ext uri="{BB962C8B-B14F-4D97-AF65-F5344CB8AC3E}">
+        <p14:creationId xmlns:p14="http://schemas.microsoft.com/office/powerpoint/2010/main" val="652215186"/>
+      </p:ext>
+    </p:extLst>
+  </p:cSld>
+  <p:clrMapOvr>
+    <a:masterClrMapping/>
+  </p:clrMapOvr>
+  <p:timing>
+    <p:tnLst>
+      <p:par>
+        <p:cTn id="1" dur="indefinite" restart="never" nodeType="tmRoot"/>
+      </p:par>
+    </p:tnLst>
+  </p:timing>
+</p:sld>
+</file>
+
+<file path=ppt/slides/slide7.xml><?xml version="1.0" encoding="utf-8"?>
+<p:sld xmlns:a="http://schemas.openxmlformats.org/drawingml/2006/main" xmlns:r="http://schemas.openxmlformats.org/officeDocument/2006/relationships" xmlns:p="http://schemas.openxmlformats.org/presentationml/2006/main">
+  <p:cSld>
+    <p:spTree>
+      <p:nvGrpSpPr>
+        <p:cNvPr id="1" name=""/>
+        <p:cNvGrpSpPr/>
+        <p:nvPr/>
+      </p:nvGrpSpPr>
+      <p:grpSpPr>
+        <a:xfrm>
+          <a:off x="0" y="0"/>
+          <a:ext cx="0" cy="0"/>
+          <a:chOff x="0" y="0"/>
+          <a:chExt cx="0" cy="0"/>
+        </a:xfrm>
+      </p:grpSpPr>
+      <p:pic>
+        <p:nvPicPr>
+          <p:cNvPr id="11" name="Obrázek 10">
+            <a:extLst>
+              <a:ext uri="{FF2B5EF4-FFF2-40B4-BE49-F238E27FC236}">
+                <a16:creationId xmlns:a16="http://schemas.microsoft.com/office/drawing/2014/main" id="{4FF4A0B8-B6D8-13AE-15A1-4B15C9EB02F7}"/>
+              </a:ext>
+            </a:extLst>
+          </p:cNvPr>
+          <p:cNvPicPr>
+            <a:picLocks noChangeAspect="1"/>
+          </p:cNvPicPr>
+          <p:nvPr/>
+        </p:nvPicPr>
+        <p:blipFill>
+          <a:blip r:embed="rId2" cstate="print">
+            <a:extLst>
+              <a:ext uri="{28A0092B-C50C-407E-A947-70E740481C1C}">
+                <a14:useLocalDpi xmlns:a14="http://schemas.microsoft.com/office/drawing/2010/main" val="0"/>
+              </a:ext>
+            </a:extLst>
+          </a:blip>
+          <a:stretch>
+            <a:fillRect/>
+          </a:stretch>
+        </p:blipFill>
+        <p:spPr>
+          <a:xfrm>
+            <a:off x="456285" y="166136"/>
+            <a:ext cx="2315515" cy="434160"/>
+          </a:xfrm>
+          <a:prstGeom prst="rect">
+            <a:avLst/>
+          </a:prstGeom>
+        </p:spPr>
+      </p:pic>
+      <p:sp>
+        <p:nvSpPr>
+          <p:cNvPr id="3" name="Zástupný symbol pro text 8"/>
+          <p:cNvSpPr>
+            <a:spLocks noGrp="1"/>
+          </p:cNvSpPr>
+          <p:nvPr>
+            <p:ph type="body" idx="1"/>
+          </p:nvPr>
+        </p:nvSpPr>
+        <p:spPr>
+          <a:xfrm>
+            <a:off x="457200" y="600296"/>
+            <a:ext cx="8229600" cy="5853040"/>
+          </a:xfrm>
+        </p:spPr>
+        <p:txBody>
+          <a:bodyPr/>
+          <a:lstStyle/>
+          <a:p>
+            <a:r>
+              <a:rPr lang="cs-CZ" dirty="0" err="1" smtClean="0"/>
+              <a:t>Modules</a:t>
+            </a:r>
+            <a:endParaRPr lang="cs-CZ" dirty="0" smtClean="0"/>
+          </a:p>
+          <a:p>
+            <a:pPr lvl="1"/>
+            <a:r>
+              <a:rPr lang="cs-CZ" sz="2000" dirty="0" smtClean="0"/>
+              <a:t>Znovu použitelné komponenty</a:t>
+            </a:r>
+          </a:p>
+          <a:p>
+            <a:pPr lvl="1"/>
+            <a:r>
+              <a:rPr lang="cs-CZ" sz="2000" dirty="0" smtClean="0"/>
+              <a:t>Umožňují organizovat, strukturovat a zjednodušit kód</a:t>
+            </a:r>
+          </a:p>
+          <a:p>
+            <a:pPr lvl="1"/>
+            <a:r>
+              <a:rPr lang="cs-CZ" sz="2000" dirty="0" smtClean="0"/>
+              <a:t>Sada </a:t>
+            </a:r>
+            <a:r>
+              <a:rPr lang="cs-CZ" sz="2000" dirty="0" err="1" smtClean="0"/>
+              <a:t>Terraform</a:t>
+            </a:r>
+            <a:r>
+              <a:rPr lang="cs-CZ" sz="2000" dirty="0" smtClean="0"/>
+              <a:t> souborů umístěných v adresáři</a:t>
+            </a:r>
+          </a:p>
+          <a:p>
+            <a:pPr lvl="1"/>
+            <a:r>
+              <a:rPr lang="cs-CZ" sz="2000" dirty="0" smtClean="0"/>
+              <a:t>Kdy použít:</a:t>
+            </a:r>
+          </a:p>
+          <a:p>
+            <a:pPr lvl="2"/>
+            <a:r>
+              <a:rPr lang="cs-CZ" sz="1600" dirty="0" smtClean="0"/>
+              <a:t>Opětovné použití kódu (jeden modul pro více prostředí, například </a:t>
+            </a:r>
+            <a:r>
+              <a:rPr lang="cs-CZ" sz="1600" dirty="0" err="1" smtClean="0">
+                <a:solidFill>
+                  <a:schemeClr val="accent6">
+                    <a:lumMod val="75000"/>
+                  </a:schemeClr>
+                </a:solidFill>
+                <a:latin typeface="Consolas" panose="020B0609020204030204" pitchFamily="49" charset="0"/>
+              </a:rPr>
+              <a:t>dev</a:t>
+            </a:r>
+            <a:r>
+              <a:rPr lang="cs-CZ" sz="1600" dirty="0" smtClean="0">
+                <a:latin typeface="Consolas" panose="020B0609020204030204" pitchFamily="49" charset="0"/>
+              </a:rPr>
+              <a:t>, </a:t>
+            </a:r>
+            <a:r>
+              <a:rPr lang="cs-CZ" sz="1600" dirty="0" err="1" smtClean="0">
+                <a:solidFill>
+                  <a:schemeClr val="accent6">
+                    <a:lumMod val="75000"/>
+                  </a:schemeClr>
+                </a:solidFill>
+                <a:latin typeface="Consolas" panose="020B0609020204030204" pitchFamily="49" charset="0"/>
+              </a:rPr>
+              <a:t>staging</a:t>
+            </a:r>
+            <a:r>
+              <a:rPr lang="cs-CZ" sz="1600" dirty="0" smtClean="0">
+                <a:latin typeface="Consolas" panose="020B0609020204030204" pitchFamily="49" charset="0"/>
+              </a:rPr>
+              <a:t>, </a:t>
+            </a:r>
+            <a:r>
+              <a:rPr lang="cs-CZ" sz="1600" dirty="0" err="1" smtClean="0">
+                <a:solidFill>
+                  <a:schemeClr val="accent6">
+                    <a:lumMod val="75000"/>
+                  </a:schemeClr>
+                </a:solidFill>
+                <a:latin typeface="Consolas" panose="020B0609020204030204" pitchFamily="49" charset="0"/>
+              </a:rPr>
+              <a:t>prod</a:t>
+            </a:r>
+            <a:r>
+              <a:rPr lang="cs-CZ" sz="1600" dirty="0" smtClean="0"/>
+              <a:t>)</a:t>
+            </a:r>
+          </a:p>
+          <a:p>
+            <a:pPr lvl="2"/>
+            <a:r>
+              <a:rPr lang="cs-CZ" sz="1600" dirty="0"/>
+              <a:t>Standardizace infrastruktury (konzistence mezi prostředími</a:t>
+            </a:r>
+            <a:r>
+              <a:rPr lang="cs-CZ" sz="1600" dirty="0" smtClean="0"/>
+              <a:t>)</a:t>
+            </a:r>
+          </a:p>
+          <a:p>
+            <a:pPr lvl="2"/>
+            <a:r>
+              <a:rPr lang="cs-CZ" sz="1600" dirty="0" smtClean="0"/>
+              <a:t>Organizace a struktura (rozdělení infrastruktury na menší, přehledné části, například </a:t>
+            </a:r>
+            <a:r>
+              <a:rPr lang="cs-CZ" sz="1600" dirty="0" err="1" smtClean="0">
+                <a:solidFill>
+                  <a:schemeClr val="accent6">
+                    <a:lumMod val="75000"/>
+                  </a:schemeClr>
+                </a:solidFill>
+                <a:latin typeface="Consolas" panose="020B0609020204030204" pitchFamily="49" charset="0"/>
+              </a:rPr>
+              <a:t>networking</a:t>
+            </a:r>
+            <a:r>
+              <a:rPr lang="cs-CZ" sz="1600" dirty="0" smtClean="0">
+                <a:latin typeface="Consolas" panose="020B0609020204030204" pitchFamily="49" charset="0"/>
+              </a:rPr>
+              <a:t>, </a:t>
+            </a:r>
+            <a:r>
+              <a:rPr lang="cs-CZ" sz="1600" dirty="0" err="1" smtClean="0">
+                <a:solidFill>
+                  <a:schemeClr val="accent6">
+                    <a:lumMod val="75000"/>
+                  </a:schemeClr>
+                </a:solidFill>
+                <a:latin typeface="Consolas" panose="020B0609020204030204" pitchFamily="49" charset="0"/>
+              </a:rPr>
+              <a:t>compute</a:t>
+            </a:r>
+            <a:r>
+              <a:rPr lang="cs-CZ" sz="1600" dirty="0" smtClean="0">
+                <a:latin typeface="Consolas" panose="020B0609020204030204" pitchFamily="49" charset="0"/>
+              </a:rPr>
+              <a:t>, </a:t>
+            </a:r>
+            <a:r>
+              <a:rPr lang="cs-CZ" sz="1600" dirty="0" err="1" smtClean="0">
+                <a:solidFill>
+                  <a:schemeClr val="accent6">
+                    <a:lumMod val="75000"/>
+                  </a:schemeClr>
+                </a:solidFill>
+                <a:latin typeface="Consolas" panose="020B0609020204030204" pitchFamily="49" charset="0"/>
+              </a:rPr>
+              <a:t>databases</a:t>
+            </a:r>
+            <a:r>
+              <a:rPr lang="cs-CZ" sz="1600" dirty="0" smtClean="0"/>
+              <a:t>)</a:t>
+            </a:r>
+          </a:p>
+          <a:p>
+            <a:pPr marL="914400" lvl="2" indent="0">
+              <a:buNone/>
+            </a:pPr>
+            <a:endParaRPr lang="cs-CZ" sz="1600" dirty="0"/>
+          </a:p>
+        </p:txBody>
+      </p:sp>
+    </p:spTree>
+    <p:extLst>
+      <p:ext uri="{BB962C8B-B14F-4D97-AF65-F5344CB8AC3E}">
+        <p14:creationId xmlns:p14="http://schemas.microsoft.com/office/powerpoint/2010/main" val="2827612806"/>
+      </p:ext>
+    </p:extLst>
+  </p:cSld>
+  <p:clrMapOvr>
+    <a:masterClrMapping/>
+  </p:clrMapOvr>
+  <p:timing>
+    <p:tnLst>
+      <p:par>
+        <p:cTn id="1" dur="indefinite" restart="never" nodeType="tmRoot"/>
+      </p:par>
+    </p:tnLst>
+  </p:timing>
+</p:sld>
+</file>
+
+<file path=ppt/slides/slide8.xml><?xml version="1.0" encoding="utf-8"?>
+<p:sld xmlns:a="http://schemas.openxmlformats.org/drawingml/2006/main" xmlns:r="http://schemas.openxmlformats.org/officeDocument/2006/relationships" xmlns:p="http://schemas.openxmlformats.org/presentationml/2006/main">
+  <p:cSld>
+    <p:spTree>
+      <p:nvGrpSpPr>
+        <p:cNvPr id="1" name=""/>
+        <p:cNvGrpSpPr/>
+        <p:nvPr/>
+      </p:nvGrpSpPr>
+      <p:grpSpPr>
+        <a:xfrm>
+          <a:off x="0" y="0"/>
+          <a:ext cx="0" cy="0"/>
+          <a:chOff x="0" y="0"/>
+          <a:chExt cx="0" cy="0"/>
+        </a:xfrm>
+      </p:grpSpPr>
+      <p:pic>
+        <p:nvPicPr>
+          <p:cNvPr id="11" name="Obrázek 10">
+            <a:extLst>
+              <a:ext uri="{FF2B5EF4-FFF2-40B4-BE49-F238E27FC236}">
+                <a16:creationId xmlns:a16="http://schemas.microsoft.com/office/drawing/2014/main" id="{4FF4A0B8-B6D8-13AE-15A1-4B15C9EB02F7}"/>
+              </a:ext>
+            </a:extLst>
+          </p:cNvPr>
+          <p:cNvPicPr>
+            <a:picLocks noChangeAspect="1"/>
+          </p:cNvPicPr>
+          <p:nvPr/>
+        </p:nvPicPr>
+        <p:blipFill>
+          <a:blip r:embed="rId2" cstate="print">
+            <a:extLst>
+              <a:ext uri="{28A0092B-C50C-407E-A947-70E740481C1C}">
+                <a14:useLocalDpi xmlns:a14="http://schemas.microsoft.com/office/drawing/2010/main" val="0"/>
+              </a:ext>
+            </a:extLst>
+          </a:blip>
+          <a:stretch>
+            <a:fillRect/>
+          </a:stretch>
+        </p:blipFill>
+        <p:spPr>
+          <a:xfrm>
+            <a:off x="456285" y="166136"/>
+            <a:ext cx="2315515" cy="434160"/>
+          </a:xfrm>
+          <a:prstGeom prst="rect">
+            <a:avLst/>
+          </a:prstGeom>
+        </p:spPr>
+      </p:pic>
+      <p:sp>
+        <p:nvSpPr>
+          <p:cNvPr id="3" name="Zástupný symbol pro text 8"/>
+          <p:cNvSpPr>
+            <a:spLocks noGrp="1"/>
+          </p:cNvSpPr>
+          <p:nvPr>
+            <p:ph type="body" idx="1"/>
+          </p:nvPr>
+        </p:nvSpPr>
+        <p:spPr>
+          <a:xfrm>
+            <a:off x="457200" y="600296"/>
+            <a:ext cx="8229600" cy="5853040"/>
+          </a:xfrm>
+        </p:spPr>
+        <p:txBody>
+          <a:bodyPr/>
+          <a:lstStyle/>
+          <a:p>
+            <a:r>
+              <a:rPr lang="cs-CZ" dirty="0" smtClean="0"/>
+              <a:t>CLI</a:t>
+            </a:r>
+          </a:p>
+          <a:p>
+            <a:pPr lvl="1"/>
+            <a:r>
+              <a:rPr lang="cs-CZ" dirty="0" smtClean="0"/>
+              <a:t>CLI </a:t>
+            </a:r>
+            <a:r>
+              <a:rPr lang="cs-CZ" dirty="0" err="1" smtClean="0"/>
+              <a:t>features</a:t>
+            </a:r>
+            <a:endParaRPr lang="cs-CZ" dirty="0" smtClean="0"/>
+          </a:p>
+          <a:p>
+            <a:pPr lvl="1"/>
+            <a:r>
+              <a:rPr lang="cs-CZ" dirty="0" smtClean="0"/>
+              <a:t>CLI </a:t>
+            </a:r>
+            <a:r>
+              <a:rPr lang="cs-CZ" dirty="0" err="1" smtClean="0"/>
+              <a:t>config</a:t>
+            </a:r>
+            <a:r>
+              <a:rPr lang="cs-CZ" dirty="0" smtClean="0"/>
+              <a:t> </a:t>
+            </a:r>
+            <a:r>
+              <a:rPr lang="cs-CZ" dirty="0" err="1" smtClean="0"/>
+              <a:t>file</a:t>
+            </a:r>
+            <a:endParaRPr lang="cs-CZ" dirty="0" smtClean="0"/>
+          </a:p>
+          <a:p>
+            <a:pPr lvl="1"/>
+            <a:r>
+              <a:rPr lang="cs-CZ" dirty="0" err="1" smtClean="0"/>
+              <a:t>Environment</a:t>
+            </a:r>
+            <a:r>
+              <a:rPr lang="cs-CZ" dirty="0" smtClean="0"/>
+              <a:t> </a:t>
+            </a:r>
+            <a:r>
+              <a:rPr lang="cs-CZ" dirty="0" err="1" smtClean="0"/>
+              <a:t>variables</a:t>
+            </a:r>
+            <a:endParaRPr lang="cs-CZ" dirty="0" smtClean="0"/>
+          </a:p>
+        </p:txBody>
+      </p:sp>
+    </p:spTree>
+    <p:extLst>
+      <p:ext uri="{BB962C8B-B14F-4D97-AF65-F5344CB8AC3E}">
+        <p14:creationId xmlns:p14="http://schemas.microsoft.com/office/powerpoint/2010/main" val="1445997114"/>
+      </p:ext>
+    </p:extLst>
+  </p:cSld>
+  <p:clrMapOvr>
+    <a:masterClrMapping/>
+  </p:clrMapOvr>
+  <p:timing>
+    <p:tnLst>
+      <p:par>
+        <p:cTn id="1" dur="indefinite" restart="never" nodeType="tmRoot"/>
+      </p:par>
+    </p:tnLst>
+  </p:timing>
+</p:sld>
+</file>
+
+<file path=ppt/slides/slide9.xml><?xml version="1.0" encoding="utf-8"?>
+<p:sld xmlns:a="http://schemas.openxmlformats.org/drawingml/2006/main" xmlns:r="http://schemas.openxmlformats.org/officeDocument/2006/relationships" xmlns:p="http://schemas.openxmlformats.org/presentationml/2006/main">
+  <p:cSld>
+    <p:spTree>
+      <p:nvGrpSpPr>
+        <p:cNvPr id="1" name=""/>
+        <p:cNvGrpSpPr/>
+        <p:nvPr/>
+      </p:nvGrpSpPr>
+      <p:grpSpPr>
+        <a:xfrm>
+          <a:off x="0" y="0"/>
+          <a:ext cx="0" cy="0"/>
+          <a:chOff x="0" y="0"/>
+          <a:chExt cx="0" cy="0"/>
+        </a:xfrm>
+      </p:grpSpPr>
+      <p:pic>
+        <p:nvPicPr>
+          <p:cNvPr id="11" name="Obrázek 10">
+            <a:extLst>
+              <a:ext uri="{FF2B5EF4-FFF2-40B4-BE49-F238E27FC236}">
+                <a16:creationId xmlns:a16="http://schemas.microsoft.com/office/drawing/2014/main" id="{4FF4A0B8-B6D8-13AE-15A1-4B15C9EB02F7}"/>
+              </a:ext>
+            </a:extLst>
+          </p:cNvPr>
+          <p:cNvPicPr>
+            <a:picLocks noChangeAspect="1"/>
+          </p:cNvPicPr>
+          <p:nvPr/>
+        </p:nvPicPr>
+        <p:blipFill>
+          <a:blip r:embed="rId2" cstate="print">
+            <a:extLst>
+              <a:ext uri="{28A0092B-C50C-407E-A947-70E740481C1C}">
+                <a14:useLocalDpi xmlns:a14="http://schemas.microsoft.com/office/drawing/2010/main" val="0"/>
+              </a:ext>
+            </a:extLst>
+          </a:blip>
+          <a:stretch>
+            <a:fillRect/>
+          </a:stretch>
+        </p:blipFill>
+        <p:spPr>
+          <a:xfrm>
+            <a:off x="456285" y="166136"/>
+            <a:ext cx="2315515" cy="434160"/>
+          </a:xfrm>
+          <a:prstGeom prst="rect">
+            <a:avLst/>
+          </a:prstGeom>
+        </p:spPr>
+      </p:pic>
+      <p:sp>
+        <p:nvSpPr>
+          <p:cNvPr id="3" name="Zástupný symbol pro text 8"/>
+          <p:cNvSpPr>
+            <a:spLocks noGrp="1"/>
+          </p:cNvSpPr>
+          <p:nvPr>
+            <p:ph type="body" idx="1"/>
+          </p:nvPr>
+        </p:nvSpPr>
+        <p:spPr>
+          <a:xfrm>
+            <a:off x="457200" y="600296"/>
+            <a:ext cx="8229600" cy="5853040"/>
+          </a:xfrm>
+        </p:spPr>
+        <p:txBody>
+          <a:bodyPr/>
+          <a:lstStyle/>
+          <a:p>
+            <a:r>
+              <a:rPr lang="cs-CZ" dirty="0" smtClean="0"/>
+              <a:t>CLI </a:t>
+            </a:r>
+            <a:r>
+              <a:rPr lang="cs-CZ" dirty="0" err="1" smtClean="0"/>
+              <a:t>features</a:t>
+            </a:r>
+            <a:endParaRPr lang="cs-CZ" dirty="0" smtClean="0"/>
+          </a:p>
+          <a:p>
+            <a:pPr lvl="1"/>
+            <a:r>
+              <a:rPr lang="cs-CZ" sz="1600" dirty="0">
+                <a:hlinkClick r:id="rId3"/>
+              </a:rPr>
+              <a:t>https://</a:t>
+            </a:r>
+            <a:r>
+              <a:rPr lang="cs-CZ" sz="1600" dirty="0" smtClean="0">
+                <a:hlinkClick r:id="rId3"/>
+              </a:rPr>
+              <a:t>developer.hashicorp.com/terraform/cli/commands</a:t>
+            </a:r>
+            <a:r>
+              <a:rPr lang="cs-CZ" sz="1600" dirty="0" smtClean="0"/>
+              <a:t>	</a:t>
+            </a:r>
+          </a:p>
+          <a:p>
+            <a:pPr lvl="1"/>
+            <a:endParaRPr lang="cs-CZ" dirty="0" smtClean="0"/>
+          </a:p>
+        </p:txBody>
+      </p:sp>
+      <p:pic>
+        <p:nvPicPr>
+          <p:cNvPr id="2" name="Obrázek 1"/>
+          <p:cNvPicPr>
+            <a:picLocks noChangeAspect="1"/>
+          </p:cNvPicPr>
+          <p:nvPr/>
+        </p:nvPicPr>
+        <p:blipFill>
+          <a:blip r:embed="rId4"/>
+          <a:stretch>
+            <a:fillRect/>
+          </a:stretch>
+        </p:blipFill>
+        <p:spPr>
+          <a:xfrm>
+            <a:off x="2309559" y="1484784"/>
+            <a:ext cx="4524881" cy="5301208"/>
+          </a:xfrm>
+          <a:prstGeom prst="rect">
+            <a:avLst/>
+          </a:prstGeom>
+        </p:spPr>
+      </p:pic>
+    </p:spTree>
+    <p:extLst>
+      <p:ext uri="{BB962C8B-B14F-4D97-AF65-F5344CB8AC3E}">
+        <p14:creationId xmlns:p14="http://schemas.microsoft.com/office/powerpoint/2010/main" val="3594031037"/>
       </p:ext>
     </p:extLst>
   </p:cSld>

--- a/1-tf.pptx
+++ b/1-tf.pptx
@@ -5,10 +5,10 @@
     <p:sldMasterId id="2147483648" r:id="rId1"/>
   </p:sldMasterIdLst>
   <p:notesMasterIdLst>
-    <p:notesMasterId r:id="rId15"/>
+    <p:notesMasterId r:id="rId16"/>
   </p:notesMasterIdLst>
   <p:handoutMasterIdLst>
-    <p:handoutMasterId r:id="rId16"/>
+    <p:handoutMasterId r:id="rId17"/>
   </p:handoutMasterIdLst>
   <p:sldIdLst>
     <p:sldId id="2305" r:id="rId2"/>
@@ -20,10 +20,11 @@
     <p:sldId id="2314" r:id="rId8"/>
     <p:sldId id="2317" r:id="rId9"/>
     <p:sldId id="2321" r:id="rId10"/>
-    <p:sldId id="2319" r:id="rId11"/>
-    <p:sldId id="2320" r:id="rId12"/>
-    <p:sldId id="2316" r:id="rId13"/>
-    <p:sldId id="2318" r:id="rId14"/>
+    <p:sldId id="2322" r:id="rId11"/>
+    <p:sldId id="2319" r:id="rId12"/>
+    <p:sldId id="2320" r:id="rId13"/>
+    <p:sldId id="2316" r:id="rId14"/>
+    <p:sldId id="2318" r:id="rId15"/>
   </p:sldIdLst>
   <p:sldSz cx="9144000" cy="6858000" type="screen4x3"/>
   <p:notesSz cx="6858000" cy="9144000"/>
@@ -237,7 +238,7 @@
           <a:p>
             <a:fld id="{B1730E14-8C26-4ED5-B7B4-B3979F4F78AA}" type="datetimeFigureOut">
               <a:rPr lang="cs-CZ" smtClean="0"/>
-              <a:t>20.11.2024</a:t>
+              <a:t>28.11.2024</a:t>
             </a:fld>
             <a:endParaRPr lang="cs-CZ"/>
           </a:p>
@@ -402,7 +403,7 @@
           <a:p>
             <a:fld id="{C85954D0-5250-4AAF-8AF5-6CCD0BDB627C}" type="datetimeFigureOut">
               <a:rPr lang="cs-CZ" smtClean="0"/>
-              <a:t>20.11.2024</a:t>
+              <a:t>28.11.2024</a:t>
             </a:fld>
             <a:endParaRPr lang="cs-CZ"/>
           </a:p>
@@ -956,7 +957,7 @@
           <a:p>
             <a:fld id="{95EC1D4A-A796-47C3-A63E-CE236FB377E2}" type="datetimeFigureOut">
               <a:rPr lang="cs-CZ" smtClean="0"/>
-              <a:t>20.11.2024</a:t>
+              <a:t>28.11.2024</a:t>
             </a:fld>
             <a:endParaRPr lang="cs-CZ"/>
           </a:p>
@@ -1119,7 +1120,7 @@
           <a:p>
             <a:fld id="{95EC1D4A-A796-47C3-A63E-CE236FB377E2}" type="datetimeFigureOut">
               <a:rPr lang="cs-CZ" smtClean="0"/>
-              <a:t>20.11.2024</a:t>
+              <a:t>28.11.2024</a:t>
             </a:fld>
             <a:endParaRPr lang="cs-CZ"/>
           </a:p>
@@ -1292,7 +1293,7 @@
           <a:p>
             <a:fld id="{95EC1D4A-A796-47C3-A63E-CE236FB377E2}" type="datetimeFigureOut">
               <a:rPr lang="cs-CZ" smtClean="0"/>
-              <a:t>20.11.2024</a:t>
+              <a:t>28.11.2024</a:t>
             </a:fld>
             <a:endParaRPr lang="cs-CZ"/>
           </a:p>
@@ -1455,7 +1456,7 @@
           <a:p>
             <a:fld id="{95EC1D4A-A796-47C3-A63E-CE236FB377E2}" type="datetimeFigureOut">
               <a:rPr lang="cs-CZ" smtClean="0"/>
-              <a:t>20.11.2024</a:t>
+              <a:t>28.11.2024</a:t>
             </a:fld>
             <a:endParaRPr lang="cs-CZ"/>
           </a:p>
@@ -1618,7 +1619,7 @@
           <a:p>
             <a:fld id="{95EC1D4A-A796-47C3-A63E-CE236FB377E2}" type="datetimeFigureOut">
               <a:rPr lang="cs-CZ" smtClean="0"/>
-              <a:t>20.11.2024</a:t>
+              <a:t>28.11.2024</a:t>
             </a:fld>
             <a:endParaRPr lang="cs-CZ"/>
           </a:p>
@@ -1898,7 +1899,7 @@
           <a:p>
             <a:fld id="{95EC1D4A-A796-47C3-A63E-CE236FB377E2}" type="datetimeFigureOut">
               <a:rPr lang="cs-CZ" smtClean="0"/>
-              <a:t>20.11.2024</a:t>
+              <a:t>28.11.2024</a:t>
             </a:fld>
             <a:endParaRPr lang="cs-CZ"/>
           </a:p>
@@ -2061,7 +2062,7 @@
           <a:p>
             <a:fld id="{95EC1D4A-A796-47C3-A63E-CE236FB377E2}" type="datetimeFigureOut">
               <a:rPr lang="cs-CZ" smtClean="0"/>
-              <a:t>20.11.2024</a:t>
+              <a:t>28.11.2024</a:t>
             </a:fld>
             <a:endParaRPr lang="cs-CZ"/>
           </a:p>
@@ -2224,7 +2225,7 @@
           <a:p>
             <a:fld id="{95EC1D4A-A796-47C3-A63E-CE236FB377E2}" type="datetimeFigureOut">
               <a:rPr lang="cs-CZ" smtClean="0"/>
-              <a:t>20.11.2024</a:t>
+              <a:t>28.11.2024</a:t>
             </a:fld>
             <a:endParaRPr lang="cs-CZ"/>
           </a:p>
@@ -2314,7 +2315,7 @@
           <a:p>
             <a:fld id="{95EC1D4A-A796-47C3-A63E-CE236FB377E2}" type="datetimeFigureOut">
               <a:rPr lang="cs-CZ" smtClean="0"/>
-              <a:t>20.11.2024</a:t>
+              <a:t>28.11.2024</a:t>
             </a:fld>
             <a:endParaRPr lang="cs-CZ"/>
           </a:p>
@@ -2584,7 +2585,7 @@
           <a:p>
             <a:fld id="{95EC1D4A-A796-47C3-A63E-CE236FB377E2}" type="datetimeFigureOut">
               <a:rPr lang="cs-CZ" smtClean="0"/>
-              <a:t>20.11.2024</a:t>
+              <a:t>28.11.2024</a:t>
             </a:fld>
             <a:endParaRPr lang="cs-CZ"/>
           </a:p>
@@ -2831,7 +2832,7 @@
           <a:p>
             <a:fld id="{95EC1D4A-A796-47C3-A63E-CE236FB377E2}" type="datetimeFigureOut">
               <a:rPr lang="cs-CZ" smtClean="0"/>
-              <a:t>20.11.2024</a:t>
+              <a:t>28.11.2024</a:t>
             </a:fld>
             <a:endParaRPr lang="cs-CZ"/>
           </a:p>
@@ -3037,7 +3038,7 @@
           <a:p>
             <a:fld id="{95EC1D4A-A796-47C3-A63E-CE236FB377E2}" type="datetimeFigureOut">
               <a:rPr lang="cs-CZ" smtClean="0"/>
-              <a:t>20.11.2024</a:t>
+              <a:t>28.11.2024</a:t>
             </a:fld>
             <a:endParaRPr lang="cs-CZ"/>
           </a:p>
@@ -3676,7 +3677,9 @@
           </a:xfrm>
         </p:spPr>
         <p:txBody>
-          <a:bodyPr/>
+          <a:bodyPr>
+            <a:normAutofit/>
+          </a:bodyPr>
           <a:lstStyle/>
           <a:p>
             <a:r>
@@ -3685,49 +3688,38 @@
             </a:r>
             <a:r>
               <a:rPr lang="cs-CZ" dirty="0" err="1" smtClean="0"/>
-              <a:t>config</a:t>
-            </a:r>
-            <a:r>
-              <a:rPr lang="cs-CZ" dirty="0" smtClean="0"/>
+              <a:t>options</a:t>
+            </a:r>
+            <a:endParaRPr lang="cs-CZ" dirty="0" smtClean="0"/>
+          </a:p>
+          <a:p>
+            <a:pPr lvl="1"/>
+            <a:r>
+              <a:rPr lang="cs-CZ" sz="2000" dirty="0"/>
+              <a:t>Specifické </a:t>
+            </a:r>
+            <a:r>
+              <a:rPr lang="cs-CZ" sz="2000" dirty="0" err="1"/>
+              <a:t>nnastavení</a:t>
+            </a:r>
+            <a:r>
+              <a:rPr lang="cs-CZ" sz="2000" dirty="0"/>
               <a:t> </a:t>
             </a:r>
             <a:r>
-              <a:rPr lang="cs-CZ" dirty="0" err="1" smtClean="0"/>
-              <a:t>file</a:t>
-            </a:r>
-            <a:endParaRPr lang="cs-CZ" dirty="0" smtClean="0"/>
-          </a:p>
-          <a:p>
-            <a:pPr lvl="1"/>
-            <a:r>
-              <a:rPr lang="cs-CZ" sz="1800" dirty="0" smtClean="0"/>
-              <a:t>Umístění:</a:t>
-            </a:r>
-          </a:p>
-          <a:p>
-            <a:pPr lvl="2"/>
-            <a:r>
-              <a:rPr lang="cs-CZ" sz="1400" dirty="0" smtClean="0"/>
-              <a:t>Lze ovlivnit </a:t>
-            </a:r>
-            <a:r>
-              <a:rPr lang="cs-CZ" sz="1400" dirty="0" err="1" smtClean="0"/>
-              <a:t>environment</a:t>
-            </a:r>
-            <a:r>
-              <a:rPr lang="cs-CZ" sz="1400" dirty="0" smtClean="0"/>
+              <a:rPr lang="cs-CZ" sz="2000" dirty="0" smtClean="0"/>
+              <a:t>každého </a:t>
+            </a:r>
+            <a:r>
+              <a:rPr lang="cs-CZ" sz="2000" dirty="0" err="1" smtClean="0"/>
+              <a:t>commandu</a:t>
+            </a:r>
+            <a:r>
+              <a:rPr lang="cs-CZ" sz="2000" dirty="0"/>
               <a:t> </a:t>
             </a:r>
             <a:r>
-              <a:rPr lang="cs-CZ" sz="1400" dirty="0" err="1" smtClean="0"/>
-              <a:t>variable</a:t>
-            </a:r>
-            <a:r>
-              <a:rPr lang="cs-CZ" sz="1400" dirty="0" smtClean="0"/>
-              <a:t> </a:t>
-            </a:r>
-            <a:r>
-              <a:rPr lang="cs-CZ" sz="1400" dirty="0">
+              <a:rPr lang="cs-CZ" sz="2000" dirty="0" smtClean="0">
                 <a:solidFill>
                   <a:schemeClr val="accent6">
                     <a:lumMod val="75000"/>
@@ -3735,21 +3727,10 @@
                 </a:solidFill>
                 <a:latin typeface="Consolas" panose="020B0609020204030204" pitchFamily="49" charset="0"/>
               </a:rPr>
-              <a:t>TF_CLI_CONFIG_FILE</a:t>
-            </a:r>
-            <a:r>
-              <a:rPr lang="cs-CZ" sz="1400" dirty="0" smtClean="0"/>
-              <a:t>, standardně</a:t>
-            </a:r>
-          </a:p>
-          <a:p>
-            <a:pPr lvl="2"/>
-            <a:r>
-              <a:rPr lang="cs-CZ" sz="1400" dirty="0" smtClean="0"/>
-              <a:t>Windows: </a:t>
-            </a:r>
-            <a:r>
-              <a:rPr lang="cs-CZ" sz="1400" dirty="0" smtClean="0">
+              <a:t>–</a:t>
+            </a:r>
+            <a:r>
+              <a:rPr lang="cs-CZ" sz="2000" dirty="0" err="1" smtClean="0">
                 <a:solidFill>
                   <a:schemeClr val="accent6">
                     <a:lumMod val="75000"/>
@@ -3757,10 +3738,27 @@
                 </a:solidFill>
                 <a:latin typeface="Consolas" panose="020B0609020204030204" pitchFamily="49" charset="0"/>
               </a:rPr>
-              <a:t>%APPDATA%\</a:t>
-            </a:r>
-            <a:r>
-              <a:rPr lang="cs-CZ" sz="1400" dirty="0" err="1" smtClean="0">
+              <a:t>help</a:t>
+            </a:r>
+            <a:endParaRPr lang="cs-CZ" sz="2000" dirty="0" smtClean="0">
+              <a:solidFill>
+                <a:schemeClr val="accent6">
+                  <a:lumMod val="75000"/>
+                </a:schemeClr>
+              </a:solidFill>
+              <a:latin typeface="Consolas" panose="020B0609020204030204" pitchFamily="49" charset="0"/>
+            </a:endParaRPr>
+          </a:p>
+          <a:p>
+            <a:pPr marL="457200" lvl="1" indent="0">
+              <a:buNone/>
+            </a:pPr>
+            <a:r>
+              <a:rPr lang="cs-CZ" sz="1600" dirty="0" smtClean="0"/>
+              <a:t>	</a:t>
+            </a:r>
+            <a:r>
+              <a:rPr lang="cs-CZ" sz="1600" dirty="0">
                 <a:solidFill>
                   <a:schemeClr val="accent6">
                     <a:lumMod val="75000"/>
@@ -3768,9 +3766,269 @@
                 </a:solidFill>
                 <a:latin typeface="Consolas" panose="020B0609020204030204" pitchFamily="49" charset="0"/>
               </a:rPr>
-              <a:t>terraform.rc</a:t>
-            </a:r>
-            <a:endParaRPr lang="cs-CZ" sz="1400" dirty="0" smtClean="0">
+              <a:t>-</a:t>
+            </a:r>
+            <a:r>
+              <a:rPr lang="cs-CZ" sz="1600" dirty="0" err="1" smtClean="0">
+                <a:solidFill>
+                  <a:schemeClr val="accent6">
+                    <a:lumMod val="75000"/>
+                  </a:schemeClr>
+                </a:solidFill>
+                <a:latin typeface="Consolas" panose="020B0609020204030204" pitchFamily="49" charset="0"/>
+              </a:rPr>
+              <a:t>target</a:t>
+            </a:r>
+            <a:r>
+              <a:rPr lang="cs-CZ" sz="1600" dirty="0" smtClean="0"/>
+              <a:t> (</a:t>
+            </a:r>
+            <a:r>
+              <a:rPr lang="cs-CZ" sz="1600" dirty="0" err="1" smtClean="0"/>
+              <a:t>plan</a:t>
+            </a:r>
+            <a:r>
+              <a:rPr lang="cs-CZ" sz="1600" dirty="0" smtClean="0"/>
+              <a:t>)</a:t>
+            </a:r>
+          </a:p>
+          <a:p>
+            <a:pPr marL="457200" lvl="1" indent="0">
+              <a:buNone/>
+            </a:pPr>
+            <a:r>
+              <a:rPr lang="cs-CZ" sz="1600" dirty="0" smtClean="0"/>
+              <a:t>	</a:t>
+            </a:r>
+            <a:r>
+              <a:rPr lang="cs-CZ" sz="1600" dirty="0">
+                <a:solidFill>
+                  <a:schemeClr val="accent6">
+                    <a:lumMod val="75000"/>
+                  </a:schemeClr>
+                </a:solidFill>
+                <a:latin typeface="Consolas" panose="020B0609020204030204" pitchFamily="49" charset="0"/>
+              </a:rPr>
+              <a:t>-</a:t>
+            </a:r>
+            <a:r>
+              <a:rPr lang="cs-CZ" sz="1600" dirty="0" err="1">
+                <a:solidFill>
+                  <a:schemeClr val="accent6">
+                    <a:lumMod val="75000"/>
+                  </a:schemeClr>
+                </a:solidFill>
+                <a:latin typeface="Consolas" panose="020B0609020204030204" pitchFamily="49" charset="0"/>
+              </a:rPr>
+              <a:t>c</a:t>
+            </a:r>
+            <a:r>
+              <a:rPr lang="cs-CZ" sz="1600" dirty="0" err="1">
+                <a:solidFill>
+                  <a:schemeClr val="accent6">
+                    <a:lumMod val="75000"/>
+                  </a:schemeClr>
+                </a:solidFill>
+                <a:latin typeface="Consolas" panose="020B0609020204030204" pitchFamily="49" charset="0"/>
+              </a:rPr>
+              <a:t>ompact-warnings</a:t>
+            </a:r>
+            <a:r>
+              <a:rPr lang="cs-CZ" sz="1600" dirty="0" smtClean="0"/>
+              <a:t> (</a:t>
+            </a:r>
+            <a:r>
+              <a:rPr lang="cs-CZ" sz="1600" dirty="0" err="1" smtClean="0"/>
+              <a:t>plan</a:t>
+            </a:r>
+            <a:r>
+              <a:rPr lang="cs-CZ" sz="1600" dirty="0" smtClean="0"/>
+              <a:t>, </a:t>
+            </a:r>
+            <a:r>
+              <a:rPr lang="cs-CZ" sz="1600" dirty="0" err="1" smtClean="0"/>
+              <a:t>apply</a:t>
+            </a:r>
+            <a:r>
+              <a:rPr lang="cs-CZ" sz="1600" dirty="0" smtClean="0"/>
+              <a:t>)</a:t>
+            </a:r>
+          </a:p>
+          <a:p>
+            <a:pPr marL="457200" lvl="1" indent="0">
+              <a:buNone/>
+            </a:pPr>
+            <a:r>
+              <a:rPr lang="cs-CZ" sz="1600" dirty="0" smtClean="0"/>
+              <a:t>	</a:t>
+            </a:r>
+            <a:r>
+              <a:rPr lang="en-US" sz="1600" dirty="0">
+                <a:solidFill>
+                  <a:schemeClr val="accent6">
+                    <a:lumMod val="75000"/>
+                  </a:schemeClr>
+                </a:solidFill>
+                <a:latin typeface="Consolas" panose="020B0609020204030204" pitchFamily="49" charset="0"/>
+              </a:rPr>
+              <a:t>-</a:t>
+            </a:r>
+            <a:r>
+              <a:rPr lang="en-US" sz="1600" dirty="0">
+                <a:solidFill>
+                  <a:schemeClr val="accent6">
+                    <a:lumMod val="75000"/>
+                  </a:schemeClr>
+                </a:solidFill>
+                <a:latin typeface="Consolas" panose="020B0609020204030204" pitchFamily="49" charset="0"/>
+              </a:rPr>
+              <a:t>detailed-</a:t>
+            </a:r>
+            <a:r>
+              <a:rPr lang="en-US" sz="1600" dirty="0" err="1">
+                <a:solidFill>
+                  <a:schemeClr val="accent6">
+                    <a:lumMod val="75000"/>
+                  </a:schemeClr>
+                </a:solidFill>
+                <a:latin typeface="Consolas" panose="020B0609020204030204" pitchFamily="49" charset="0"/>
+              </a:rPr>
+              <a:t>exitcode</a:t>
+            </a:r>
+            <a:r>
+              <a:rPr lang="en-US" sz="1600" dirty="0"/>
+              <a:t> </a:t>
+            </a:r>
+            <a:r>
+              <a:rPr lang="cs-CZ" sz="1600" dirty="0" smtClean="0"/>
+              <a:t>(</a:t>
+            </a:r>
+            <a:r>
+              <a:rPr lang="cs-CZ" sz="1600" dirty="0" err="1" smtClean="0"/>
+              <a:t>plan</a:t>
+            </a:r>
+            <a:r>
+              <a:rPr lang="cs-CZ" sz="1600" dirty="0" smtClean="0"/>
+              <a:t>)</a:t>
+            </a:r>
+            <a:r>
+              <a:rPr lang="en-US" sz="1600" dirty="0" smtClean="0"/>
+              <a:t>      Return </a:t>
+            </a:r>
+            <a:r>
+              <a:rPr lang="en-US" sz="1600" dirty="0"/>
+              <a:t>detailed exit codes when the command exits.</a:t>
+            </a:r>
+          </a:p>
+          <a:p>
+            <a:pPr marL="457200" lvl="1" indent="0">
+              <a:buNone/>
+            </a:pPr>
+            <a:r>
+              <a:rPr lang="cs-CZ" sz="1600" dirty="0" smtClean="0"/>
+              <a:t>			</a:t>
+            </a:r>
+            <a:r>
+              <a:rPr lang="en-US" sz="1600" dirty="0" smtClean="0"/>
+              <a:t>This </a:t>
+            </a:r>
+            <a:r>
+              <a:rPr lang="en-US" sz="1600" dirty="0"/>
+              <a:t>will change the meaning of exit codes to:</a:t>
+            </a:r>
+          </a:p>
+          <a:p>
+            <a:pPr marL="457200" lvl="1" indent="0">
+              <a:buNone/>
+            </a:pPr>
+            <a:r>
+              <a:rPr lang="cs-CZ" sz="1600" dirty="0" smtClean="0"/>
+              <a:t>			</a:t>
+            </a:r>
+            <a:r>
+              <a:rPr lang="en-US" sz="1600" dirty="0" smtClean="0"/>
+              <a:t>0 </a:t>
+            </a:r>
+            <a:r>
+              <a:rPr lang="en-US" sz="1600" dirty="0"/>
+              <a:t>- Succeeded, diff is empty (no changes)</a:t>
+            </a:r>
+          </a:p>
+          <a:p>
+            <a:pPr marL="457200" lvl="1" indent="0">
+              <a:buNone/>
+            </a:pPr>
+            <a:r>
+              <a:rPr lang="cs-CZ" sz="1600" dirty="0" smtClean="0"/>
+              <a:t>			</a:t>
+            </a:r>
+            <a:r>
+              <a:rPr lang="en-US" sz="1600" dirty="0" smtClean="0"/>
+              <a:t>1 </a:t>
+            </a:r>
+            <a:r>
+              <a:rPr lang="en-US" sz="1600" dirty="0"/>
+              <a:t>- </a:t>
+            </a:r>
+            <a:r>
+              <a:rPr lang="en-US" sz="1600" dirty="0" err="1"/>
+              <a:t>Errored</a:t>
+            </a:r>
+            <a:endParaRPr lang="en-US" sz="1600" dirty="0"/>
+          </a:p>
+          <a:p>
+            <a:pPr marL="457200" lvl="1" indent="0">
+              <a:buNone/>
+            </a:pPr>
+            <a:r>
+              <a:rPr lang="cs-CZ" sz="1600" dirty="0" smtClean="0"/>
+              <a:t>			</a:t>
+            </a:r>
+            <a:r>
+              <a:rPr lang="en-US" sz="1600" dirty="0" smtClean="0"/>
+              <a:t>2 </a:t>
+            </a:r>
+            <a:r>
+              <a:rPr lang="en-US" sz="1600" dirty="0"/>
+              <a:t>- Succeeded, there is a </a:t>
+            </a:r>
+            <a:r>
+              <a:rPr lang="en-US" sz="1600" dirty="0" smtClean="0"/>
+              <a:t>diff</a:t>
+            </a:r>
+            <a:endParaRPr lang="cs-CZ" sz="1600" dirty="0" smtClean="0"/>
+          </a:p>
+          <a:p>
+            <a:pPr marL="457200" lvl="1" indent="0">
+              <a:buNone/>
+            </a:pPr>
+            <a:r>
+              <a:rPr lang="cs-CZ" sz="1600" dirty="0"/>
+              <a:t>	</a:t>
+            </a:r>
+            <a:r>
+              <a:rPr lang="cs-CZ" sz="1600" dirty="0">
+                <a:solidFill>
+                  <a:schemeClr val="accent6">
+                    <a:lumMod val="75000"/>
+                  </a:schemeClr>
+                </a:solidFill>
+                <a:latin typeface="Consolas" panose="020B0609020204030204" pitchFamily="49" charset="0"/>
+              </a:rPr>
+              <a:t>-</a:t>
+            </a:r>
+            <a:r>
+              <a:rPr lang="cs-CZ" sz="1600" dirty="0" err="1">
+                <a:solidFill>
+                  <a:schemeClr val="accent6">
+                    <a:lumMod val="75000"/>
+                  </a:schemeClr>
+                </a:solidFill>
+                <a:latin typeface="Consolas" panose="020B0609020204030204" pitchFamily="49" charset="0"/>
+              </a:rPr>
+              <a:t>parallelism</a:t>
+            </a:r>
+            <a:endParaRPr lang="cs-CZ" sz="1600" dirty="0">
               <a:solidFill>
                 <a:schemeClr val="accent6">
                   <a:lumMod val="75000"/>
@@ -3780,171 +4038,10 @@
             </a:endParaRPr>
           </a:p>
           <a:p>
-            <a:pPr lvl="2"/>
-            <a:r>
-              <a:rPr lang="cs-CZ" sz="1400" dirty="0" err="1" smtClean="0"/>
-              <a:t>Other</a:t>
-            </a:r>
-            <a:r>
-              <a:rPr lang="cs-CZ" sz="1400" dirty="0" smtClean="0"/>
-              <a:t> </a:t>
-            </a:r>
-            <a:r>
-              <a:rPr lang="cs-CZ" sz="1400" dirty="0" err="1" smtClean="0"/>
-              <a:t>systems</a:t>
-            </a:r>
-            <a:r>
-              <a:rPr lang="cs-CZ" sz="1400" dirty="0" smtClean="0"/>
-              <a:t>: </a:t>
-            </a:r>
-            <a:r>
-              <a:rPr lang="cs-CZ" sz="1400" dirty="0">
-                <a:solidFill>
-                  <a:schemeClr val="accent6">
-                    <a:lumMod val="75000"/>
-                  </a:schemeClr>
-                </a:solidFill>
-                <a:latin typeface="Consolas" panose="020B0609020204030204" pitchFamily="49" charset="0"/>
-              </a:rPr>
-              <a:t>~/.</a:t>
-            </a:r>
-            <a:r>
-              <a:rPr lang="cs-CZ" sz="1400" dirty="0" err="1" smtClean="0">
-                <a:solidFill>
-                  <a:schemeClr val="accent6">
-                    <a:lumMod val="75000"/>
-                  </a:schemeClr>
-                </a:solidFill>
-                <a:latin typeface="Consolas" panose="020B0609020204030204" pitchFamily="49" charset="0"/>
-              </a:rPr>
-              <a:t>terraformrc</a:t>
-            </a:r>
-            <a:endParaRPr lang="cs-CZ" sz="1800" dirty="0">
-              <a:solidFill>
-                <a:schemeClr val="accent6">
-                  <a:lumMod val="75000"/>
-                </a:schemeClr>
-              </a:solidFill>
-              <a:latin typeface="Consolas" panose="020B0609020204030204" pitchFamily="49" charset="0"/>
-            </a:endParaRPr>
-          </a:p>
-          <a:p>
-            <a:pPr lvl="1"/>
-            <a:r>
-              <a:rPr lang="cs-CZ" sz="1800" dirty="0" smtClean="0"/>
-              <a:t>HCL </a:t>
-            </a:r>
-            <a:r>
-              <a:rPr lang="cs-CZ" sz="1800" dirty="0" smtClean="0"/>
-              <a:t>syntaxe</a:t>
-            </a:r>
-            <a:endParaRPr lang="cs-CZ" sz="1800" dirty="0" smtClean="0"/>
-          </a:p>
-          <a:p>
-            <a:pPr lvl="1"/>
-            <a:r>
-              <a:rPr lang="cs-CZ" sz="1800" dirty="0" err="1" smtClean="0"/>
-              <a:t>Documentation</a:t>
-            </a:r>
-            <a:r>
-              <a:rPr lang="cs-CZ" sz="1800" dirty="0"/>
-              <a:t>: </a:t>
-            </a:r>
-            <a:r>
-              <a:rPr lang="cs-CZ" sz="1800" dirty="0">
-                <a:hlinkClick r:id="rId3"/>
-              </a:rPr>
-              <a:t>https://</a:t>
-            </a:r>
-            <a:r>
-              <a:rPr lang="cs-CZ" sz="1800" dirty="0" smtClean="0">
-                <a:hlinkClick r:id="rId3"/>
-              </a:rPr>
-              <a:t>developer.hashicorp.com/terraform/cli/config/config-file</a:t>
-            </a:r>
-            <a:endParaRPr lang="cs-CZ" sz="1800" dirty="0" smtClean="0"/>
-          </a:p>
-          <a:p>
-            <a:pPr lvl="1"/>
-            <a:r>
-              <a:rPr lang="cs-CZ" sz="1800" dirty="0" smtClean="0"/>
-              <a:t>Nastavení:</a:t>
-            </a:r>
-          </a:p>
-          <a:p>
-            <a:pPr lvl="2"/>
-            <a:r>
-              <a:rPr lang="cs-CZ" sz="1400" dirty="0" err="1" smtClean="0"/>
-              <a:t>credentials</a:t>
-            </a:r>
-            <a:r>
-              <a:rPr lang="cs-CZ" sz="1400" dirty="0" smtClean="0"/>
-              <a:t> (například pro ověření do </a:t>
-            </a:r>
-            <a:r>
-              <a:rPr lang="cs-CZ" sz="1400" dirty="0" err="1" smtClean="0"/>
-              <a:t>private</a:t>
-            </a:r>
-            <a:r>
-              <a:rPr lang="cs-CZ" sz="1400" dirty="0" smtClean="0"/>
-              <a:t> module registry)</a:t>
-            </a:r>
-          </a:p>
-          <a:p>
-            <a:pPr lvl="2"/>
-            <a:r>
-              <a:rPr lang="cs-CZ" sz="1400" dirty="0" err="1"/>
-              <a:t>c</a:t>
-            </a:r>
-            <a:r>
-              <a:rPr lang="cs-CZ" sz="1400" dirty="0" err="1" smtClean="0"/>
-              <a:t>redentials_helper</a:t>
-            </a:r>
-            <a:endParaRPr lang="cs-CZ" sz="1400" dirty="0" smtClean="0"/>
-          </a:p>
-          <a:p>
-            <a:pPr lvl="2"/>
-            <a:r>
-              <a:rPr lang="cs-CZ" sz="1400" dirty="0" err="1"/>
-              <a:t>d</a:t>
-            </a:r>
-            <a:r>
-              <a:rPr lang="cs-CZ" sz="1400" dirty="0" err="1" smtClean="0"/>
-              <a:t>isable_checkpoint</a:t>
-            </a:r>
-            <a:endParaRPr lang="cs-CZ" sz="1400" dirty="0" smtClean="0"/>
-          </a:p>
-          <a:p>
-            <a:pPr lvl="2"/>
-            <a:r>
-              <a:rPr lang="cs-CZ" sz="1400" dirty="0" err="1" smtClean="0"/>
-              <a:t>disable_checkpoint_signature</a:t>
-            </a:r>
-            <a:endParaRPr lang="cs-CZ" sz="1400" dirty="0" smtClean="0"/>
-          </a:p>
-          <a:p>
-            <a:pPr lvl="2"/>
-            <a:r>
-              <a:rPr lang="cs-CZ" sz="1400" dirty="0" err="1"/>
-              <a:t>p</a:t>
-            </a:r>
-            <a:r>
-              <a:rPr lang="cs-CZ" sz="1400" dirty="0" err="1" smtClean="0"/>
-              <a:t>lugin_cache_dir</a:t>
-            </a:r>
-            <a:endParaRPr lang="cs-CZ" sz="1400" dirty="0" smtClean="0"/>
-          </a:p>
-          <a:p>
-            <a:pPr lvl="2"/>
-            <a:r>
-              <a:rPr lang="cs-CZ" sz="1400" dirty="0" err="1" smtClean="0"/>
-              <a:t>provider_installation</a:t>
-            </a:r>
-            <a:r>
-              <a:rPr lang="cs-CZ" sz="1400" dirty="0" smtClean="0"/>
-              <a:t> (například použití lokálního zrcadla pro instalaci)</a:t>
-            </a:r>
-            <a:endParaRPr lang="cs-CZ" sz="1400" dirty="0"/>
+            <a:pPr marL="457200" lvl="1" indent="0">
+              <a:buNone/>
+            </a:pPr>
+            <a:endParaRPr lang="cs-CZ" dirty="0" smtClean="0"/>
           </a:p>
           <a:p>
             <a:pPr marL="457200" lvl="1" indent="0">
@@ -4040,7 +4137,7 @@
     </p:spTree>
     <p:extLst>
       <p:ext uri="{BB962C8B-B14F-4D97-AF65-F5344CB8AC3E}">
-        <p14:creationId xmlns:p14="http://schemas.microsoft.com/office/powerpoint/2010/main" val="3229752980"/>
+        <p14:creationId xmlns:p14="http://schemas.microsoft.com/office/powerpoint/2010/main" val="3253602236"/>
       </p:ext>
     </p:extLst>
   </p:cSld>
@@ -4127,9 +4224,7 @@
           </a:xfrm>
         </p:spPr>
         <p:txBody>
-          <a:bodyPr>
-            <a:normAutofit/>
-          </a:bodyPr>
+          <a:bodyPr/>
           <a:lstStyle/>
           <a:p>
             <a:r>
@@ -4138,7 +4233,7 @@
             </a:r>
             <a:r>
               <a:rPr lang="cs-CZ" dirty="0" err="1" smtClean="0"/>
-              <a:t>environment</a:t>
+              <a:t>config</a:t>
             </a:r>
             <a:r>
               <a:rPr lang="cs-CZ" dirty="0" smtClean="0"/>
@@ -4146,34 +4241,41 @@
             </a:r>
             <a:r>
               <a:rPr lang="cs-CZ" dirty="0" err="1" smtClean="0"/>
-              <a:t>variables</a:t>
+              <a:t>file</a:t>
             </a:r>
             <a:endParaRPr lang="cs-CZ" dirty="0" smtClean="0"/>
           </a:p>
           <a:p>
             <a:pPr lvl="1"/>
             <a:r>
-              <a:rPr lang="cs-CZ" sz="1600" dirty="0">
-                <a:hlinkClick r:id="rId3"/>
-              </a:rPr>
-              <a:t>https://</a:t>
-            </a:r>
-            <a:r>
-              <a:rPr lang="cs-CZ" sz="1600" dirty="0" smtClean="0">
-                <a:hlinkClick r:id="rId3"/>
-              </a:rPr>
-              <a:t>developer.hashicorp.com/terraform/cli/config/environment-variables</a:t>
-            </a:r>
-            <a:endParaRPr lang="cs-CZ" dirty="0" smtClean="0"/>
-          </a:p>
-          <a:p>
-            <a:pPr lvl="1"/>
-            <a:r>
-              <a:rPr lang="cs-CZ" sz="1600" dirty="0" smtClean="0"/>
-              <a:t>TF_LOG (TF_LOG_CORE, TF_LOG_PROVIDER): výstup na </a:t>
-            </a:r>
-            <a:r>
-              <a:rPr lang="cs-CZ" sz="1600" dirty="0" err="1" smtClean="0">
+              <a:rPr lang="cs-CZ" sz="1800" dirty="0" smtClean="0"/>
+              <a:t>Umístění:</a:t>
+            </a:r>
+          </a:p>
+          <a:p>
+            <a:pPr lvl="2"/>
+            <a:r>
+              <a:rPr lang="cs-CZ" sz="1400" dirty="0" smtClean="0"/>
+              <a:t>Lze ovlivnit </a:t>
+            </a:r>
+            <a:r>
+              <a:rPr lang="cs-CZ" sz="1400" dirty="0" err="1" smtClean="0"/>
+              <a:t>environment</a:t>
+            </a:r>
+            <a:r>
+              <a:rPr lang="cs-CZ" sz="1400" dirty="0" smtClean="0"/>
+              <a:t> </a:t>
+            </a:r>
+            <a:r>
+              <a:rPr lang="cs-CZ" sz="1400" dirty="0" err="1" smtClean="0"/>
+              <a:t>variable</a:t>
+            </a:r>
+            <a:r>
+              <a:rPr lang="cs-CZ" sz="1400" dirty="0" smtClean="0"/>
+              <a:t> </a:t>
+            </a:r>
+            <a:r>
+              <a:rPr lang="cs-CZ" sz="1400" dirty="0">
                 <a:solidFill>
                   <a:schemeClr val="accent6">
                     <a:lumMod val="75000"/>
@@ -4181,22 +4283,21 @@
                 </a:solidFill>
                 <a:latin typeface="Consolas" panose="020B0609020204030204" pitchFamily="49" charset="0"/>
               </a:rPr>
-              <a:t>stderr</a:t>
-            </a:r>
-            <a:r>
-              <a:rPr lang="cs-CZ" sz="1600" dirty="0" smtClean="0"/>
-              <a:t>, </a:t>
-            </a:r>
-            <a:r>
-              <a:rPr lang="cs-CZ" sz="1600" dirty="0" err="1" smtClean="0"/>
-              <a:t>levels</a:t>
-            </a:r>
-            <a:r>
-              <a:rPr lang="cs-CZ" sz="1600" dirty="0" smtClean="0"/>
-              <a:t> </a:t>
-            </a:r>
-            <a:r>
-              <a:rPr lang="cs-CZ" sz="1600" dirty="0" smtClean="0">
+              <a:t>TF_CLI_CONFIG_FILE</a:t>
+            </a:r>
+            <a:r>
+              <a:rPr lang="cs-CZ" sz="1400" dirty="0" smtClean="0"/>
+              <a:t>, standardně</a:t>
+            </a:r>
+          </a:p>
+          <a:p>
+            <a:pPr lvl="2"/>
+            <a:r>
+              <a:rPr lang="cs-CZ" sz="1400" dirty="0" smtClean="0"/>
+              <a:t>Windows: </a:t>
+            </a:r>
+            <a:r>
+              <a:rPr lang="cs-CZ" sz="1400" dirty="0" smtClean="0">
                 <a:solidFill>
                   <a:schemeClr val="accent6">
                     <a:lumMod val="75000"/>
@@ -4204,10 +4305,10 @@
                 </a:solidFill>
                 <a:latin typeface="Consolas" panose="020B0609020204030204" pitchFamily="49" charset="0"/>
               </a:rPr>
-              <a:t>TRACE, DEBUG, INFO, WARN, ERROR, </a:t>
-            </a:r>
-            <a:r>
-              <a:rPr lang="cs-CZ" sz="1600" dirty="0" err="1" smtClean="0">
+              <a:t>%APPDATA%\</a:t>
+            </a:r>
+            <a:r>
+              <a:rPr lang="cs-CZ" sz="1400" dirty="0" err="1" smtClean="0">
                 <a:solidFill>
                   <a:schemeClr val="accent6">
                     <a:lumMod val="75000"/>
@@ -4215,9 +4316,9 @@
                 </a:solidFill>
                 <a:latin typeface="Consolas" panose="020B0609020204030204" pitchFamily="49" charset="0"/>
               </a:rPr>
-              <a:t>off</a:t>
-            </a:r>
-            <a:endParaRPr lang="cs-CZ" sz="1600" dirty="0" smtClean="0">
+              <a:t>terraform.rc</a:t>
+            </a:r>
+            <a:endParaRPr lang="cs-CZ" sz="1400" dirty="0" smtClean="0">
               <a:solidFill>
                 <a:schemeClr val="accent6">
                   <a:lumMod val="75000"/>
@@ -4227,13 +4328,25 @@
             </a:endParaRPr>
           </a:p>
           <a:p>
-            <a:pPr lvl="1"/>
-            <a:r>
-              <a:rPr lang="cs-CZ" sz="1600" dirty="0" smtClean="0"/>
-              <a:t>TF_LOG_PATH: cesta k souboru s logy, výstup bude na </a:t>
-            </a:r>
-            <a:r>
-              <a:rPr lang="cs-CZ" sz="1600" dirty="0" err="1">
+            <a:pPr lvl="2"/>
+            <a:r>
+              <a:rPr lang="cs-CZ" sz="1400" dirty="0" err="1" smtClean="0"/>
+              <a:t>Other</a:t>
+            </a:r>
+            <a:r>
+              <a:rPr lang="cs-CZ" sz="1400" dirty="0" smtClean="0"/>
+              <a:t> </a:t>
+            </a:r>
+            <a:r>
+              <a:rPr lang="cs-CZ" sz="1400" dirty="0" err="1" smtClean="0"/>
+              <a:t>systems</a:t>
+            </a:r>
+            <a:r>
+              <a:rPr lang="cs-CZ" sz="1400" dirty="0" smtClean="0"/>
+              <a:t>: </a:t>
+            </a:r>
+            <a:r>
+              <a:rPr lang="cs-CZ" sz="1400" dirty="0">
                 <a:solidFill>
                   <a:schemeClr val="accent6">
                     <a:lumMod val="75000"/>
@@ -4241,106 +4354,140 @@
                 </a:solidFill>
                 <a:latin typeface="Consolas" panose="020B0609020204030204" pitchFamily="49" charset="0"/>
               </a:rPr>
-              <a:t>stderr</a:t>
-            </a:r>
-            <a:r>
-              <a:rPr lang="cs-CZ" sz="1600" dirty="0" smtClean="0"/>
-              <a:t> i do souboru</a:t>
-            </a:r>
+              <a:t>~/.</a:t>
+            </a:r>
+            <a:r>
+              <a:rPr lang="cs-CZ" sz="1400" dirty="0" err="1" smtClean="0">
+                <a:solidFill>
+                  <a:schemeClr val="accent6">
+                    <a:lumMod val="75000"/>
+                  </a:schemeClr>
+                </a:solidFill>
+                <a:latin typeface="Consolas" panose="020B0609020204030204" pitchFamily="49" charset="0"/>
+              </a:rPr>
+              <a:t>terraformrc</a:t>
+            </a:r>
+            <a:endParaRPr lang="cs-CZ" sz="1800" dirty="0">
+              <a:solidFill>
+                <a:schemeClr val="accent6">
+                  <a:lumMod val="75000"/>
+                </a:schemeClr>
+              </a:solidFill>
+              <a:latin typeface="Consolas" panose="020B0609020204030204" pitchFamily="49" charset="0"/>
+            </a:endParaRPr>
           </a:p>
           <a:p>
             <a:pPr lvl="1"/>
             <a:r>
-              <a:rPr lang="cs-CZ" sz="1600" dirty="0" smtClean="0"/>
-              <a:t>TF_INPUT</a:t>
+              <a:rPr lang="cs-CZ" sz="1800" dirty="0" smtClean="0"/>
+              <a:t>HCL syntaxe</a:t>
             </a:r>
           </a:p>
           <a:p>
             <a:pPr lvl="1"/>
             <a:r>
-              <a:rPr lang="cs-CZ" sz="1600" dirty="0" err="1" smtClean="0"/>
-              <a:t>TF_VAR_name</a:t>
-            </a:r>
-            <a:r>
-              <a:rPr lang="cs-CZ" sz="1600" dirty="0" smtClean="0"/>
-              <a:t>: nastavení jakéhokoliv </a:t>
-            </a:r>
-            <a:r>
-              <a:rPr lang="cs-CZ" sz="1600" dirty="0" err="1" smtClean="0"/>
-              <a:t>variablu</a:t>
-            </a:r>
-            <a:r>
-              <a:rPr lang="cs-CZ" sz="1600" dirty="0" smtClean="0"/>
-              <a:t> jako vstupu</a:t>
-            </a:r>
+              <a:rPr lang="cs-CZ" sz="1800" dirty="0" err="1" smtClean="0"/>
+              <a:t>Documentation</a:t>
+            </a:r>
+            <a:r>
+              <a:rPr lang="cs-CZ" sz="1800" dirty="0"/>
+              <a:t>: </a:t>
+            </a:r>
+            <a:r>
+              <a:rPr lang="cs-CZ" sz="1800" dirty="0">
+                <a:hlinkClick r:id="rId3"/>
+              </a:rPr>
+              <a:t>https://</a:t>
+            </a:r>
+            <a:r>
+              <a:rPr lang="cs-CZ" sz="1800" dirty="0" smtClean="0">
+                <a:hlinkClick r:id="rId3"/>
+              </a:rPr>
+              <a:t>developer.hashicorp.com/terraform/cli/config/config-file</a:t>
+            </a:r>
+            <a:endParaRPr lang="cs-CZ" sz="1800" dirty="0" smtClean="0"/>
           </a:p>
           <a:p>
             <a:pPr lvl="1"/>
             <a:r>
-              <a:rPr lang="cs-CZ" sz="1600" dirty="0" smtClean="0"/>
-              <a:t>TF_CLI_ARGS and </a:t>
-            </a:r>
-            <a:r>
-              <a:rPr lang="cs-CZ" sz="1600" dirty="0" err="1" smtClean="0"/>
-              <a:t>TF_CLI_ARGS_name</a:t>
-            </a:r>
-            <a:endParaRPr lang="cs-CZ" sz="1600" dirty="0" smtClean="0"/>
-          </a:p>
-          <a:p>
-            <a:pPr lvl="1"/>
-            <a:r>
-              <a:rPr lang="cs-CZ" sz="1600" dirty="0" smtClean="0"/>
-              <a:t>TF_DATA_DIR</a:t>
-            </a:r>
-          </a:p>
-          <a:p>
-            <a:pPr lvl="1"/>
-            <a:r>
-              <a:rPr lang="cs-CZ" sz="1600" dirty="0" smtClean="0"/>
-              <a:t>TF_WORKSPACE</a:t>
-            </a:r>
-          </a:p>
-          <a:p>
-            <a:pPr lvl="1"/>
-            <a:r>
-              <a:rPr lang="cs-CZ" sz="1600" dirty="0" smtClean="0"/>
-              <a:t>TF_IN_AUTOMATION</a:t>
-            </a:r>
-          </a:p>
-          <a:p>
-            <a:pPr lvl="1"/>
-            <a:r>
-              <a:rPr lang="cs-CZ" sz="1600" dirty="0" smtClean="0"/>
-              <a:t>TF_REGISTRY_DISCOVERY_RETRY</a:t>
-            </a:r>
-          </a:p>
-          <a:p>
-            <a:pPr lvl="1"/>
-            <a:r>
-              <a:rPr lang="cs-CZ" sz="1600" dirty="0" smtClean="0"/>
-              <a:t>TF_REGISTRY_CLIENT_TIMEOUT</a:t>
-            </a:r>
-          </a:p>
-          <a:p>
-            <a:pPr lvl="1"/>
-            <a:r>
-              <a:rPr lang="cs-CZ" sz="1600" dirty="0" smtClean="0"/>
-              <a:t>TF_STATE_PERSIST_INTERVAL</a:t>
-            </a:r>
-          </a:p>
-          <a:p>
-            <a:pPr lvl="1"/>
-            <a:r>
-              <a:rPr lang="cs-CZ" sz="1600" dirty="0" smtClean="0"/>
-              <a:t>TF_CLI_CONFIG_FILE</a:t>
-            </a:r>
-          </a:p>
-          <a:p>
-            <a:pPr lvl="1"/>
-            <a:r>
-              <a:rPr lang="cs-CZ" sz="1600" dirty="0" smtClean="0"/>
-              <a:t>TF_PLUGIN_CACHE_DIR</a:t>
-            </a:r>
+              <a:rPr lang="cs-CZ" sz="1800" dirty="0" smtClean="0"/>
+              <a:t>Nastavení:</a:t>
+            </a:r>
+          </a:p>
+          <a:p>
+            <a:pPr lvl="2"/>
+            <a:r>
+              <a:rPr lang="cs-CZ" sz="1400" dirty="0" err="1" smtClean="0"/>
+              <a:t>credentials</a:t>
+            </a:r>
+            <a:r>
+              <a:rPr lang="cs-CZ" sz="1400" dirty="0" smtClean="0"/>
+              <a:t> (například pro ověření do </a:t>
+            </a:r>
+            <a:r>
+              <a:rPr lang="cs-CZ" sz="1400" dirty="0" err="1" smtClean="0"/>
+              <a:t>private</a:t>
+            </a:r>
+            <a:r>
+              <a:rPr lang="cs-CZ" sz="1400" dirty="0" smtClean="0"/>
+              <a:t> module registry)</a:t>
+            </a:r>
+          </a:p>
+          <a:p>
+            <a:pPr lvl="2"/>
+            <a:r>
+              <a:rPr lang="cs-CZ" sz="1400" dirty="0" err="1"/>
+              <a:t>c</a:t>
+            </a:r>
+            <a:r>
+              <a:rPr lang="cs-CZ" sz="1400" dirty="0" err="1" smtClean="0"/>
+              <a:t>redentials_helper</a:t>
+            </a:r>
+            <a:endParaRPr lang="cs-CZ" sz="1400" dirty="0" smtClean="0"/>
+          </a:p>
+          <a:p>
+            <a:pPr lvl="2"/>
+            <a:r>
+              <a:rPr lang="cs-CZ" sz="1400" dirty="0" err="1"/>
+              <a:t>d</a:t>
+            </a:r>
+            <a:r>
+              <a:rPr lang="cs-CZ" sz="1400" dirty="0" err="1" smtClean="0"/>
+              <a:t>isable_checkpoint</a:t>
+            </a:r>
+            <a:endParaRPr lang="cs-CZ" sz="1400" dirty="0" smtClean="0"/>
+          </a:p>
+          <a:p>
+            <a:pPr lvl="2"/>
+            <a:r>
+              <a:rPr lang="cs-CZ" sz="1400" dirty="0" err="1" smtClean="0"/>
+              <a:t>disable_checkpoint_signature</a:t>
+            </a:r>
+            <a:endParaRPr lang="cs-CZ" sz="1400" dirty="0" smtClean="0"/>
+          </a:p>
+          <a:p>
+            <a:pPr lvl="2"/>
+            <a:r>
+              <a:rPr lang="cs-CZ" sz="1400" dirty="0" err="1"/>
+              <a:t>p</a:t>
+            </a:r>
+            <a:r>
+              <a:rPr lang="cs-CZ" sz="1400" dirty="0" err="1" smtClean="0"/>
+              <a:t>lugin_cache_dir</a:t>
+            </a:r>
+            <a:endParaRPr lang="cs-CZ" sz="1400" dirty="0" smtClean="0"/>
+          </a:p>
+          <a:p>
+            <a:pPr lvl="2"/>
+            <a:r>
+              <a:rPr lang="cs-CZ" sz="1400" dirty="0" err="1" smtClean="0"/>
+              <a:t>provider_installation</a:t>
+            </a:r>
+            <a:r>
+              <a:rPr lang="cs-CZ" sz="1400" dirty="0" smtClean="0"/>
+              <a:t> (například použití lokálního zrcadla pro instalaci)</a:t>
+            </a:r>
+            <a:endParaRPr lang="cs-CZ" sz="1400" dirty="0"/>
           </a:p>
           <a:p>
             <a:pPr marL="457200" lvl="1" indent="0">
@@ -4436,7 +4583,7 @@
     </p:spTree>
     <p:extLst>
       <p:ext uri="{BB962C8B-B14F-4D97-AF65-F5344CB8AC3E}">
-        <p14:creationId xmlns:p14="http://schemas.microsoft.com/office/powerpoint/2010/main" val="924444661"/>
+        <p14:creationId xmlns:p14="http://schemas.microsoft.com/office/powerpoint/2010/main" val="3229752980"/>
       </p:ext>
     </p:extLst>
   </p:cSld>
@@ -4523,167 +4670,53 @@
           </a:xfrm>
         </p:spPr>
         <p:txBody>
-          <a:bodyPr/>
+          <a:bodyPr>
+            <a:normAutofit/>
+          </a:bodyPr>
           <a:lstStyle/>
           <a:p>
             <a:r>
               <a:rPr lang="cs-CZ" dirty="0" smtClean="0"/>
-              <a:t>Best </a:t>
+              <a:t>CLI </a:t>
             </a:r>
             <a:r>
               <a:rPr lang="cs-CZ" dirty="0" err="1" smtClean="0"/>
-              <a:t>practices</a:t>
+              <a:t>environment</a:t>
             </a:r>
             <a:r>
               <a:rPr lang="cs-CZ" dirty="0" smtClean="0"/>
-              <a:t> I</a:t>
-            </a:r>
+              <a:t> </a:t>
+            </a:r>
+            <a:r>
+              <a:rPr lang="cs-CZ" dirty="0" err="1" smtClean="0"/>
+              <a:t>variables</a:t>
+            </a:r>
+            <a:endParaRPr lang="cs-CZ" dirty="0" smtClean="0"/>
           </a:p>
           <a:p>
             <a:pPr lvl="1"/>
             <a:r>
-              <a:rPr lang="cs-CZ" sz="1800" dirty="0" err="1" smtClean="0"/>
-              <a:t>Remote</a:t>
-            </a:r>
-            <a:r>
-              <a:rPr lang="cs-CZ" sz="1800" dirty="0" smtClean="0"/>
-              <a:t> </a:t>
-            </a:r>
-            <a:r>
-              <a:rPr lang="cs-CZ" sz="1800" dirty="0" err="1" smtClean="0"/>
-              <a:t>backend</a:t>
-            </a:r>
-            <a:r>
-              <a:rPr lang="cs-CZ" sz="1800" dirty="0" smtClean="0"/>
-              <a:t> + </a:t>
-            </a:r>
-            <a:r>
-              <a:rPr lang="cs-CZ" sz="1800" dirty="0" err="1" smtClean="0"/>
-              <a:t>state</a:t>
-            </a:r>
-            <a:r>
-              <a:rPr lang="cs-CZ" sz="1800" dirty="0" smtClean="0"/>
-              <a:t> </a:t>
-            </a:r>
-            <a:r>
-              <a:rPr lang="cs-CZ" sz="1800" dirty="0" err="1" smtClean="0"/>
-              <a:t>locking</a:t>
-            </a:r>
-            <a:endParaRPr lang="cs-CZ" sz="1800" dirty="0" smtClean="0"/>
+              <a:rPr lang="cs-CZ" sz="1600" dirty="0">
+                <a:hlinkClick r:id="rId3"/>
+              </a:rPr>
+              <a:t>https://</a:t>
+            </a:r>
+            <a:r>
+              <a:rPr lang="cs-CZ" sz="1600" dirty="0" smtClean="0">
+                <a:hlinkClick r:id="rId3"/>
+              </a:rPr>
+              <a:t>developer.hashicorp.com/terraform/cli/config/environment-variables</a:t>
+            </a:r>
+            <a:endParaRPr lang="cs-CZ" dirty="0" smtClean="0"/>
           </a:p>
           <a:p>
             <a:pPr lvl="1"/>
             <a:r>
-              <a:rPr lang="cs-CZ" sz="1800" dirty="0" smtClean="0"/>
-              <a:t>Používání </a:t>
-            </a:r>
-            <a:r>
-              <a:rPr lang="cs-CZ" sz="1800" dirty="0" smtClean="0"/>
-              <a:t>modulů + jejich </a:t>
-            </a:r>
-            <a:r>
-              <a:rPr lang="cs-CZ" sz="1800" dirty="0" err="1" smtClean="0"/>
-              <a:t>verzování</a:t>
-            </a:r>
-            <a:endParaRPr lang="cs-CZ" sz="1800" dirty="0" smtClean="0"/>
-          </a:p>
-          <a:p>
-            <a:pPr lvl="1"/>
-            <a:r>
-              <a:rPr lang="cs-CZ" sz="1800" dirty="0" smtClean="0"/>
-              <a:t>Používání VCS (Git), jasné </a:t>
-            </a:r>
-            <a:r>
-              <a:rPr lang="cs-CZ" sz="1800" dirty="0" err="1" smtClean="0"/>
-              <a:t>commit</a:t>
-            </a:r>
-            <a:r>
-              <a:rPr lang="cs-CZ" sz="1800" dirty="0" smtClean="0"/>
-              <a:t> </a:t>
-            </a:r>
-            <a:r>
-              <a:rPr lang="cs-CZ" sz="1800" dirty="0" smtClean="0"/>
-              <a:t>zprávy, </a:t>
-            </a:r>
-            <a:r>
-              <a:rPr lang="cs-CZ" sz="1800" dirty="0" err="1" smtClean="0"/>
-              <a:t>pre-commit</a:t>
-            </a:r>
-            <a:r>
-              <a:rPr lang="cs-CZ" sz="1800" dirty="0" smtClean="0"/>
-              <a:t> </a:t>
-            </a:r>
-            <a:r>
-              <a:rPr lang="cs-CZ" sz="1800" dirty="0" err="1" smtClean="0"/>
-              <a:t>hooks</a:t>
-            </a:r>
-            <a:r>
-              <a:rPr lang="cs-CZ" sz="1800" dirty="0" smtClean="0"/>
-              <a:t> (viz testování a validace dále)</a:t>
-            </a:r>
-            <a:endParaRPr lang="cs-CZ" sz="1800" dirty="0" smtClean="0"/>
-          </a:p>
-          <a:p>
-            <a:pPr lvl="1"/>
-            <a:r>
-              <a:rPr lang="cs-CZ" sz="1800" dirty="0" smtClean="0"/>
-              <a:t>Izolace prostředí (oddělená konfigurace nebo </a:t>
-            </a:r>
-            <a:r>
-              <a:rPr lang="cs-CZ" sz="1800" dirty="0" err="1" smtClean="0"/>
-              <a:t>workspaces</a:t>
-            </a:r>
-            <a:r>
-              <a:rPr lang="cs-CZ" sz="1800" dirty="0" smtClean="0"/>
-              <a:t>)</a:t>
-            </a:r>
-          </a:p>
-          <a:p>
-            <a:pPr lvl="1"/>
-            <a:r>
-              <a:rPr lang="cs-CZ" sz="1800" dirty="0" smtClean="0"/>
-              <a:t>Jasné pojmenování</a:t>
-            </a:r>
-          </a:p>
-          <a:p>
-            <a:pPr lvl="2"/>
-            <a:r>
-              <a:rPr lang="cs-CZ" sz="1400" dirty="0" err="1" smtClean="0"/>
-              <a:t>snake_case</a:t>
-            </a:r>
-            <a:endParaRPr lang="cs-CZ" sz="1400" dirty="0" smtClean="0"/>
-          </a:p>
-          <a:p>
-            <a:pPr lvl="2"/>
-            <a:r>
-              <a:rPr lang="cs-CZ" sz="1400" dirty="0" smtClean="0"/>
-              <a:t>Neopakujte v názvu </a:t>
-            </a:r>
-            <a:r>
-              <a:rPr lang="cs-CZ" sz="1400" dirty="0" err="1" smtClean="0"/>
-              <a:t>resource</a:t>
-            </a:r>
-            <a:r>
-              <a:rPr lang="cs-CZ" sz="1400" dirty="0" smtClean="0"/>
-              <a:t> jeho typ</a:t>
-            </a:r>
-          </a:p>
-          <a:p>
-            <a:pPr lvl="2"/>
-            <a:r>
-              <a:rPr lang="cs-CZ" sz="1400" dirty="0" smtClean="0"/>
-              <a:t>V modulech a dynamických zdrojích jméno </a:t>
-            </a:r>
-            <a:r>
-              <a:rPr lang="cs-CZ" sz="1400" dirty="0" err="1" smtClean="0"/>
-              <a:t>resource</a:t>
-            </a:r>
-            <a:r>
-              <a:rPr lang="cs-CZ" sz="1400" dirty="0" smtClean="0"/>
-              <a:t> „</a:t>
-            </a:r>
-            <a:r>
-              <a:rPr lang="cs-CZ" sz="1400" dirty="0" err="1">
+              <a:rPr lang="cs-CZ" sz="1600" dirty="0" smtClean="0"/>
+              <a:t>TF_LOG (TF_LOG_CORE, TF_LOG_PROVIDER): výstup na </a:t>
+            </a:r>
+            <a:r>
+              <a:rPr lang="cs-CZ" sz="1600" dirty="0" err="1" smtClean="0">
                 <a:solidFill>
                   <a:schemeClr val="accent6">
                     <a:lumMod val="75000"/>
@@ -4691,164 +4724,262 @@
                 </a:solidFill>
                 <a:latin typeface="Consolas" panose="020B0609020204030204" pitchFamily="49" charset="0"/>
               </a:rPr>
-              <a:t>this</a:t>
-            </a:r>
-            <a:r>
-              <a:rPr lang="cs-CZ" sz="1400" dirty="0" smtClean="0"/>
-              <a:t>“</a:t>
-            </a:r>
-          </a:p>
-          <a:p>
-            <a:pPr lvl="2"/>
-            <a:r>
-              <a:rPr lang="cs-CZ" sz="1400" dirty="0" smtClean="0"/>
-              <a:t>V outputech neopakovat jméno </a:t>
-            </a:r>
-            <a:r>
-              <a:rPr lang="cs-CZ" sz="1400" dirty="0" err="1" smtClean="0"/>
-              <a:t>resource</a:t>
-            </a:r>
-            <a:endParaRPr lang="cs-CZ" sz="1400" dirty="0" smtClean="0"/>
+              <a:t>stderr</a:t>
+            </a:r>
+            <a:r>
+              <a:rPr lang="cs-CZ" sz="1600" dirty="0" smtClean="0"/>
+              <a:t>, </a:t>
+            </a:r>
+            <a:r>
+              <a:rPr lang="cs-CZ" sz="1600" dirty="0" err="1" smtClean="0"/>
+              <a:t>levels</a:t>
+            </a:r>
+            <a:r>
+              <a:rPr lang="cs-CZ" sz="1600" dirty="0" smtClean="0"/>
+              <a:t> </a:t>
+            </a:r>
+            <a:r>
+              <a:rPr lang="cs-CZ" sz="1600" dirty="0" smtClean="0">
+                <a:solidFill>
+                  <a:schemeClr val="accent6">
+                    <a:lumMod val="75000"/>
+                  </a:schemeClr>
+                </a:solidFill>
+                <a:latin typeface="Consolas" panose="020B0609020204030204" pitchFamily="49" charset="0"/>
+              </a:rPr>
+              <a:t>TRACE, DEBUG, INFO, WARN, ERROR, </a:t>
+            </a:r>
+            <a:r>
+              <a:rPr lang="cs-CZ" sz="1600" dirty="0" err="1" smtClean="0">
+                <a:solidFill>
+                  <a:schemeClr val="accent6">
+                    <a:lumMod val="75000"/>
+                  </a:schemeClr>
+                </a:solidFill>
+                <a:latin typeface="Consolas" panose="020B0609020204030204" pitchFamily="49" charset="0"/>
+              </a:rPr>
+              <a:t>off</a:t>
+            </a:r>
+            <a:endParaRPr lang="cs-CZ" sz="1600" dirty="0" smtClean="0">
+              <a:solidFill>
+                <a:schemeClr val="accent6">
+                  <a:lumMod val="75000"/>
+                </a:schemeClr>
+              </a:solidFill>
+              <a:latin typeface="Consolas" panose="020B0609020204030204" pitchFamily="49" charset="0"/>
+            </a:endParaRPr>
           </a:p>
           <a:p>
             <a:pPr lvl="1"/>
             <a:r>
-              <a:rPr lang="cs-CZ" sz="1800" dirty="0" smtClean="0"/>
-              <a:t>Vyhnutí se </a:t>
-            </a:r>
-            <a:r>
-              <a:rPr lang="cs-CZ" sz="1800" dirty="0" err="1" smtClean="0"/>
-              <a:t>hardcodingu</a:t>
-            </a:r>
-            <a:r>
-              <a:rPr lang="cs-CZ" sz="1800" dirty="0" smtClean="0"/>
-              <a:t> hodnot, použití </a:t>
-            </a:r>
-            <a:r>
-              <a:rPr lang="cs-CZ" sz="1800" dirty="0" err="1" smtClean="0"/>
-              <a:t>variables</a:t>
-            </a:r>
+              <a:rPr lang="cs-CZ" sz="1600" dirty="0" smtClean="0"/>
+              <a:t>TF_LOG_PATH: cesta k souboru s logy, výstup bude na </a:t>
+            </a:r>
+            <a:r>
+              <a:rPr lang="cs-CZ" sz="1600" dirty="0" err="1">
+                <a:solidFill>
+                  <a:schemeClr val="accent6">
+                    <a:lumMod val="75000"/>
+                  </a:schemeClr>
+                </a:solidFill>
+                <a:latin typeface="Consolas" panose="020B0609020204030204" pitchFamily="49" charset="0"/>
+              </a:rPr>
+              <a:t>stderr</a:t>
+            </a:r>
+            <a:r>
+              <a:rPr lang="cs-CZ" sz="1600" dirty="0" smtClean="0"/>
+              <a:t> i do souboru</a:t>
+            </a:r>
+          </a:p>
+          <a:p>
+            <a:pPr lvl="1"/>
+            <a:r>
+              <a:rPr lang="cs-CZ" sz="1600" dirty="0" smtClean="0"/>
+              <a:t>TF_INPUT</a:t>
+            </a:r>
+          </a:p>
+          <a:p>
+            <a:pPr lvl="1"/>
+            <a:r>
+              <a:rPr lang="cs-CZ" sz="1600" dirty="0" err="1" smtClean="0"/>
+              <a:t>TF_VAR_name</a:t>
+            </a:r>
+            <a:r>
+              <a:rPr lang="cs-CZ" sz="1600" dirty="0" smtClean="0"/>
+              <a:t>: nastavení jakéhokoliv </a:t>
+            </a:r>
+            <a:r>
+              <a:rPr lang="cs-CZ" sz="1600" dirty="0" err="1" smtClean="0"/>
+              <a:t>variablu</a:t>
+            </a:r>
+            <a:r>
+              <a:rPr lang="cs-CZ" sz="1600" dirty="0" smtClean="0"/>
+              <a:t> jako vstupu</a:t>
+            </a:r>
+          </a:p>
+          <a:p>
+            <a:pPr lvl="1"/>
+            <a:r>
+              <a:rPr lang="cs-CZ" sz="1600" dirty="0" smtClean="0"/>
+              <a:t>TF_CLI_ARGS and </a:t>
+            </a:r>
+            <a:r>
+              <a:rPr lang="cs-CZ" sz="1600" dirty="0" err="1" smtClean="0"/>
+              <a:t>TF_CLI_ARGS_name</a:t>
+            </a:r>
+            <a:endParaRPr lang="cs-CZ" sz="1600" dirty="0" smtClean="0"/>
+          </a:p>
+          <a:p>
+            <a:pPr lvl="1"/>
+            <a:r>
+              <a:rPr lang="cs-CZ" sz="1600" dirty="0" smtClean="0"/>
+              <a:t>TF_DATA_DIR</a:t>
+            </a:r>
+          </a:p>
+          <a:p>
+            <a:pPr lvl="1"/>
+            <a:r>
+              <a:rPr lang="cs-CZ" sz="1600" dirty="0" smtClean="0"/>
+              <a:t>TF_WORKSPACE</a:t>
+            </a:r>
+          </a:p>
+          <a:p>
+            <a:pPr lvl="1"/>
+            <a:r>
+              <a:rPr lang="cs-CZ" sz="1600" dirty="0" smtClean="0"/>
+              <a:t>TF_IN_AUTOMATION</a:t>
+            </a:r>
+          </a:p>
+          <a:p>
+            <a:pPr lvl="1"/>
+            <a:r>
+              <a:rPr lang="cs-CZ" sz="1600" dirty="0" smtClean="0"/>
+              <a:t>TF_REGISTRY_DISCOVERY_RETRY</a:t>
+            </a:r>
+          </a:p>
+          <a:p>
+            <a:pPr lvl="1"/>
+            <a:r>
+              <a:rPr lang="cs-CZ" sz="1600" dirty="0" smtClean="0"/>
+              <a:t>TF_REGISTRY_CLIENT_TIMEOUT</a:t>
+            </a:r>
+          </a:p>
+          <a:p>
+            <a:pPr lvl="1"/>
+            <a:r>
+              <a:rPr lang="cs-CZ" sz="1600" dirty="0" smtClean="0"/>
+              <a:t>TF_STATE_PERSIST_INTERVAL</a:t>
+            </a:r>
+          </a:p>
+          <a:p>
+            <a:pPr lvl="1"/>
+            <a:r>
+              <a:rPr lang="cs-CZ" sz="1600" dirty="0" smtClean="0"/>
+              <a:t>TF_CLI_CONFIG_FILE</a:t>
+            </a:r>
+          </a:p>
+          <a:p>
+            <a:pPr lvl="1"/>
+            <a:r>
+              <a:rPr lang="cs-CZ" sz="1600" dirty="0" smtClean="0"/>
+              <a:t>TF_PLUGIN_CACHE_DIR</a:t>
+            </a:r>
+          </a:p>
+          <a:p>
+            <a:pPr marL="457200" lvl="1" indent="0">
+              <a:buNone/>
+            </a:pPr>
             <a:endParaRPr lang="cs-CZ" sz="1800" dirty="0" smtClean="0"/>
           </a:p>
-          <a:p>
-            <a:pPr lvl="1"/>
-            <a:r>
-              <a:rPr lang="cs-CZ" sz="1800" dirty="0" smtClean="0"/>
-              <a:t>Ochrana citlivých dat</a:t>
-            </a:r>
-          </a:p>
-          <a:p>
-            <a:pPr lvl="2"/>
-            <a:r>
-              <a:rPr lang="cs-CZ" sz="1400" dirty="0" smtClean="0"/>
-              <a:t>Citlivá data by neměla být v </a:t>
-            </a:r>
-            <a:r>
-              <a:rPr lang="cs-CZ" sz="1400" dirty="0" err="1" smtClean="0"/>
-              <a:t>Terraform</a:t>
-            </a:r>
-            <a:r>
-              <a:rPr lang="cs-CZ" sz="1400" dirty="0" smtClean="0"/>
-              <a:t> konfiguraci</a:t>
-            </a:r>
-          </a:p>
-          <a:p>
-            <a:pPr lvl="2"/>
-            <a:r>
-              <a:rPr lang="cs-CZ" sz="1400" dirty="0" smtClean="0"/>
-              <a:t>Použití AWS </a:t>
-            </a:r>
-            <a:r>
-              <a:rPr lang="cs-CZ" sz="1400" dirty="0" err="1" smtClean="0"/>
-              <a:t>Secret</a:t>
-            </a:r>
-            <a:r>
-              <a:rPr lang="cs-CZ" sz="1400" dirty="0" smtClean="0"/>
-              <a:t> </a:t>
-            </a:r>
-            <a:r>
-              <a:rPr lang="cs-CZ" sz="1400" dirty="0" err="1" smtClean="0"/>
-              <a:t>Manager</a:t>
-            </a:r>
-            <a:r>
-              <a:rPr lang="cs-CZ" sz="1400" dirty="0" smtClean="0"/>
-              <a:t>, Azure </a:t>
-            </a:r>
-            <a:r>
-              <a:rPr lang="cs-CZ" sz="1400" dirty="0" err="1" smtClean="0"/>
-              <a:t>Key</a:t>
-            </a:r>
-            <a:r>
-              <a:rPr lang="cs-CZ" sz="1400" dirty="0" smtClean="0"/>
-              <a:t> </a:t>
-            </a:r>
-            <a:r>
-              <a:rPr lang="cs-CZ" sz="1400" dirty="0" err="1" smtClean="0"/>
-              <a:t>Vault</a:t>
-            </a:r>
-            <a:r>
-              <a:rPr lang="cs-CZ" sz="1400" dirty="0" smtClean="0"/>
-              <a:t>, </a:t>
-            </a:r>
-            <a:r>
-              <a:rPr lang="cs-CZ" sz="1400" dirty="0" err="1" smtClean="0"/>
-              <a:t>HashiCorp</a:t>
-            </a:r>
-            <a:r>
-              <a:rPr lang="cs-CZ" sz="1400" dirty="0" smtClean="0"/>
-              <a:t> </a:t>
-            </a:r>
-            <a:r>
-              <a:rPr lang="cs-CZ" sz="1400" dirty="0" err="1" smtClean="0"/>
-              <a:t>Vault</a:t>
-            </a:r>
-            <a:r>
-              <a:rPr lang="cs-CZ" sz="1400" dirty="0" smtClean="0"/>
-              <a:t>,…</a:t>
-            </a:r>
-          </a:p>
-          <a:p>
-            <a:pPr lvl="2"/>
-            <a:endParaRPr lang="cs-CZ" sz="1600" dirty="0" smtClean="0"/>
-          </a:p>
-          <a:p>
-            <a:pPr lvl="1"/>
-            <a:endParaRPr lang="cs-CZ" sz="2000" dirty="0" smtClean="0"/>
-          </a:p>
-          <a:p>
-            <a:pPr lvl="1"/>
-            <a:endParaRPr lang="cs-CZ" sz="2000" dirty="0" smtClean="0"/>
-          </a:p>
-        </p:txBody>
-      </p:sp>
-      <p:pic>
-        <p:nvPicPr>
-          <p:cNvPr id="2" name="Obrázek 1"/>
-          <p:cNvPicPr>
-            <a:picLocks noChangeAspect="1"/>
-          </p:cNvPicPr>
+        </p:txBody>
+      </p:sp>
+      <p:sp>
+        <p:nvSpPr>
+          <p:cNvPr id="2" name="Rectangle 1"/>
+          <p:cNvSpPr>
+            <a:spLocks noChangeArrowheads="1"/>
+          </p:cNvSpPr>
           <p:nvPr/>
-        </p:nvPicPr>
-        <p:blipFill>
-          <a:blip r:embed="rId3"/>
-          <a:stretch>
-            <a:fillRect/>
-          </a:stretch>
-        </p:blipFill>
-        <p:spPr>
+        </p:nvSpPr>
+        <p:spPr bwMode="auto">
           <a:xfrm>
-            <a:off x="1614042" y="5373216"/>
-            <a:ext cx="6010275" cy="962025"/>
+            <a:off x="0" y="-138499"/>
+            <a:ext cx="9144000" cy="276999"/>
           </a:xfrm>
           <a:prstGeom prst="rect">
             <a:avLst/>
           </a:prstGeom>
+          <a:solidFill>
+            <a:srgbClr val="FFFFFF"/>
+          </a:solidFill>
+          <a:ln>
+            <a:noFill/>
+          </a:ln>
+          <a:effectLst/>
+          <a:extLst>
+            <a:ext uri="{91240B29-F687-4F45-9708-019B960494DF}">
+              <a14:hiddenLine xmlns:a14="http://schemas.microsoft.com/office/drawing/2010/main" w="9525">
+                <a:solidFill>
+                  <a:schemeClr val="tx1"/>
+                </a:solidFill>
+                <a:miter lim="800000"/>
+                <a:headEnd/>
+                <a:tailEnd/>
+              </a14:hiddenLine>
+            </a:ext>
+            <a:ext uri="{AF507438-7753-43E0-B8FC-AC1667EBCBE1}">
+              <a14:hiddenEffects xmlns:a14="http://schemas.microsoft.com/office/drawing/2010/main">
+                <a:effectLst>
+                  <a:outerShdw dist="35921" dir="2700000" algn="ctr" rotWithShape="0">
+                    <a:schemeClr val="bg2"/>
+                  </a:outerShdw>
+                </a:effectLst>
+              </a14:hiddenEffects>
+            </a:ext>
+          </a:extLst>
         </p:spPr>
-      </p:pic>
+        <p:txBody>
+          <a:bodyPr vert="horz" wrap="square" lIns="0" tIns="0" rIns="0" bIns="0" numCol="1" anchor="ctr" anchorCtr="0" compatLnSpc="1">
+            <a:prstTxWarp prst="textNoShape">
+              <a:avLst/>
+            </a:prstTxWarp>
+            <a:spAutoFit/>
+          </a:bodyPr>
+          <a:lstStyle/>
+          <a:p>
+            <a:pPr marL="0" marR="0" lvl="0" indent="0" algn="l" defTabSz="914400" rtl="0" eaLnBrk="0" fontAlgn="base" latinLnBrk="0" hangingPunct="0">
+              <a:lnSpc>
+                <a:spcPct val="100000"/>
+              </a:lnSpc>
+              <a:spcBef>
+                <a:spcPct val="0"/>
+              </a:spcBef>
+              <a:spcAft>
+                <a:spcPct val="0"/>
+              </a:spcAft>
+              <a:buClrTx/>
+              <a:buSzTx/>
+              <a:buFontTx/>
+              <a:buNone/>
+              <a:tabLst/>
+            </a:pPr>
+            <a:endParaRPr kumimoji="0" lang="cs-CZ" altLang="cs-CZ" sz="1800" b="0" i="0" u="none" strike="noStrike" cap="none" normalizeH="0" baseline="0" dirty="0" smtClean="0">
+              <a:ln>
+                <a:noFill/>
+              </a:ln>
+              <a:solidFill>
+                <a:schemeClr val="tx1"/>
+              </a:solidFill>
+              <a:effectLst/>
+              <a:latin typeface="Arial" panose="020B0604020202020204" pitchFamily="34" charset="0"/>
+            </a:endParaRPr>
+          </a:p>
+        </p:txBody>
+      </p:sp>
     </p:spTree>
     <p:extLst>
       <p:ext uri="{BB962C8B-B14F-4D97-AF65-F5344CB8AC3E}">
-        <p14:creationId xmlns:p14="http://schemas.microsoft.com/office/powerpoint/2010/main" val="2783836424"/>
+        <p14:creationId xmlns:p14="http://schemas.microsoft.com/office/powerpoint/2010/main" val="924444661"/>
       </p:ext>
     </p:extLst>
   </p:cSld>
@@ -4948,6 +5079,409 @@
             </a:r>
             <a:r>
               <a:rPr lang="cs-CZ" dirty="0" smtClean="0"/>
+              <a:t> I</a:t>
+            </a:r>
+          </a:p>
+          <a:p>
+            <a:pPr lvl="1"/>
+            <a:r>
+              <a:rPr lang="cs-CZ" sz="1800" dirty="0" err="1" smtClean="0"/>
+              <a:t>Remote</a:t>
+            </a:r>
+            <a:r>
+              <a:rPr lang="cs-CZ" sz="1800" dirty="0" smtClean="0"/>
+              <a:t> </a:t>
+            </a:r>
+            <a:r>
+              <a:rPr lang="cs-CZ" sz="1800" dirty="0" err="1" smtClean="0"/>
+              <a:t>backend</a:t>
+            </a:r>
+            <a:r>
+              <a:rPr lang="cs-CZ" sz="1800" dirty="0" smtClean="0"/>
+              <a:t> + </a:t>
+            </a:r>
+            <a:r>
+              <a:rPr lang="cs-CZ" sz="1800" dirty="0" err="1" smtClean="0"/>
+              <a:t>state</a:t>
+            </a:r>
+            <a:r>
+              <a:rPr lang="cs-CZ" sz="1800" dirty="0" smtClean="0"/>
+              <a:t> </a:t>
+            </a:r>
+            <a:r>
+              <a:rPr lang="cs-CZ" sz="1800" dirty="0" err="1" smtClean="0"/>
+              <a:t>locking</a:t>
+            </a:r>
+            <a:endParaRPr lang="cs-CZ" sz="1800" dirty="0" smtClean="0"/>
+          </a:p>
+          <a:p>
+            <a:pPr lvl="1"/>
+            <a:r>
+              <a:rPr lang="cs-CZ" sz="1800" dirty="0" smtClean="0"/>
+              <a:t>Používání modulů + jejich </a:t>
+            </a:r>
+            <a:r>
+              <a:rPr lang="cs-CZ" sz="1800" dirty="0" err="1" smtClean="0"/>
+              <a:t>verzování</a:t>
+            </a:r>
+            <a:endParaRPr lang="cs-CZ" sz="1800" dirty="0" smtClean="0"/>
+          </a:p>
+          <a:p>
+            <a:pPr lvl="1"/>
+            <a:r>
+              <a:rPr lang="cs-CZ" sz="1800" dirty="0" smtClean="0"/>
+              <a:t>Používání VCS (Git), jasné </a:t>
+            </a:r>
+            <a:r>
+              <a:rPr lang="cs-CZ" sz="1800" dirty="0" err="1" smtClean="0"/>
+              <a:t>commit</a:t>
+            </a:r>
+            <a:r>
+              <a:rPr lang="cs-CZ" sz="1800" dirty="0" smtClean="0"/>
+              <a:t> zprávy, </a:t>
+            </a:r>
+            <a:r>
+              <a:rPr lang="cs-CZ" sz="1800" dirty="0" err="1" smtClean="0"/>
+              <a:t>pre-commit</a:t>
+            </a:r>
+            <a:r>
+              <a:rPr lang="cs-CZ" sz="1800" dirty="0" smtClean="0"/>
+              <a:t> </a:t>
+            </a:r>
+            <a:r>
+              <a:rPr lang="cs-CZ" sz="1800" dirty="0" err="1" smtClean="0"/>
+              <a:t>hooks</a:t>
+            </a:r>
+            <a:r>
+              <a:rPr lang="cs-CZ" sz="1800" dirty="0" smtClean="0"/>
+              <a:t> (viz testování a validace dále)</a:t>
+            </a:r>
+          </a:p>
+          <a:p>
+            <a:pPr lvl="1"/>
+            <a:r>
+              <a:rPr lang="cs-CZ" sz="1800" dirty="0" smtClean="0"/>
+              <a:t>Izolace prostředí (oddělená konfigurace nebo </a:t>
+            </a:r>
+            <a:r>
+              <a:rPr lang="cs-CZ" sz="1800" dirty="0" err="1" smtClean="0"/>
+              <a:t>workspaces</a:t>
+            </a:r>
+            <a:r>
+              <a:rPr lang="cs-CZ" sz="1800" dirty="0" smtClean="0"/>
+              <a:t>)</a:t>
+            </a:r>
+          </a:p>
+          <a:p>
+            <a:pPr lvl="1"/>
+            <a:r>
+              <a:rPr lang="cs-CZ" sz="1800" dirty="0" smtClean="0"/>
+              <a:t>Jasné pojmenování</a:t>
+            </a:r>
+          </a:p>
+          <a:p>
+            <a:pPr lvl="2"/>
+            <a:r>
+              <a:rPr lang="cs-CZ" sz="1400" dirty="0" err="1" smtClean="0"/>
+              <a:t>snake_case</a:t>
+            </a:r>
+            <a:endParaRPr lang="cs-CZ" sz="1400" dirty="0" smtClean="0"/>
+          </a:p>
+          <a:p>
+            <a:pPr lvl="2"/>
+            <a:r>
+              <a:rPr lang="cs-CZ" sz="1400" dirty="0" smtClean="0"/>
+              <a:t>Neopakujte v názvu </a:t>
+            </a:r>
+            <a:r>
+              <a:rPr lang="cs-CZ" sz="1400" dirty="0" err="1" smtClean="0"/>
+              <a:t>resource</a:t>
+            </a:r>
+            <a:r>
+              <a:rPr lang="cs-CZ" sz="1400" dirty="0" smtClean="0"/>
+              <a:t> jeho typ</a:t>
+            </a:r>
+          </a:p>
+          <a:p>
+            <a:pPr lvl="2"/>
+            <a:r>
+              <a:rPr lang="cs-CZ" sz="1400" dirty="0" smtClean="0"/>
+              <a:t>V modulech a dynamických zdrojích jméno </a:t>
+            </a:r>
+            <a:r>
+              <a:rPr lang="cs-CZ" sz="1400" dirty="0" err="1" smtClean="0"/>
+              <a:t>resource</a:t>
+            </a:r>
+            <a:r>
+              <a:rPr lang="cs-CZ" sz="1400" dirty="0" smtClean="0"/>
+              <a:t> „</a:t>
+            </a:r>
+            <a:r>
+              <a:rPr lang="cs-CZ" sz="1400" dirty="0" err="1">
+                <a:solidFill>
+                  <a:schemeClr val="accent6">
+                    <a:lumMod val="75000"/>
+                  </a:schemeClr>
+                </a:solidFill>
+                <a:latin typeface="Consolas" panose="020B0609020204030204" pitchFamily="49" charset="0"/>
+              </a:rPr>
+              <a:t>this</a:t>
+            </a:r>
+            <a:r>
+              <a:rPr lang="cs-CZ" sz="1400" dirty="0" smtClean="0"/>
+              <a:t>“</a:t>
+            </a:r>
+          </a:p>
+          <a:p>
+            <a:pPr lvl="2"/>
+            <a:r>
+              <a:rPr lang="cs-CZ" sz="1400" dirty="0" smtClean="0"/>
+              <a:t>V outputech neopakovat jméno </a:t>
+            </a:r>
+            <a:r>
+              <a:rPr lang="cs-CZ" sz="1400" dirty="0" err="1" smtClean="0"/>
+              <a:t>resource</a:t>
+            </a:r>
+            <a:endParaRPr lang="cs-CZ" sz="1400" dirty="0" smtClean="0"/>
+          </a:p>
+          <a:p>
+            <a:pPr lvl="1"/>
+            <a:r>
+              <a:rPr lang="cs-CZ" sz="1800" dirty="0" smtClean="0"/>
+              <a:t>Vyhnutí se </a:t>
+            </a:r>
+            <a:r>
+              <a:rPr lang="cs-CZ" sz="1800" dirty="0" err="1" smtClean="0"/>
+              <a:t>hardcodingu</a:t>
+            </a:r>
+            <a:r>
+              <a:rPr lang="cs-CZ" sz="1800" dirty="0" smtClean="0"/>
+              <a:t> hodnot, použití </a:t>
+            </a:r>
+            <a:r>
+              <a:rPr lang="cs-CZ" sz="1800" dirty="0" err="1" smtClean="0"/>
+              <a:t>variables</a:t>
+            </a:r>
+            <a:endParaRPr lang="cs-CZ" sz="1800" dirty="0" smtClean="0"/>
+          </a:p>
+          <a:p>
+            <a:pPr lvl="1"/>
+            <a:r>
+              <a:rPr lang="cs-CZ" sz="1800" dirty="0" smtClean="0"/>
+              <a:t>Ochrana citlivých dat</a:t>
+            </a:r>
+          </a:p>
+          <a:p>
+            <a:pPr lvl="2"/>
+            <a:r>
+              <a:rPr lang="cs-CZ" sz="1400" dirty="0" smtClean="0"/>
+              <a:t>Citlivá data by neměla být v </a:t>
+            </a:r>
+            <a:r>
+              <a:rPr lang="cs-CZ" sz="1400" dirty="0" err="1" smtClean="0"/>
+              <a:t>Terraform</a:t>
+            </a:r>
+            <a:r>
+              <a:rPr lang="cs-CZ" sz="1400" dirty="0" smtClean="0"/>
+              <a:t> konfiguraci</a:t>
+            </a:r>
+          </a:p>
+          <a:p>
+            <a:pPr lvl="2"/>
+            <a:r>
+              <a:rPr lang="cs-CZ" sz="1400" dirty="0" smtClean="0"/>
+              <a:t>Použití AWS </a:t>
+            </a:r>
+            <a:r>
+              <a:rPr lang="cs-CZ" sz="1400" dirty="0" err="1" smtClean="0"/>
+              <a:t>Secret</a:t>
+            </a:r>
+            <a:r>
+              <a:rPr lang="cs-CZ" sz="1400" dirty="0" smtClean="0"/>
+              <a:t> </a:t>
+            </a:r>
+            <a:r>
+              <a:rPr lang="cs-CZ" sz="1400" dirty="0" err="1" smtClean="0"/>
+              <a:t>Manager</a:t>
+            </a:r>
+            <a:r>
+              <a:rPr lang="cs-CZ" sz="1400" dirty="0" smtClean="0"/>
+              <a:t>, Azure </a:t>
+            </a:r>
+            <a:r>
+              <a:rPr lang="cs-CZ" sz="1400" dirty="0" err="1" smtClean="0"/>
+              <a:t>Key</a:t>
+            </a:r>
+            <a:r>
+              <a:rPr lang="cs-CZ" sz="1400" dirty="0" smtClean="0"/>
+              <a:t> </a:t>
+            </a:r>
+            <a:r>
+              <a:rPr lang="cs-CZ" sz="1400" dirty="0" err="1" smtClean="0"/>
+              <a:t>Vault</a:t>
+            </a:r>
+            <a:r>
+              <a:rPr lang="cs-CZ" sz="1400" dirty="0" smtClean="0"/>
+              <a:t>, </a:t>
+            </a:r>
+            <a:r>
+              <a:rPr lang="cs-CZ" sz="1400" dirty="0" err="1" smtClean="0"/>
+              <a:t>HashiCorp</a:t>
+            </a:r>
+            <a:r>
+              <a:rPr lang="cs-CZ" sz="1400" dirty="0" smtClean="0"/>
+              <a:t> </a:t>
+            </a:r>
+            <a:r>
+              <a:rPr lang="cs-CZ" sz="1400" dirty="0" err="1" smtClean="0"/>
+              <a:t>Vault</a:t>
+            </a:r>
+            <a:r>
+              <a:rPr lang="cs-CZ" sz="1400" dirty="0" smtClean="0"/>
+              <a:t>,…</a:t>
+            </a:r>
+          </a:p>
+          <a:p>
+            <a:pPr lvl="2"/>
+            <a:endParaRPr lang="cs-CZ" sz="1600" dirty="0" smtClean="0"/>
+          </a:p>
+          <a:p>
+            <a:pPr lvl="1"/>
+            <a:endParaRPr lang="cs-CZ" sz="2000" dirty="0" smtClean="0"/>
+          </a:p>
+          <a:p>
+            <a:pPr lvl="1"/>
+            <a:endParaRPr lang="cs-CZ" sz="2000" dirty="0" smtClean="0"/>
+          </a:p>
+        </p:txBody>
+      </p:sp>
+      <p:pic>
+        <p:nvPicPr>
+          <p:cNvPr id="2" name="Obrázek 1"/>
+          <p:cNvPicPr>
+            <a:picLocks noChangeAspect="1"/>
+          </p:cNvPicPr>
+          <p:nvPr/>
+        </p:nvPicPr>
+        <p:blipFill>
+          <a:blip r:embed="rId3"/>
+          <a:stretch>
+            <a:fillRect/>
+          </a:stretch>
+        </p:blipFill>
+        <p:spPr>
+          <a:xfrm>
+            <a:off x="1614042" y="5373216"/>
+            <a:ext cx="6010275" cy="962025"/>
+          </a:xfrm>
+          <a:prstGeom prst="rect">
+            <a:avLst/>
+          </a:prstGeom>
+        </p:spPr>
+      </p:pic>
+    </p:spTree>
+    <p:extLst>
+      <p:ext uri="{BB962C8B-B14F-4D97-AF65-F5344CB8AC3E}">
+        <p14:creationId xmlns:p14="http://schemas.microsoft.com/office/powerpoint/2010/main" val="2783836424"/>
+      </p:ext>
+    </p:extLst>
+  </p:cSld>
+  <p:clrMapOvr>
+    <a:masterClrMapping/>
+  </p:clrMapOvr>
+  <p:timing>
+    <p:tnLst>
+      <p:par>
+        <p:cTn id="1" dur="indefinite" restart="never" nodeType="tmRoot"/>
+      </p:par>
+    </p:tnLst>
+  </p:timing>
+</p:sld>
+</file>
+
+<file path=ppt/slides/slide14.xml><?xml version="1.0" encoding="utf-8"?>
+<p:sld xmlns:a="http://schemas.openxmlformats.org/drawingml/2006/main" xmlns:r="http://schemas.openxmlformats.org/officeDocument/2006/relationships" xmlns:p="http://schemas.openxmlformats.org/presentationml/2006/main">
+  <p:cSld>
+    <p:spTree>
+      <p:nvGrpSpPr>
+        <p:cNvPr id="1" name=""/>
+        <p:cNvGrpSpPr/>
+        <p:nvPr/>
+      </p:nvGrpSpPr>
+      <p:grpSpPr>
+        <a:xfrm>
+          <a:off x="0" y="0"/>
+          <a:ext cx="0" cy="0"/>
+          <a:chOff x="0" y="0"/>
+          <a:chExt cx="0" cy="0"/>
+        </a:xfrm>
+      </p:grpSpPr>
+      <p:pic>
+        <p:nvPicPr>
+          <p:cNvPr id="11" name="Obrázek 10">
+            <a:extLst>
+              <a:ext uri="{FF2B5EF4-FFF2-40B4-BE49-F238E27FC236}">
+                <a16:creationId xmlns:a16="http://schemas.microsoft.com/office/drawing/2014/main" id="{4FF4A0B8-B6D8-13AE-15A1-4B15C9EB02F7}"/>
+              </a:ext>
+            </a:extLst>
+          </p:cNvPr>
+          <p:cNvPicPr>
+            <a:picLocks noChangeAspect="1"/>
+          </p:cNvPicPr>
+          <p:nvPr/>
+        </p:nvPicPr>
+        <p:blipFill>
+          <a:blip r:embed="rId2" cstate="print">
+            <a:extLst>
+              <a:ext uri="{28A0092B-C50C-407E-A947-70E740481C1C}">
+                <a14:useLocalDpi xmlns:a14="http://schemas.microsoft.com/office/drawing/2010/main" val="0"/>
+              </a:ext>
+            </a:extLst>
+          </a:blip>
+          <a:stretch>
+            <a:fillRect/>
+          </a:stretch>
+        </p:blipFill>
+        <p:spPr>
+          <a:xfrm>
+            <a:off x="456285" y="166136"/>
+            <a:ext cx="2315515" cy="434160"/>
+          </a:xfrm>
+          <a:prstGeom prst="rect">
+            <a:avLst/>
+          </a:prstGeom>
+        </p:spPr>
+      </p:pic>
+      <p:sp>
+        <p:nvSpPr>
+          <p:cNvPr id="3" name="Zástupný symbol pro text 8"/>
+          <p:cNvSpPr>
+            <a:spLocks noGrp="1"/>
+          </p:cNvSpPr>
+          <p:nvPr>
+            <p:ph type="body" idx="1"/>
+          </p:nvPr>
+        </p:nvSpPr>
+        <p:spPr>
+          <a:xfrm>
+            <a:off x="457200" y="600296"/>
+            <a:ext cx="8229600" cy="5853040"/>
+          </a:xfrm>
+        </p:spPr>
+        <p:txBody>
+          <a:bodyPr/>
+          <a:lstStyle/>
+          <a:p>
+            <a:r>
+              <a:rPr lang="cs-CZ" dirty="0" smtClean="0"/>
+              <a:t>Best </a:t>
+            </a:r>
+            <a:r>
+              <a:rPr lang="cs-CZ" dirty="0" err="1" smtClean="0"/>
+              <a:t>practices</a:t>
+            </a:r>
+            <a:r>
+              <a:rPr lang="cs-CZ" dirty="0" smtClean="0"/>
               <a:t> II</a:t>
             </a:r>
             <a:endParaRPr lang="cs-CZ" dirty="0"/>
@@ -5047,13 +5581,8 @@
             </a:r>
             <a:r>
               <a:rPr lang="cs-CZ" sz="1800" dirty="0" smtClean="0"/>
-              <a:t> apod., viz </a:t>
-            </a:r>
-            <a:r>
-              <a:rPr lang="cs-CZ" sz="1800" dirty="0" smtClean="0"/>
-              <a:t>dále ve školení</a:t>
-            </a:r>
-            <a:endParaRPr lang="cs-CZ" sz="1800" dirty="0" smtClean="0"/>
+              <a:t> apod., viz dále ve školení</a:t>
+            </a:r>
           </a:p>
           <a:p>
             <a:pPr lvl="1"/>
@@ -5773,15 +6302,7 @@
             <a:pPr lvl="1"/>
             <a:r>
               <a:rPr lang="cs-CZ" sz="2000" dirty="0" smtClean="0"/>
-              <a:t>Základní stavební blok , který reprezentuje konkrétní </a:t>
-            </a:r>
-            <a:r>
-              <a:rPr lang="cs-CZ" sz="2000" dirty="0" smtClean="0"/>
-              <a:t>komponentu </a:t>
-            </a:r>
-            <a:r>
-              <a:rPr lang="cs-CZ" sz="2000" dirty="0" smtClean="0"/>
-              <a:t>infrastruktury</a:t>
+              <a:t>Základní stavební blok , který reprezentuje konkrétní komponentu infrastruktury</a:t>
             </a:r>
             <a:endParaRPr lang="cs-CZ" sz="2000" dirty="0"/>
           </a:p>
@@ -6012,15 +6533,7 @@
             <a:pPr lvl="1"/>
             <a:r>
               <a:rPr lang="cs-CZ" sz="2000" dirty="0" smtClean="0"/>
-              <a:t>Umožňují </a:t>
-            </a:r>
-            <a:r>
-              <a:rPr lang="cs-CZ" sz="2000" dirty="0" smtClean="0"/>
-              <a:t>spouštět </a:t>
-            </a:r>
-            <a:r>
-              <a:rPr lang="cs-CZ" sz="2000" dirty="0" smtClean="0"/>
-              <a:t>akce ke zdroji, který byl právě upraven nebo vytvořen:	</a:t>
+              <a:t>Umožňují spouštět akce ke zdroji, který byl právě upraven nebo vytvořen:	</a:t>
             </a:r>
           </a:p>
           <a:p>
